--- a/CryptE_Diag.pptx
+++ b/CryptE_Diag.pptx
@@ -5,7 +5,7 @@
     <p:sldMasterId id="2147483648" r:id="rId1"/>
   </p:sldMasterIdLst>
   <p:notesMasterIdLst>
-    <p:notesMasterId r:id="rId8"/>
+    <p:notesMasterId r:id="rId9"/>
   </p:notesMasterIdLst>
   <p:sldIdLst>
     <p:sldId id="256" r:id="rId2"/>
@@ -13,7 +13,8 @@
     <p:sldId id="258" r:id="rId4"/>
     <p:sldId id="259" r:id="rId5"/>
     <p:sldId id="261" r:id="rId6"/>
-    <p:sldId id="291" r:id="rId7"/>
+    <p:sldId id="292" r:id="rId7"/>
+    <p:sldId id="291" r:id="rId8"/>
   </p:sldIdLst>
   <p:sldSz cx="13258800" cy="6858000"/>
   <p:notesSz cx="6858000" cy="9144000"/>
@@ -213,7 +214,7 @@
           <a:p>
             <a:fld id="{A6F110A2-5CF1-5144-9B72-ACDB325A8F1C}" type="datetimeFigureOut">
               <a:rPr lang="en-US" smtClean="0"/>
-              <a:t>1/26/19</a:t>
+              <a:t>1/31/19</a:t>
             </a:fld>
             <a:endParaRPr lang="en-US"/>
           </a:p>
@@ -659,7 +660,7 @@
           <a:p>
             <a:fld id="{3E60007C-8578-7044-BE79-6A32254A493D}" type="datetimeFigureOut">
               <a:rPr lang="en-US" smtClean="0"/>
-              <a:t>1/26/19</a:t>
+              <a:t>1/31/19</a:t>
             </a:fld>
             <a:endParaRPr lang="en-US"/>
           </a:p>
@@ -827,7 +828,7 @@
           <a:p>
             <a:fld id="{3E60007C-8578-7044-BE79-6A32254A493D}" type="datetimeFigureOut">
               <a:rPr lang="en-US" smtClean="0"/>
-              <a:t>1/26/19</a:t>
+              <a:t>1/31/19</a:t>
             </a:fld>
             <a:endParaRPr lang="en-US"/>
           </a:p>
@@ -1005,7 +1006,7 @@
           <a:p>
             <a:fld id="{3E60007C-8578-7044-BE79-6A32254A493D}" type="datetimeFigureOut">
               <a:rPr lang="en-US" smtClean="0"/>
-              <a:t>1/26/19</a:t>
+              <a:t>1/31/19</a:t>
             </a:fld>
             <a:endParaRPr lang="en-US"/>
           </a:p>
@@ -1173,7 +1174,7 @@
           <a:p>
             <a:fld id="{3E60007C-8578-7044-BE79-6A32254A493D}" type="datetimeFigureOut">
               <a:rPr lang="en-US" smtClean="0"/>
-              <a:t>1/26/19</a:t>
+              <a:t>1/31/19</a:t>
             </a:fld>
             <a:endParaRPr lang="en-US"/>
           </a:p>
@@ -1418,7 +1419,7 @@
           <a:p>
             <a:fld id="{3E60007C-8578-7044-BE79-6A32254A493D}" type="datetimeFigureOut">
               <a:rPr lang="en-US" smtClean="0"/>
-              <a:t>1/26/19</a:t>
+              <a:t>1/31/19</a:t>
             </a:fld>
             <a:endParaRPr lang="en-US"/>
           </a:p>
@@ -1703,7 +1704,7 @@
           <a:p>
             <a:fld id="{3E60007C-8578-7044-BE79-6A32254A493D}" type="datetimeFigureOut">
               <a:rPr lang="en-US" smtClean="0"/>
-              <a:t>1/26/19</a:t>
+              <a:t>1/31/19</a:t>
             </a:fld>
             <a:endParaRPr lang="en-US"/>
           </a:p>
@@ -2122,7 +2123,7 @@
           <a:p>
             <a:fld id="{3E60007C-8578-7044-BE79-6A32254A493D}" type="datetimeFigureOut">
               <a:rPr lang="en-US" smtClean="0"/>
-              <a:t>1/26/19</a:t>
+              <a:t>1/31/19</a:t>
             </a:fld>
             <a:endParaRPr lang="en-US"/>
           </a:p>
@@ -2239,7 +2240,7 @@
           <a:p>
             <a:fld id="{3E60007C-8578-7044-BE79-6A32254A493D}" type="datetimeFigureOut">
               <a:rPr lang="en-US" smtClean="0"/>
-              <a:t>1/26/19</a:t>
+              <a:t>1/31/19</a:t>
             </a:fld>
             <a:endParaRPr lang="en-US"/>
           </a:p>
@@ -2334,7 +2335,7 @@
           <a:p>
             <a:fld id="{3E60007C-8578-7044-BE79-6A32254A493D}" type="datetimeFigureOut">
               <a:rPr lang="en-US" smtClean="0"/>
-              <a:t>1/26/19</a:t>
+              <a:t>1/31/19</a:t>
             </a:fld>
             <a:endParaRPr lang="en-US"/>
           </a:p>
@@ -2609,7 +2610,7 @@
           <a:p>
             <a:fld id="{3E60007C-8578-7044-BE79-6A32254A493D}" type="datetimeFigureOut">
               <a:rPr lang="en-US" smtClean="0"/>
-              <a:t>1/26/19</a:t>
+              <a:t>1/31/19</a:t>
             </a:fld>
             <a:endParaRPr lang="en-US"/>
           </a:p>
@@ -2861,7 +2862,7 @@
           <a:p>
             <a:fld id="{3E60007C-8578-7044-BE79-6A32254A493D}" type="datetimeFigureOut">
               <a:rPr lang="en-US" smtClean="0"/>
-              <a:t>1/26/19</a:t>
+              <a:t>1/31/19</a:t>
             </a:fld>
             <a:endParaRPr lang="en-US"/>
           </a:p>
@@ -3072,7 +3073,7 @@
           <a:p>
             <a:fld id="{3E60007C-8578-7044-BE79-6A32254A493D}" type="datetimeFigureOut">
               <a:rPr lang="en-US" smtClean="0"/>
-              <a:t>1/26/19</a:t>
+              <a:t>1/31/19</a:t>
             </a:fld>
             <a:endParaRPr lang="en-US"/>
           </a:p>
@@ -6468,8 +6469,8 @@
           </a:fontRef>
         </p:style>
       </p:cxnSp>
-      <mc:AlternateContent xmlns:mc="http://schemas.openxmlformats.org/markup-compatibility/2006">
-        <mc:Choice xmlns:a14="http://schemas.microsoft.com/office/drawing/2010/main" Requires="a14">
+      <mc:AlternateContent xmlns:mc="http://schemas.openxmlformats.org/markup-compatibility/2006" xmlns:a14="http://schemas.microsoft.com/office/drawing/2010/main">
+        <mc:Choice Requires="a14">
           <p:sp>
             <p:nvSpPr>
               <p:cNvPr id="56" name="TextBox 55"/>
@@ -6564,7 +6565,7 @@
             </p:txBody>
           </p:sp>
         </mc:Choice>
-        <mc:Fallback>
+        <mc:Fallback xmlns="">
           <p:sp>
             <p:nvSpPr>
               <p:cNvPr id="56" name="TextBox 55"/>
@@ -7142,7 +7143,7 @@
           <p:cNvPr id="2" name="Rectangle 1">
             <a:extLst>
               <a:ext uri="{FF2B5EF4-FFF2-40B4-BE49-F238E27FC236}">
-                <a16:creationId xmlns:a16="http://schemas.microsoft.com/office/drawing/2014/main" id="{B3511FBF-E432-C049-B6CD-60E378600535}"/>
+                <a16:creationId xmlns:a16="http://schemas.microsoft.com/office/drawing/2014/main" xmlns="" id="{B3511FBF-E432-C049-B6CD-60E378600535}"/>
               </a:ext>
             </a:extLst>
           </p:cNvPr>
@@ -7188,7 +7189,7 @@
           <p:cNvPr id="3" name="Diamond 2">
             <a:extLst>
               <a:ext uri="{FF2B5EF4-FFF2-40B4-BE49-F238E27FC236}">
-                <a16:creationId xmlns:a16="http://schemas.microsoft.com/office/drawing/2014/main" id="{59E4EBB2-CC46-1444-938F-BFA388D6DEE2}"/>
+                <a16:creationId xmlns:a16="http://schemas.microsoft.com/office/drawing/2014/main" xmlns="" id="{59E4EBB2-CC46-1444-938F-BFA388D6DEE2}"/>
               </a:ext>
             </a:extLst>
           </p:cNvPr>
@@ -7232,7 +7233,7 @@
           <p:cNvPr id="4" name="Rectangle 3">
             <a:extLst>
               <a:ext uri="{FF2B5EF4-FFF2-40B4-BE49-F238E27FC236}">
-                <a16:creationId xmlns:a16="http://schemas.microsoft.com/office/drawing/2014/main" id="{F945F8CB-033D-E74A-B2B0-D000A8AE6C88}"/>
+                <a16:creationId xmlns:a16="http://schemas.microsoft.com/office/drawing/2014/main" xmlns="" id="{F945F8CB-033D-E74A-B2B0-D000A8AE6C88}"/>
               </a:ext>
             </a:extLst>
           </p:cNvPr>
@@ -7276,7 +7277,7 @@
           <p:cNvPr id="6" name="Elbow Connector 5">
             <a:extLst>
               <a:ext uri="{FF2B5EF4-FFF2-40B4-BE49-F238E27FC236}">
-                <a16:creationId xmlns:a16="http://schemas.microsoft.com/office/drawing/2014/main" id="{A621F839-7FB3-4840-A0BF-F9642D2DF731}"/>
+                <a16:creationId xmlns:a16="http://schemas.microsoft.com/office/drawing/2014/main" xmlns="" id="{A621F839-7FB3-4840-A0BF-F9642D2DF731}"/>
               </a:ext>
             </a:extLst>
           </p:cNvPr>
@@ -7321,7 +7322,7 @@
           <p:cNvPr id="8" name="Rectangle 7">
             <a:extLst>
               <a:ext uri="{FF2B5EF4-FFF2-40B4-BE49-F238E27FC236}">
-                <a16:creationId xmlns:a16="http://schemas.microsoft.com/office/drawing/2014/main" id="{D807B0F9-2730-4E4D-8BAA-743506782232}"/>
+                <a16:creationId xmlns:a16="http://schemas.microsoft.com/office/drawing/2014/main" xmlns="" id="{D807B0F9-2730-4E4D-8BAA-743506782232}"/>
               </a:ext>
             </a:extLst>
           </p:cNvPr>
@@ -7365,7 +7366,7 @@
           <p:cNvPr id="9" name="TextBox 8">
             <a:extLst>
               <a:ext uri="{FF2B5EF4-FFF2-40B4-BE49-F238E27FC236}">
-                <a16:creationId xmlns:a16="http://schemas.microsoft.com/office/drawing/2014/main" id="{02552B33-6782-1641-AF46-67DC67E4CA1F}"/>
+                <a16:creationId xmlns:a16="http://schemas.microsoft.com/office/drawing/2014/main" xmlns="" id="{02552B33-6782-1641-AF46-67DC67E4CA1F}"/>
               </a:ext>
             </a:extLst>
           </p:cNvPr>
@@ -7412,7 +7413,7 @@
           <p:cNvPr id="12" name="TextBox 11">
             <a:extLst>
               <a:ext uri="{FF2B5EF4-FFF2-40B4-BE49-F238E27FC236}">
-                <a16:creationId xmlns:a16="http://schemas.microsoft.com/office/drawing/2014/main" id="{5E9F88E2-8A2A-9648-AF65-0C92580573EE}"/>
+                <a16:creationId xmlns:a16="http://schemas.microsoft.com/office/drawing/2014/main" xmlns="" id="{5E9F88E2-8A2A-9648-AF65-0C92580573EE}"/>
               </a:ext>
             </a:extLst>
           </p:cNvPr>
@@ -7459,7 +7460,7 @@
           <p:cNvPr id="13" name="TextBox 12">
             <a:extLst>
               <a:ext uri="{FF2B5EF4-FFF2-40B4-BE49-F238E27FC236}">
-                <a16:creationId xmlns:a16="http://schemas.microsoft.com/office/drawing/2014/main" id="{0FE34C0D-44B1-184E-B15C-D55ED479B029}"/>
+                <a16:creationId xmlns:a16="http://schemas.microsoft.com/office/drawing/2014/main" xmlns="" id="{0FE34C0D-44B1-184E-B15C-D55ED479B029}"/>
               </a:ext>
             </a:extLst>
           </p:cNvPr>
@@ -7498,7 +7499,7 @@
           <p:cNvPr id="14" name="TextBox 13">
             <a:extLst>
               <a:ext uri="{FF2B5EF4-FFF2-40B4-BE49-F238E27FC236}">
-                <a16:creationId xmlns:a16="http://schemas.microsoft.com/office/drawing/2014/main" id="{25888714-724D-7B46-85B4-185885908F06}"/>
+                <a16:creationId xmlns:a16="http://schemas.microsoft.com/office/drawing/2014/main" xmlns="" id="{25888714-724D-7B46-85B4-185885908F06}"/>
               </a:ext>
             </a:extLst>
           </p:cNvPr>
@@ -7533,7 +7534,7 @@
           <p:cNvPr id="17" name="Straight Arrow Connector 16">
             <a:extLst>
               <a:ext uri="{FF2B5EF4-FFF2-40B4-BE49-F238E27FC236}">
-                <a16:creationId xmlns:a16="http://schemas.microsoft.com/office/drawing/2014/main" id="{D1C23253-13A2-354C-A343-7111FC46B7F1}"/>
+                <a16:creationId xmlns:a16="http://schemas.microsoft.com/office/drawing/2014/main" xmlns="" id="{D1C23253-13A2-354C-A343-7111FC46B7F1}"/>
               </a:ext>
             </a:extLst>
           </p:cNvPr>
@@ -7577,7 +7578,7 @@
           <p:cNvPr id="20" name="Straight Arrow Connector 19">
             <a:extLst>
               <a:ext uri="{FF2B5EF4-FFF2-40B4-BE49-F238E27FC236}">
-                <a16:creationId xmlns:a16="http://schemas.microsoft.com/office/drawing/2014/main" id="{4A4AA775-DE69-8541-9813-9BE97C4B1B16}"/>
+                <a16:creationId xmlns:a16="http://schemas.microsoft.com/office/drawing/2014/main" xmlns="" id="{4A4AA775-DE69-8541-9813-9BE97C4B1B16}"/>
               </a:ext>
             </a:extLst>
           </p:cNvPr>
@@ -7622,7 +7623,7 @@
           <p:cNvPr id="23" name="TextBox 22">
             <a:extLst>
               <a:ext uri="{FF2B5EF4-FFF2-40B4-BE49-F238E27FC236}">
-                <a16:creationId xmlns:a16="http://schemas.microsoft.com/office/drawing/2014/main" id="{50B55911-46DD-EB4F-959B-78F889384069}"/>
+                <a16:creationId xmlns:a16="http://schemas.microsoft.com/office/drawing/2014/main" xmlns="" id="{50B55911-46DD-EB4F-959B-78F889384069}"/>
               </a:ext>
             </a:extLst>
           </p:cNvPr>
@@ -7669,7 +7670,7 @@
           <p:cNvPr id="25" name="TextBox 24">
             <a:extLst>
               <a:ext uri="{FF2B5EF4-FFF2-40B4-BE49-F238E27FC236}">
-                <a16:creationId xmlns:a16="http://schemas.microsoft.com/office/drawing/2014/main" id="{475580F6-F6CF-BC48-BC93-CD150320273E}"/>
+                <a16:creationId xmlns:a16="http://schemas.microsoft.com/office/drawing/2014/main" xmlns="" id="{475580F6-F6CF-BC48-BC93-CD150320273E}"/>
               </a:ext>
             </a:extLst>
           </p:cNvPr>
@@ -7708,7 +7709,7 @@
           <p:cNvPr id="29" name="Straight Arrow Connector 28">
             <a:extLst>
               <a:ext uri="{FF2B5EF4-FFF2-40B4-BE49-F238E27FC236}">
-                <a16:creationId xmlns:a16="http://schemas.microsoft.com/office/drawing/2014/main" id="{60F59BE4-547F-F840-A57B-CCA49D59CAF7}"/>
+                <a16:creationId xmlns:a16="http://schemas.microsoft.com/office/drawing/2014/main" xmlns="" id="{60F59BE4-547F-F840-A57B-CCA49D59CAF7}"/>
               </a:ext>
             </a:extLst>
           </p:cNvPr>
@@ -7752,7 +7753,7 @@
           <p:cNvPr id="32" name="Straight Arrow Connector 31">
             <a:extLst>
               <a:ext uri="{FF2B5EF4-FFF2-40B4-BE49-F238E27FC236}">
-                <a16:creationId xmlns:a16="http://schemas.microsoft.com/office/drawing/2014/main" id="{CDB93A06-9AE3-7C4D-BFD3-6BDC1B8580F9}"/>
+                <a16:creationId xmlns:a16="http://schemas.microsoft.com/office/drawing/2014/main" xmlns="" id="{CDB93A06-9AE3-7C4D-BFD3-6BDC1B8580F9}"/>
               </a:ext>
             </a:extLst>
           </p:cNvPr>
@@ -7794,7 +7795,7 @@
           <p:cNvPr id="33" name="TextBox 32">
             <a:extLst>
               <a:ext uri="{FF2B5EF4-FFF2-40B4-BE49-F238E27FC236}">
-                <a16:creationId xmlns:a16="http://schemas.microsoft.com/office/drawing/2014/main" id="{458D4F79-8BC0-894A-A3D7-7386C3AAFBBA}"/>
+                <a16:creationId xmlns:a16="http://schemas.microsoft.com/office/drawing/2014/main" xmlns="" id="{458D4F79-8BC0-894A-A3D7-7386C3AAFBBA}"/>
               </a:ext>
             </a:extLst>
           </p:cNvPr>
@@ -7833,7 +7834,7 @@
           <p:cNvPr id="34" name="TextBox 33">
             <a:extLst>
               <a:ext uri="{FF2B5EF4-FFF2-40B4-BE49-F238E27FC236}">
-                <a16:creationId xmlns:a16="http://schemas.microsoft.com/office/drawing/2014/main" id="{FE7CC02A-A5B4-5142-979E-26BE1CB59594}"/>
+                <a16:creationId xmlns:a16="http://schemas.microsoft.com/office/drawing/2014/main" xmlns="" id="{FE7CC02A-A5B4-5142-979E-26BE1CB59594}"/>
               </a:ext>
             </a:extLst>
           </p:cNvPr>
@@ -7902,7 +7903,7 @@
           <p:cNvPr id="34" name="Rectangle 33">
             <a:extLst>
               <a:ext uri="{FF2B5EF4-FFF2-40B4-BE49-F238E27FC236}">
-                <a16:creationId xmlns:a16="http://schemas.microsoft.com/office/drawing/2014/main" id="{EBFAC98E-16EF-3C41-A881-3158E45D7ED7}"/>
+                <a16:creationId xmlns:a16="http://schemas.microsoft.com/office/drawing/2014/main" xmlns="" id="{EBFAC98E-16EF-3C41-A881-3158E45D7ED7}"/>
               </a:ext>
             </a:extLst>
           </p:cNvPr>
@@ -7955,7 +7956,7 @@
           <p:cNvPr id="4" name="Rounded Rectangle 3">
             <a:extLst>
               <a:ext uri="{FF2B5EF4-FFF2-40B4-BE49-F238E27FC236}">
-                <a16:creationId xmlns:a16="http://schemas.microsoft.com/office/drawing/2014/main" id="{862B3C17-42CC-8C4D-86CB-17F5F738C729}"/>
+                <a16:creationId xmlns:a16="http://schemas.microsoft.com/office/drawing/2014/main" xmlns="" id="{862B3C17-42CC-8C4D-86CB-17F5F738C729}"/>
               </a:ext>
             </a:extLst>
           </p:cNvPr>
@@ -8009,7 +8010,7 @@
           <p:cNvPr id="5" name="Rounded Rectangle 4">
             <a:extLst>
               <a:ext uri="{FF2B5EF4-FFF2-40B4-BE49-F238E27FC236}">
-                <a16:creationId xmlns:a16="http://schemas.microsoft.com/office/drawing/2014/main" id="{D2497A98-35F0-A248-A5F9-258A5927CC4F}"/>
+                <a16:creationId xmlns:a16="http://schemas.microsoft.com/office/drawing/2014/main" xmlns="" id="{D2497A98-35F0-A248-A5F9-258A5927CC4F}"/>
               </a:ext>
             </a:extLst>
           </p:cNvPr>
@@ -8063,7 +8064,7 @@
           <p:cNvPr id="6" name="Rounded Rectangle 5">
             <a:extLst>
               <a:ext uri="{FF2B5EF4-FFF2-40B4-BE49-F238E27FC236}">
-                <a16:creationId xmlns:a16="http://schemas.microsoft.com/office/drawing/2014/main" id="{EE9409D8-F8E2-9349-AC53-000B75B5032F}"/>
+                <a16:creationId xmlns:a16="http://schemas.microsoft.com/office/drawing/2014/main" xmlns="" id="{EE9409D8-F8E2-9349-AC53-000B75B5032F}"/>
               </a:ext>
             </a:extLst>
           </p:cNvPr>
@@ -8118,7 +8119,7 @@
           <p:cNvPr id="7" name="Rounded Rectangle 6">
             <a:extLst>
               <a:ext uri="{FF2B5EF4-FFF2-40B4-BE49-F238E27FC236}">
-                <a16:creationId xmlns:a16="http://schemas.microsoft.com/office/drawing/2014/main" id="{DF99470F-25A1-D54B-A25A-729294B85F4F}"/>
+                <a16:creationId xmlns:a16="http://schemas.microsoft.com/office/drawing/2014/main" xmlns="" id="{DF99470F-25A1-D54B-A25A-729294B85F4F}"/>
               </a:ext>
             </a:extLst>
           </p:cNvPr>
@@ -8173,7 +8174,7 @@
           <p:cNvPr id="8" name="Rounded Rectangle 7">
             <a:extLst>
               <a:ext uri="{FF2B5EF4-FFF2-40B4-BE49-F238E27FC236}">
-                <a16:creationId xmlns:a16="http://schemas.microsoft.com/office/drawing/2014/main" id="{8ECF40AE-3C2A-A141-BB68-DD6136AB9363}"/>
+                <a16:creationId xmlns:a16="http://schemas.microsoft.com/office/drawing/2014/main" xmlns="" id="{8ECF40AE-3C2A-A141-BB68-DD6136AB9363}"/>
               </a:ext>
             </a:extLst>
           </p:cNvPr>
@@ -8228,7 +8229,7 @@
           <p:cNvPr id="9" name="Picture 8">
             <a:extLst>
               <a:ext uri="{FF2B5EF4-FFF2-40B4-BE49-F238E27FC236}">
-                <a16:creationId xmlns:a16="http://schemas.microsoft.com/office/drawing/2014/main" id="{AFD8FB96-320E-E742-AD61-3949A2C3AFCC}"/>
+                <a16:creationId xmlns:a16="http://schemas.microsoft.com/office/drawing/2014/main" xmlns="" id="{AFD8FB96-320E-E742-AD61-3949A2C3AFCC}"/>
               </a:ext>
             </a:extLst>
           </p:cNvPr>
@@ -8258,7 +8259,7 @@
           <p:cNvPr id="10" name="Picture 9">
             <a:extLst>
               <a:ext uri="{FF2B5EF4-FFF2-40B4-BE49-F238E27FC236}">
-                <a16:creationId xmlns:a16="http://schemas.microsoft.com/office/drawing/2014/main" id="{35B47053-5B7B-914F-8E56-AC0AB45C0A63}"/>
+                <a16:creationId xmlns:a16="http://schemas.microsoft.com/office/drawing/2014/main" xmlns="" id="{35B47053-5B7B-914F-8E56-AC0AB45C0A63}"/>
               </a:ext>
             </a:extLst>
           </p:cNvPr>
@@ -8288,7 +8289,7 @@
           <p:cNvPr id="11" name="Rounded Rectangle 10">
             <a:extLst>
               <a:ext uri="{FF2B5EF4-FFF2-40B4-BE49-F238E27FC236}">
-                <a16:creationId xmlns:a16="http://schemas.microsoft.com/office/drawing/2014/main" id="{D6E26F01-C714-DB48-96FE-A977523425DC}"/>
+                <a16:creationId xmlns:a16="http://schemas.microsoft.com/office/drawing/2014/main" xmlns="" id="{D6E26F01-C714-DB48-96FE-A977523425DC}"/>
               </a:ext>
             </a:extLst>
           </p:cNvPr>
@@ -8346,7 +8347,7 @@
           <p:cNvPr id="12" name="Rounded Rectangle 11">
             <a:extLst>
               <a:ext uri="{FF2B5EF4-FFF2-40B4-BE49-F238E27FC236}">
-                <a16:creationId xmlns:a16="http://schemas.microsoft.com/office/drawing/2014/main" id="{FD8B4ED0-A5DB-2045-976E-D0AF26951627}"/>
+                <a16:creationId xmlns:a16="http://schemas.microsoft.com/office/drawing/2014/main" xmlns="" id="{FD8B4ED0-A5DB-2045-976E-D0AF26951627}"/>
               </a:ext>
             </a:extLst>
           </p:cNvPr>
@@ -8401,7 +8402,7 @@
           <p:cNvPr id="16" name="TextBox 15">
             <a:extLst>
               <a:ext uri="{FF2B5EF4-FFF2-40B4-BE49-F238E27FC236}">
-                <a16:creationId xmlns:a16="http://schemas.microsoft.com/office/drawing/2014/main" id="{533542C9-F56C-F341-97F3-D2E13145FA8C}"/>
+                <a16:creationId xmlns:a16="http://schemas.microsoft.com/office/drawing/2014/main" xmlns="" id="{533542C9-F56C-F341-97F3-D2E13145FA8C}"/>
               </a:ext>
             </a:extLst>
           </p:cNvPr>
@@ -8436,7 +8437,7 @@
           <p:cNvPr id="25" name="TextBox 24">
             <a:extLst>
               <a:ext uri="{FF2B5EF4-FFF2-40B4-BE49-F238E27FC236}">
-                <a16:creationId xmlns:a16="http://schemas.microsoft.com/office/drawing/2014/main" id="{275F79A8-1CFB-DF4A-8861-F11294C99A25}"/>
+                <a16:creationId xmlns:a16="http://schemas.microsoft.com/office/drawing/2014/main" xmlns="" id="{275F79A8-1CFB-DF4A-8861-F11294C99A25}"/>
               </a:ext>
             </a:extLst>
           </p:cNvPr>
@@ -8471,7 +8472,7 @@
           <p:cNvPr id="28" name="Straight Arrow Connector 27">
             <a:extLst>
               <a:ext uri="{FF2B5EF4-FFF2-40B4-BE49-F238E27FC236}">
-                <a16:creationId xmlns:a16="http://schemas.microsoft.com/office/drawing/2014/main" id="{0C382A34-865C-DA41-A507-9D82724089A2}"/>
+                <a16:creationId xmlns:a16="http://schemas.microsoft.com/office/drawing/2014/main" xmlns="" id="{0C382A34-865C-DA41-A507-9D82724089A2}"/>
               </a:ext>
             </a:extLst>
           </p:cNvPr>
@@ -8518,7 +8519,7 @@
           <p:cNvPr id="30" name="TextBox 29">
             <a:extLst>
               <a:ext uri="{FF2B5EF4-FFF2-40B4-BE49-F238E27FC236}">
-                <a16:creationId xmlns:a16="http://schemas.microsoft.com/office/drawing/2014/main" id="{5C8295B8-D2D6-5143-9348-A12A377AB236}"/>
+                <a16:creationId xmlns:a16="http://schemas.microsoft.com/office/drawing/2014/main" xmlns="" id="{5C8295B8-D2D6-5143-9348-A12A377AB236}"/>
               </a:ext>
             </a:extLst>
           </p:cNvPr>
@@ -8553,7 +8554,7 @@
           <p:cNvPr id="31" name="TextBox 30">
             <a:extLst>
               <a:ext uri="{FF2B5EF4-FFF2-40B4-BE49-F238E27FC236}">
-                <a16:creationId xmlns:a16="http://schemas.microsoft.com/office/drawing/2014/main" id="{50E80AAC-3149-5B4E-91A2-FA5A03D028E3}"/>
+                <a16:creationId xmlns:a16="http://schemas.microsoft.com/office/drawing/2014/main" xmlns="" id="{50E80AAC-3149-5B4E-91A2-FA5A03D028E3}"/>
               </a:ext>
             </a:extLst>
           </p:cNvPr>
@@ -8588,7 +8589,7 @@
           <p:cNvPr id="32" name="TextBox 31">
             <a:extLst>
               <a:ext uri="{FF2B5EF4-FFF2-40B4-BE49-F238E27FC236}">
-                <a16:creationId xmlns:a16="http://schemas.microsoft.com/office/drawing/2014/main" id="{D167A936-5555-F941-854A-C68456FAD5CC}"/>
+                <a16:creationId xmlns:a16="http://schemas.microsoft.com/office/drawing/2014/main" xmlns="" id="{D167A936-5555-F941-854A-C68456FAD5CC}"/>
               </a:ext>
             </a:extLst>
           </p:cNvPr>
@@ -8623,7 +8624,7 @@
           <p:cNvPr id="33" name="Straight Arrow Connector 32">
             <a:extLst>
               <a:ext uri="{FF2B5EF4-FFF2-40B4-BE49-F238E27FC236}">
-                <a16:creationId xmlns:a16="http://schemas.microsoft.com/office/drawing/2014/main" id="{22C43AFD-4E77-3141-8376-112B8E03455B}"/>
+                <a16:creationId xmlns:a16="http://schemas.microsoft.com/office/drawing/2014/main" xmlns="" id="{22C43AFD-4E77-3141-8376-112B8E03455B}"/>
               </a:ext>
             </a:extLst>
           </p:cNvPr>
@@ -8670,7 +8671,7 @@
           <p:cNvPr id="35" name="TextBox 34">
             <a:extLst>
               <a:ext uri="{FF2B5EF4-FFF2-40B4-BE49-F238E27FC236}">
-                <a16:creationId xmlns:a16="http://schemas.microsoft.com/office/drawing/2014/main" id="{E767EEC4-8BC0-EF4D-80BE-F43F8744FAB2}"/>
+                <a16:creationId xmlns:a16="http://schemas.microsoft.com/office/drawing/2014/main" xmlns="" id="{E767EEC4-8BC0-EF4D-80BE-F43F8744FAB2}"/>
               </a:ext>
             </a:extLst>
           </p:cNvPr>
@@ -8705,7 +8706,7 @@
           <p:cNvPr id="36" name="TextBox 35">
             <a:extLst>
               <a:ext uri="{FF2B5EF4-FFF2-40B4-BE49-F238E27FC236}">
-                <a16:creationId xmlns:a16="http://schemas.microsoft.com/office/drawing/2014/main" id="{3F96A421-C353-9B47-A5FB-90CA47D953C6}"/>
+                <a16:creationId xmlns:a16="http://schemas.microsoft.com/office/drawing/2014/main" xmlns="" id="{3F96A421-C353-9B47-A5FB-90CA47D953C6}"/>
               </a:ext>
             </a:extLst>
           </p:cNvPr>
@@ -8752,7 +8753,7 @@
           <p:cNvPr id="37" name="TextBox 36">
             <a:extLst>
               <a:ext uri="{FF2B5EF4-FFF2-40B4-BE49-F238E27FC236}">
-                <a16:creationId xmlns:a16="http://schemas.microsoft.com/office/drawing/2014/main" id="{1D7D6E16-8230-6F4B-A009-AC0986709641}"/>
+                <a16:creationId xmlns:a16="http://schemas.microsoft.com/office/drawing/2014/main" xmlns="" id="{1D7D6E16-8230-6F4B-A009-AC0986709641}"/>
               </a:ext>
             </a:extLst>
           </p:cNvPr>
@@ -8787,7 +8788,7 @@
           <p:cNvPr id="38" name="TextBox 37">
             <a:extLst>
               <a:ext uri="{FF2B5EF4-FFF2-40B4-BE49-F238E27FC236}">
-                <a16:creationId xmlns:a16="http://schemas.microsoft.com/office/drawing/2014/main" id="{0F602899-1C56-C440-81CF-466667A5D19D}"/>
+                <a16:creationId xmlns:a16="http://schemas.microsoft.com/office/drawing/2014/main" xmlns="" id="{0F602899-1C56-C440-81CF-466667A5D19D}"/>
               </a:ext>
             </a:extLst>
           </p:cNvPr>
@@ -8822,7 +8823,7 @@
           <p:cNvPr id="39" name="Up-Down Arrow 38">
             <a:extLst>
               <a:ext uri="{FF2B5EF4-FFF2-40B4-BE49-F238E27FC236}">
-                <a16:creationId xmlns:a16="http://schemas.microsoft.com/office/drawing/2014/main" id="{2CD9FFAB-5ADC-2B42-B565-0D771B940DD2}"/>
+                <a16:creationId xmlns:a16="http://schemas.microsoft.com/office/drawing/2014/main" xmlns="" id="{2CD9FFAB-5ADC-2B42-B565-0D771B940DD2}"/>
               </a:ext>
             </a:extLst>
           </p:cNvPr>
@@ -8880,7 +8881,7 @@
           <p:cNvPr id="41" name="Picture 40">
             <a:extLst>
               <a:ext uri="{FF2B5EF4-FFF2-40B4-BE49-F238E27FC236}">
-                <a16:creationId xmlns:a16="http://schemas.microsoft.com/office/drawing/2014/main" id="{D2B3FED8-4C51-B84A-B53B-C490189165C7}"/>
+                <a16:creationId xmlns:a16="http://schemas.microsoft.com/office/drawing/2014/main" xmlns="" id="{D2B3FED8-4C51-B84A-B53B-C490189165C7}"/>
               </a:ext>
             </a:extLst>
           </p:cNvPr>
@@ -8910,7 +8911,7 @@
           <p:cNvPr id="43" name="Picture 42">
             <a:extLst>
               <a:ext uri="{FF2B5EF4-FFF2-40B4-BE49-F238E27FC236}">
-                <a16:creationId xmlns:a16="http://schemas.microsoft.com/office/drawing/2014/main" id="{C221F11C-E73C-F244-9065-ADEC500072FA}"/>
+                <a16:creationId xmlns:a16="http://schemas.microsoft.com/office/drawing/2014/main" xmlns="" id="{C221F11C-E73C-F244-9065-ADEC500072FA}"/>
               </a:ext>
             </a:extLst>
           </p:cNvPr>
@@ -8940,7 +8941,7 @@
           <p:cNvPr id="27" name="Picture 26">
             <a:extLst>
               <a:ext uri="{FF2B5EF4-FFF2-40B4-BE49-F238E27FC236}">
-                <a16:creationId xmlns:a16="http://schemas.microsoft.com/office/drawing/2014/main" id="{43C6E9BE-8202-834D-A3F2-4F3B9D054563}"/>
+                <a16:creationId xmlns:a16="http://schemas.microsoft.com/office/drawing/2014/main" xmlns="" id="{43C6E9BE-8202-834D-A3F2-4F3B9D054563}"/>
               </a:ext>
             </a:extLst>
           </p:cNvPr>
@@ -8970,7 +8971,7 @@
           <p:cNvPr id="29" name="Straight Arrow Connector 28">
             <a:extLst>
               <a:ext uri="{FF2B5EF4-FFF2-40B4-BE49-F238E27FC236}">
-                <a16:creationId xmlns:a16="http://schemas.microsoft.com/office/drawing/2014/main" id="{F44F114D-E089-8B4E-8EBB-023CB8E4905B}"/>
+                <a16:creationId xmlns:a16="http://schemas.microsoft.com/office/drawing/2014/main" xmlns="" id="{F44F114D-E089-8B4E-8EBB-023CB8E4905B}"/>
               </a:ext>
             </a:extLst>
           </p:cNvPr>
@@ -9017,7 +9018,7 @@
           <p:cNvPr id="17" name="Elbow Connector 16">
             <a:extLst>
               <a:ext uri="{FF2B5EF4-FFF2-40B4-BE49-F238E27FC236}">
-                <a16:creationId xmlns:a16="http://schemas.microsoft.com/office/drawing/2014/main" id="{82DB9E41-63AD-9442-A2A5-FE3D72436E1E}"/>
+                <a16:creationId xmlns:a16="http://schemas.microsoft.com/office/drawing/2014/main" xmlns="" id="{82DB9E41-63AD-9442-A2A5-FE3D72436E1E}"/>
               </a:ext>
             </a:extLst>
           </p:cNvPr>
@@ -9065,7 +9066,7 @@
           <p:cNvPr id="46" name="Rounded Rectangle 45">
             <a:extLst>
               <a:ext uri="{FF2B5EF4-FFF2-40B4-BE49-F238E27FC236}">
-                <a16:creationId xmlns:a16="http://schemas.microsoft.com/office/drawing/2014/main" id="{54AC8C99-2580-0B44-9A7F-46083C56EF84}"/>
+                <a16:creationId xmlns:a16="http://schemas.microsoft.com/office/drawing/2014/main" xmlns="" id="{54AC8C99-2580-0B44-9A7F-46083C56EF84}"/>
               </a:ext>
             </a:extLst>
           </p:cNvPr>
@@ -9120,14 +9121,14 @@
           </a:p>
         </p:txBody>
       </p:sp>
-      <mc:AlternateContent xmlns:mc="http://schemas.openxmlformats.org/markup-compatibility/2006">
-        <mc:Choice xmlns:a14="http://schemas.microsoft.com/office/drawing/2010/main" Requires="a14">
+      <mc:AlternateContent xmlns:mc="http://schemas.openxmlformats.org/markup-compatibility/2006" xmlns:a14="http://schemas.microsoft.com/office/drawing/2010/main">
+        <mc:Choice Requires="a14">
           <p:sp>
             <p:nvSpPr>
               <p:cNvPr id="47" name="TextBox 46">
                 <a:extLst>
                   <a:ext uri="{FF2B5EF4-FFF2-40B4-BE49-F238E27FC236}">
-                    <a16:creationId xmlns:a16="http://schemas.microsoft.com/office/drawing/2014/main" id="{5A59800F-E768-D248-A1A8-5ABD4F1FDFD7}"/>
+                    <a16:creationId xmlns:a16="http://schemas.microsoft.com/office/drawing/2014/main" xmlns="" id="{5A59800F-E768-D248-A1A8-5ABD4F1FDFD7}"/>
                   </a:ext>
                 </a:extLst>
               </p:cNvPr>
@@ -9178,7 +9179,7 @@
             </p:txBody>
           </p:sp>
         </mc:Choice>
-        <mc:Fallback>
+        <mc:Fallback xmlns="">
           <p:sp>
             <p:nvSpPr>
               <p:cNvPr id="47" name="TextBox 46">
@@ -9228,7 +9229,7 @@
           <p:cNvPr id="51" name="Rounded Rectangle 50">
             <a:extLst>
               <a:ext uri="{FF2B5EF4-FFF2-40B4-BE49-F238E27FC236}">
-                <a16:creationId xmlns:a16="http://schemas.microsoft.com/office/drawing/2014/main" id="{B4C0A3D4-4F3A-D543-A02C-9463F688D8A8}"/>
+                <a16:creationId xmlns:a16="http://schemas.microsoft.com/office/drawing/2014/main" xmlns="" id="{B4C0A3D4-4F3A-D543-A02C-9463F688D8A8}"/>
               </a:ext>
             </a:extLst>
           </p:cNvPr>
@@ -9283,14 +9284,14 @@
           </a:p>
         </p:txBody>
       </p:sp>
-      <mc:AlternateContent xmlns:mc="http://schemas.openxmlformats.org/markup-compatibility/2006">
-        <mc:Choice xmlns:a14="http://schemas.microsoft.com/office/drawing/2010/main" Requires="a14">
+      <mc:AlternateContent xmlns:mc="http://schemas.openxmlformats.org/markup-compatibility/2006" xmlns:a14="http://schemas.microsoft.com/office/drawing/2010/main">
+        <mc:Choice Requires="a14">
           <p:sp>
             <p:nvSpPr>
               <p:cNvPr id="52" name="TextBox 51">
                 <a:extLst>
                   <a:ext uri="{FF2B5EF4-FFF2-40B4-BE49-F238E27FC236}">
-                    <a16:creationId xmlns:a16="http://schemas.microsoft.com/office/drawing/2014/main" id="{CB9DA103-4FF9-C746-923C-B8CF032E4F81}"/>
+                    <a16:creationId xmlns:a16="http://schemas.microsoft.com/office/drawing/2014/main" xmlns="" id="{CB9DA103-4FF9-C746-923C-B8CF032E4F81}"/>
                   </a:ext>
                 </a:extLst>
               </p:cNvPr>
@@ -9341,7 +9342,7 @@
             </p:txBody>
           </p:sp>
         </mc:Choice>
-        <mc:Fallback>
+        <mc:Fallback xmlns="">
           <p:sp>
             <p:nvSpPr>
               <p:cNvPr id="52" name="TextBox 51">
@@ -9391,7 +9392,7 @@
           <p:cNvPr id="53" name="Straight Arrow Connector 52">
             <a:extLst>
               <a:ext uri="{FF2B5EF4-FFF2-40B4-BE49-F238E27FC236}">
-                <a16:creationId xmlns:a16="http://schemas.microsoft.com/office/drawing/2014/main" id="{93A7FC7B-1286-9744-A0B0-5C2391A6E353}"/>
+                <a16:creationId xmlns:a16="http://schemas.microsoft.com/office/drawing/2014/main" xmlns="" id="{93A7FC7B-1286-9744-A0B0-5C2391A6E353}"/>
               </a:ext>
             </a:extLst>
           </p:cNvPr>
@@ -9438,7 +9439,7 @@
           <p:cNvPr id="55" name="TextBox 54">
             <a:extLst>
               <a:ext uri="{FF2B5EF4-FFF2-40B4-BE49-F238E27FC236}">
-                <a16:creationId xmlns:a16="http://schemas.microsoft.com/office/drawing/2014/main" id="{0606799C-3F15-594D-939E-40A65AAE3D17}"/>
+                <a16:creationId xmlns:a16="http://schemas.microsoft.com/office/drawing/2014/main" xmlns="" id="{0606799C-3F15-594D-939E-40A65AAE3D17}"/>
               </a:ext>
             </a:extLst>
           </p:cNvPr>
@@ -9473,7 +9474,7 @@
           <p:cNvPr id="40" name="Rounded Rectangle 39">
             <a:extLst>
               <a:ext uri="{FF2B5EF4-FFF2-40B4-BE49-F238E27FC236}">
-                <a16:creationId xmlns:a16="http://schemas.microsoft.com/office/drawing/2014/main" id="{B4E21728-85C7-C94D-8598-A288C82369C6}"/>
+                <a16:creationId xmlns:a16="http://schemas.microsoft.com/office/drawing/2014/main" xmlns="" id="{B4E21728-85C7-C94D-8598-A288C82369C6}"/>
               </a:ext>
             </a:extLst>
           </p:cNvPr>
@@ -9528,14 +9529,14 @@
           </a:p>
         </p:txBody>
       </p:sp>
-      <mc:AlternateContent xmlns:mc="http://schemas.openxmlformats.org/markup-compatibility/2006">
-        <mc:Choice xmlns:a14="http://schemas.microsoft.com/office/drawing/2010/main" Requires="a14">
+      <mc:AlternateContent xmlns:mc="http://schemas.openxmlformats.org/markup-compatibility/2006" xmlns:a14="http://schemas.microsoft.com/office/drawing/2010/main">
+        <mc:Choice Requires="a14">
           <p:sp>
             <p:nvSpPr>
               <p:cNvPr id="42" name="TextBox 41">
                 <a:extLst>
                   <a:ext uri="{FF2B5EF4-FFF2-40B4-BE49-F238E27FC236}">
-                    <a16:creationId xmlns:a16="http://schemas.microsoft.com/office/drawing/2014/main" id="{700D7277-18C8-694B-814C-C822A65F9437}"/>
+                    <a16:creationId xmlns:a16="http://schemas.microsoft.com/office/drawing/2014/main" xmlns="" id="{700D7277-18C8-694B-814C-C822A65F9437}"/>
                   </a:ext>
                 </a:extLst>
               </p:cNvPr>
@@ -9586,7 +9587,7 @@
             </p:txBody>
           </p:sp>
         </mc:Choice>
-        <mc:Fallback>
+        <mc:Fallback xmlns="">
           <p:sp>
             <p:nvSpPr>
               <p:cNvPr id="42" name="TextBox 41">
@@ -9636,7 +9637,7 @@
           <p:cNvPr id="45" name="Rounded Rectangle 44">
             <a:extLst>
               <a:ext uri="{FF2B5EF4-FFF2-40B4-BE49-F238E27FC236}">
-                <a16:creationId xmlns:a16="http://schemas.microsoft.com/office/drawing/2014/main" id="{1268113A-BD6C-E54A-B228-2A085157502B}"/>
+                <a16:creationId xmlns:a16="http://schemas.microsoft.com/office/drawing/2014/main" xmlns="" id="{1268113A-BD6C-E54A-B228-2A085157502B}"/>
               </a:ext>
             </a:extLst>
           </p:cNvPr>
@@ -9691,14 +9692,14 @@
           </a:p>
         </p:txBody>
       </p:sp>
-      <mc:AlternateContent xmlns:mc="http://schemas.openxmlformats.org/markup-compatibility/2006">
-        <mc:Choice xmlns:a14="http://schemas.microsoft.com/office/drawing/2010/main" Requires="a14">
+      <mc:AlternateContent xmlns:mc="http://schemas.openxmlformats.org/markup-compatibility/2006" xmlns:a14="http://schemas.microsoft.com/office/drawing/2010/main">
+        <mc:Choice Requires="a14">
           <p:sp>
             <p:nvSpPr>
               <p:cNvPr id="48" name="TextBox 47">
                 <a:extLst>
                   <a:ext uri="{FF2B5EF4-FFF2-40B4-BE49-F238E27FC236}">
-                    <a16:creationId xmlns:a16="http://schemas.microsoft.com/office/drawing/2014/main" id="{DFBBD929-BAD1-F247-BF35-244512A063BC}"/>
+                    <a16:creationId xmlns:a16="http://schemas.microsoft.com/office/drawing/2014/main" xmlns="" id="{DFBBD929-BAD1-F247-BF35-244512A063BC}"/>
                   </a:ext>
                 </a:extLst>
               </p:cNvPr>
@@ -9749,7 +9750,7 @@
             </p:txBody>
           </p:sp>
         </mc:Choice>
-        <mc:Fallback>
+        <mc:Fallback xmlns="">
           <p:sp>
             <p:nvSpPr>
               <p:cNvPr id="48" name="TextBox 47">
@@ -9799,7 +9800,7 @@
           <p:cNvPr id="49" name="TextBox 48">
             <a:extLst>
               <a:ext uri="{FF2B5EF4-FFF2-40B4-BE49-F238E27FC236}">
-                <a16:creationId xmlns:a16="http://schemas.microsoft.com/office/drawing/2014/main" id="{A84A9238-B427-5940-AB0C-C914150DCBB7}"/>
+                <a16:creationId xmlns:a16="http://schemas.microsoft.com/office/drawing/2014/main" xmlns="" id="{A84A9238-B427-5940-AB0C-C914150DCBB7}"/>
               </a:ext>
             </a:extLst>
           </p:cNvPr>
@@ -9846,7 +9847,7 @@
           <p:cNvPr id="50" name="TextBox 49">
             <a:extLst>
               <a:ext uri="{FF2B5EF4-FFF2-40B4-BE49-F238E27FC236}">
-                <a16:creationId xmlns:a16="http://schemas.microsoft.com/office/drawing/2014/main" id="{76D90F3D-1C16-7C4F-973A-6AAED576D1C9}"/>
+                <a16:creationId xmlns:a16="http://schemas.microsoft.com/office/drawing/2014/main" xmlns="" id="{76D90F3D-1C16-7C4F-973A-6AAED576D1C9}"/>
               </a:ext>
             </a:extLst>
           </p:cNvPr>
@@ -9893,7 +9894,7 @@
           <p:cNvPr id="54" name="TextBox 53">
             <a:extLst>
               <a:ext uri="{FF2B5EF4-FFF2-40B4-BE49-F238E27FC236}">
-                <a16:creationId xmlns:a16="http://schemas.microsoft.com/office/drawing/2014/main" id="{62E7420B-DE21-0242-AB77-FCB534945989}"/>
+                <a16:creationId xmlns:a16="http://schemas.microsoft.com/office/drawing/2014/main" xmlns="" id="{62E7420B-DE21-0242-AB77-FCB534945989}"/>
               </a:ext>
             </a:extLst>
           </p:cNvPr>
@@ -9928,7 +9929,7 @@
           <p:cNvPr id="61" name="TextBox 60">
             <a:extLst>
               <a:ext uri="{FF2B5EF4-FFF2-40B4-BE49-F238E27FC236}">
-                <a16:creationId xmlns:a16="http://schemas.microsoft.com/office/drawing/2014/main" id="{A9BFEB4D-73F1-FF44-BE81-3FEE29265ABF}"/>
+                <a16:creationId xmlns:a16="http://schemas.microsoft.com/office/drawing/2014/main" xmlns="" id="{A9BFEB4D-73F1-FF44-BE81-3FEE29265ABF}"/>
               </a:ext>
             </a:extLst>
           </p:cNvPr>
@@ -9967,7 +9968,7 @@
           <p:cNvPr id="62" name="TextBox 61">
             <a:extLst>
               <a:ext uri="{FF2B5EF4-FFF2-40B4-BE49-F238E27FC236}">
-                <a16:creationId xmlns:a16="http://schemas.microsoft.com/office/drawing/2014/main" id="{927DB39D-AF03-5E48-96E0-871BB430AA14}"/>
+                <a16:creationId xmlns:a16="http://schemas.microsoft.com/office/drawing/2014/main" xmlns="" id="{927DB39D-AF03-5E48-96E0-871BB430AA14}"/>
               </a:ext>
             </a:extLst>
           </p:cNvPr>
@@ -10011,10 +10012,1742 @@
   <p:clrMapOvr>
     <a:masterClrMapping/>
   </p:clrMapOvr>
+  <p:timing>
+    <p:tnLst>
+      <p:par>
+        <p:cTn id="1" dur="indefinite" restart="never" nodeType="tmRoot"/>
+      </p:par>
+    </p:tnLst>
+  </p:timing>
 </p:sld>
 </file>
 
 <file path=ppt/slides/slide6.xml><?xml version="1.0" encoding="utf-8"?>
+<p:sld xmlns:a="http://schemas.openxmlformats.org/drawingml/2006/main" xmlns:r="http://schemas.openxmlformats.org/officeDocument/2006/relationships" xmlns:p="http://schemas.openxmlformats.org/presentationml/2006/main">
+  <p:cSld>
+    <p:spTree>
+      <p:nvGrpSpPr>
+        <p:cNvPr id="1" name=""/>
+        <p:cNvGrpSpPr/>
+        <p:nvPr/>
+      </p:nvGrpSpPr>
+      <p:grpSpPr>
+        <a:xfrm>
+          <a:off x="0" y="0"/>
+          <a:ext cx="0" cy="0"/>
+          <a:chOff x="0" y="0"/>
+          <a:chExt cx="0" cy="0"/>
+        </a:xfrm>
+      </p:grpSpPr>
+      <p:sp>
+        <p:nvSpPr>
+          <p:cNvPr id="21" name="Rectangle 20"/>
+          <p:cNvSpPr/>
+          <p:nvPr/>
+        </p:nvSpPr>
+        <p:spPr>
+          <a:xfrm>
+            <a:off x="739692" y="1784506"/>
+            <a:ext cx="674493" cy="1930652"/>
+          </a:xfrm>
+          <a:prstGeom prst="rect">
+            <a:avLst/>
+          </a:prstGeom>
+          <a:ln w="28575">
+            <a:solidFill>
+              <a:srgbClr val="C00000"/>
+            </a:solidFill>
+            <a:prstDash val="sysDash"/>
+          </a:ln>
+        </p:spPr>
+        <p:style>
+          <a:lnRef idx="2">
+            <a:schemeClr val="accent2"/>
+          </a:lnRef>
+          <a:fillRef idx="1">
+            <a:schemeClr val="lt1"/>
+          </a:fillRef>
+          <a:effectRef idx="0">
+            <a:schemeClr val="accent2"/>
+          </a:effectRef>
+          <a:fontRef idx="minor">
+            <a:schemeClr val="dk1"/>
+          </a:fontRef>
+        </p:style>
+        <p:txBody>
+          <a:bodyPr rtlCol="0" anchor="ctr"/>
+          <a:lstStyle/>
+          <a:p>
+            <a:pPr algn="ctr"/>
+            <a:endParaRPr lang="en-US"/>
+          </a:p>
+        </p:txBody>
+      </p:sp>
+      <p:sp>
+        <p:nvSpPr>
+          <p:cNvPr id="4" name="Rounded Rectangle 3">
+            <a:extLst>
+              <a:ext uri="{FF2B5EF4-FFF2-40B4-BE49-F238E27FC236}">
+                <a16:creationId xmlns:a16="http://schemas.microsoft.com/office/drawing/2014/main" xmlns="" id="{862B3C17-42CC-8C4D-86CB-17F5F738C729}"/>
+              </a:ext>
+            </a:extLst>
+          </p:cNvPr>
+          <p:cNvSpPr/>
+          <p:nvPr/>
+        </p:nvSpPr>
+        <p:spPr>
+          <a:xfrm>
+            <a:off x="2982081" y="1979872"/>
+            <a:ext cx="4627833" cy="1478273"/>
+          </a:xfrm>
+          <a:prstGeom prst="roundRect">
+            <a:avLst>
+              <a:gd name="adj" fmla="val 6702"/>
+            </a:avLst>
+          </a:prstGeom>
+          <a:noFill/>
+          <a:ln/>
+        </p:spPr>
+        <p:style>
+          <a:lnRef idx="2">
+            <a:schemeClr val="dk1"/>
+          </a:lnRef>
+          <a:fillRef idx="1">
+            <a:schemeClr val="lt1"/>
+          </a:fillRef>
+          <a:effectRef idx="0">
+            <a:schemeClr val="dk1"/>
+          </a:effectRef>
+          <a:fontRef idx="minor">
+            <a:schemeClr val="dk1"/>
+          </a:fontRef>
+        </p:style>
+        <p:txBody>
+          <a:bodyPr rtlCol="0" anchor="t"/>
+          <a:lstStyle/>
+          <a:p>
+            <a:pPr algn="ctr"/>
+            <a:r>
+              <a:rPr lang="en-US" sz="2400" b="1" dirty="0"/>
+              <a:t>Analytics Server</a:t>
+            </a:r>
+            <a:endParaRPr lang="en-US" sz="2400" b="1" dirty="0"/>
+          </a:p>
+        </p:txBody>
+      </p:sp>
+      <mc:AlternateContent xmlns:mc="http://schemas.openxmlformats.org/markup-compatibility/2006">
+        <mc:Choice xmlns:a14="http://schemas.microsoft.com/office/drawing/2010/main" Requires="a14">
+          <p:sp>
+            <p:nvSpPr>
+              <p:cNvPr id="5" name="Rounded Rectangle 4">
+                <a:extLst>
+                  <a:ext uri="{FF2B5EF4-FFF2-40B4-BE49-F238E27FC236}">
+                    <a16:creationId xmlns:a16="http://schemas.microsoft.com/office/drawing/2014/main" xmlns="" id="{D2497A98-35F0-A248-A5F9-258A5927CC4F}"/>
+                  </a:ext>
+                </a:extLst>
+              </p:cNvPr>
+              <p:cNvSpPr/>
+              <p:nvPr/>
+            </p:nvSpPr>
+            <p:spPr>
+              <a:xfrm>
+                <a:off x="2777607" y="1226054"/>
+                <a:ext cx="5070054" cy="4909304"/>
+              </a:xfrm>
+              <a:prstGeom prst="roundRect">
+                <a:avLst>
+                  <a:gd name="adj" fmla="val 5395"/>
+                </a:avLst>
+              </a:prstGeom>
+              <a:noFill/>
+              <a:ln/>
+            </p:spPr>
+            <p:style>
+              <a:lnRef idx="2">
+                <a:schemeClr val="dk1"/>
+              </a:lnRef>
+              <a:fillRef idx="1">
+                <a:schemeClr val="lt1"/>
+              </a:fillRef>
+              <a:effectRef idx="0">
+                <a:schemeClr val="dk1"/>
+              </a:effectRef>
+              <a:fontRef idx="minor">
+                <a:schemeClr val="dk1"/>
+              </a:fontRef>
+            </p:style>
+            <p:txBody>
+              <a:bodyPr rtlCol="0" anchor="t"/>
+              <a:lstStyle/>
+              <a:p>
+                <a:pPr algn="ctr"/>
+                <a:r>
+                  <a:rPr lang="en-US" sz="2800" b="1" dirty="0" smtClean="0"/>
+                  <a:t>Crypt</a:t>
+                </a:r>
+                <a14:m>
+                  <m:oMath xmlns:m="http://schemas.openxmlformats.org/officeDocument/2006/math">
+                    <m:r>
+                      <a:rPr lang="en-US" sz="2800" b="1" i="1">
+                        <a:latin typeface="Cambria Math" panose="02040503050406030204" pitchFamily="18" charset="0"/>
+                        <a:ea typeface="Cambria Math" panose="02040503050406030204" pitchFamily="18" charset="0"/>
+                      </a:rPr>
+                      <m:t>𝝐</m:t>
+                    </m:r>
+                  </m:oMath>
+                </a14:m>
+                <a:endParaRPr lang="en-US" sz="2800" b="1" dirty="0"/>
+              </a:p>
+            </p:txBody>
+          </p:sp>
+        </mc:Choice>
+        <mc:Fallback>
+          <p:sp>
+            <p:nvSpPr>
+              <p:cNvPr id="5" name="Rounded Rectangle 4">
+                <a:extLst>
+                  <a:ext uri="{FF2B5EF4-FFF2-40B4-BE49-F238E27FC236}">
+                    <a16:creationId xmlns:a16="http://schemas.microsoft.com/office/drawing/2014/main" xmlns="" id="{D2497A98-35F0-A248-A5F9-258A5927CC4F}"/>
+                  </a:ext>
+                </a:extLst>
+              </p:cNvPr>
+              <p:cNvSpPr>
+                <a:spLocks noRot="1" noChangeAspect="1" noMove="1" noResize="1" noEditPoints="1" noAdjustHandles="1" noChangeArrowheads="1" noChangeShapeType="1" noTextEdit="1"/>
+              </p:cNvSpPr>
+              <p:nvPr/>
+            </p:nvSpPr>
+            <p:spPr>
+              <a:xfrm>
+                <a:off x="2777607" y="1226054"/>
+                <a:ext cx="5070054" cy="4909304"/>
+              </a:xfrm>
+              <a:prstGeom prst="roundRect">
+                <a:avLst>
+                  <a:gd name="adj" fmla="val 5395"/>
+                </a:avLst>
+              </a:prstGeom>
+              <a:blipFill rotWithShape="0">
+                <a:blip r:embed="rId2"/>
+                <a:stretch>
+                  <a:fillRect/>
+                </a:stretch>
+              </a:blipFill>
+              <a:ln/>
+            </p:spPr>
+            <p:txBody>
+              <a:bodyPr/>
+              <a:lstStyle/>
+              <a:p>
+                <a:r>
+                  <a:rPr lang="en-US">
+                    <a:noFill/>
+                  </a:rPr>
+                  <a:t> </a:t>
+                </a:r>
+              </a:p>
+            </p:txBody>
+          </p:sp>
+        </mc:Fallback>
+      </mc:AlternateContent>
+      <p:pic>
+        <p:nvPicPr>
+          <p:cNvPr id="9" name="Picture 8">
+            <a:extLst>
+              <a:ext uri="{FF2B5EF4-FFF2-40B4-BE49-F238E27FC236}">
+                <a16:creationId xmlns:a16="http://schemas.microsoft.com/office/drawing/2014/main" xmlns="" id="{AFD8FB96-320E-E742-AD61-3949A2C3AFCC}"/>
+              </a:ext>
+            </a:extLst>
+          </p:cNvPr>
+          <p:cNvPicPr>
+            <a:picLocks noChangeAspect="1"/>
+          </p:cNvPicPr>
+          <p:nvPr/>
+        </p:nvPicPr>
+        <p:blipFill>
+          <a:blip r:embed="rId3"/>
+          <a:stretch>
+            <a:fillRect/>
+          </a:stretch>
+        </p:blipFill>
+        <p:spPr>
+          <a:xfrm>
+            <a:off x="864166" y="1994496"/>
+            <a:ext cx="435131" cy="435131"/>
+          </a:xfrm>
+          <a:prstGeom prst="rect">
+            <a:avLst/>
+          </a:prstGeom>
+        </p:spPr>
+      </p:pic>
+      <p:pic>
+        <p:nvPicPr>
+          <p:cNvPr id="10" name="Picture 9">
+            <a:extLst>
+              <a:ext uri="{FF2B5EF4-FFF2-40B4-BE49-F238E27FC236}">
+                <a16:creationId xmlns:a16="http://schemas.microsoft.com/office/drawing/2014/main" xmlns="" id="{35B47053-5B7B-914F-8E56-AC0AB45C0A63}"/>
+              </a:ext>
+            </a:extLst>
+          </p:cNvPr>
+          <p:cNvPicPr>
+            <a:picLocks noChangeAspect="1"/>
+          </p:cNvPicPr>
+          <p:nvPr/>
+        </p:nvPicPr>
+        <p:blipFill>
+          <a:blip r:embed="rId4"/>
+          <a:stretch>
+            <a:fillRect/>
+          </a:stretch>
+        </p:blipFill>
+        <p:spPr>
+          <a:xfrm>
+            <a:off x="849085" y="3103482"/>
+            <a:ext cx="432215" cy="432215"/>
+          </a:xfrm>
+          <a:prstGeom prst="rect">
+            <a:avLst/>
+          </a:prstGeom>
+        </p:spPr>
+      </p:pic>
+      <p:sp>
+        <p:nvSpPr>
+          <p:cNvPr id="11" name="Rounded Rectangle 10">
+            <a:extLst>
+              <a:ext uri="{FF2B5EF4-FFF2-40B4-BE49-F238E27FC236}">
+                <a16:creationId xmlns:a16="http://schemas.microsoft.com/office/drawing/2014/main" xmlns="" id="{D6E26F01-C714-DB48-96FE-A977523425DC}"/>
+              </a:ext>
+            </a:extLst>
+          </p:cNvPr>
+          <p:cNvSpPr/>
+          <p:nvPr/>
+        </p:nvSpPr>
+        <p:spPr>
+          <a:xfrm>
+            <a:off x="3368601" y="2542514"/>
+            <a:ext cx="1665806" cy="715528"/>
+          </a:xfrm>
+          <a:prstGeom prst="roundRect">
+            <a:avLst/>
+          </a:prstGeom>
+          <a:noFill/>
+          <a:ln/>
+        </p:spPr>
+        <p:style>
+          <a:lnRef idx="2">
+            <a:schemeClr val="dk1"/>
+          </a:lnRef>
+          <a:fillRef idx="1">
+            <a:schemeClr val="lt1"/>
+          </a:fillRef>
+          <a:effectRef idx="0">
+            <a:schemeClr val="dk1"/>
+          </a:effectRef>
+          <a:fontRef idx="minor">
+            <a:schemeClr val="dk1"/>
+          </a:fontRef>
+        </p:style>
+        <p:txBody>
+          <a:bodyPr rtlCol="0" anchor="ctr"/>
+          <a:lstStyle/>
+          <a:p>
+            <a:pPr algn="ctr"/>
+            <a:r>
+              <a:rPr lang="en-US" sz="2400" dirty="0" smtClean="0"/>
+              <a:t>Data</a:t>
+            </a:r>
+          </a:p>
+          <a:p>
+            <a:pPr algn="ctr"/>
+            <a:r>
+              <a:rPr lang="en-US" sz="2400" dirty="0" smtClean="0"/>
+              <a:t>Aggregator</a:t>
+            </a:r>
+            <a:endParaRPr lang="en-US" sz="2400" dirty="0"/>
+          </a:p>
+        </p:txBody>
+      </p:sp>
+      <p:sp>
+        <p:nvSpPr>
+          <p:cNvPr id="12" name="Rounded Rectangle 11">
+            <a:extLst>
+              <a:ext uri="{FF2B5EF4-FFF2-40B4-BE49-F238E27FC236}">
+                <a16:creationId xmlns:a16="http://schemas.microsoft.com/office/drawing/2014/main" xmlns="" id="{FD8B4ED0-A5DB-2045-976E-D0AF26951627}"/>
+              </a:ext>
+            </a:extLst>
+          </p:cNvPr>
+          <p:cNvSpPr/>
+          <p:nvPr/>
+        </p:nvSpPr>
+        <p:spPr>
+          <a:xfrm>
+            <a:off x="5368941" y="2537125"/>
+            <a:ext cx="1939034" cy="726763"/>
+          </a:xfrm>
+          <a:prstGeom prst="roundRect">
+            <a:avLst/>
+          </a:prstGeom>
+          <a:noFill/>
+          <a:ln/>
+        </p:spPr>
+        <p:style>
+          <a:lnRef idx="2">
+            <a:schemeClr val="dk1"/>
+          </a:lnRef>
+          <a:fillRef idx="1">
+            <a:schemeClr val="lt1"/>
+          </a:fillRef>
+          <a:effectRef idx="0">
+            <a:schemeClr val="dk1"/>
+          </a:effectRef>
+          <a:fontRef idx="minor">
+            <a:schemeClr val="dk1"/>
+          </a:fontRef>
+        </p:style>
+        <p:txBody>
+          <a:bodyPr rtlCol="0" anchor="ctr"/>
+          <a:lstStyle/>
+          <a:p>
+            <a:pPr algn="ctr"/>
+            <a:r>
+              <a:rPr lang="en-US" sz="2400" dirty="0" smtClean="0"/>
+              <a:t>Program </a:t>
+            </a:r>
+          </a:p>
+          <a:p>
+            <a:pPr algn="ctr"/>
+            <a:r>
+              <a:rPr lang="en-US" sz="2400" dirty="0" smtClean="0"/>
+              <a:t>Executor</a:t>
+            </a:r>
+            <a:endParaRPr lang="en-US" sz="2400" dirty="0"/>
+          </a:p>
+        </p:txBody>
+      </p:sp>
+      <p:cxnSp>
+        <p:nvCxnSpPr>
+          <p:cNvPr id="33" name="Straight Arrow Connector 32">
+            <a:extLst>
+              <a:ext uri="{FF2B5EF4-FFF2-40B4-BE49-F238E27FC236}">
+                <a16:creationId xmlns:a16="http://schemas.microsoft.com/office/drawing/2014/main" xmlns="" id="{22C43AFD-4E77-3141-8376-112B8E03455B}"/>
+              </a:ext>
+            </a:extLst>
+          </p:cNvPr>
+          <p:cNvCxnSpPr>
+            <a:cxnSpLocks/>
+          </p:cNvCxnSpPr>
+          <p:nvPr/>
+        </p:nvCxnSpPr>
+        <p:spPr>
+          <a:xfrm>
+            <a:off x="1410587" y="3237344"/>
+            <a:ext cx="1572475" cy="0"/>
+          </a:xfrm>
+          <a:prstGeom prst="straightConnector1">
+            <a:avLst/>
+          </a:prstGeom>
+          <a:ln>
+            <a:tailEnd type="triangle"/>
+          </a:ln>
+        </p:spPr>
+        <p:style>
+          <a:lnRef idx="2">
+            <a:schemeClr val="dk1"/>
+          </a:lnRef>
+          <a:fillRef idx="0">
+            <a:schemeClr val="dk1"/>
+          </a:fillRef>
+          <a:effectRef idx="1">
+            <a:schemeClr val="dk1"/>
+          </a:effectRef>
+          <a:fontRef idx="minor">
+            <a:schemeClr val="tx1"/>
+          </a:fontRef>
+        </p:style>
+      </p:cxnSp>
+      <p:sp>
+        <p:nvSpPr>
+          <p:cNvPr id="35" name="TextBox 34">
+            <a:extLst>
+              <a:ext uri="{FF2B5EF4-FFF2-40B4-BE49-F238E27FC236}">
+                <a16:creationId xmlns:a16="http://schemas.microsoft.com/office/drawing/2014/main" xmlns="" id="{E767EEC4-8BC0-EF4D-80BE-F43F8744FAB2}"/>
+              </a:ext>
+            </a:extLst>
+          </p:cNvPr>
+          <p:cNvSpPr txBox="1"/>
+          <p:nvPr/>
+        </p:nvSpPr>
+        <p:spPr>
+          <a:xfrm>
+            <a:off x="76600" y="1186477"/>
+            <a:ext cx="2206078" cy="461665"/>
+          </a:xfrm>
+          <a:prstGeom prst="rect">
+            <a:avLst/>
+          </a:prstGeom>
+          <a:noFill/>
+        </p:spPr>
+        <p:txBody>
+          <a:bodyPr wrap="square" rtlCol="0">
+            <a:spAutoFit/>
+          </a:bodyPr>
+          <a:lstStyle/>
+          <a:p>
+            <a:r>
+              <a:rPr lang="en-US" sz="2400" b="1" dirty="0"/>
+              <a:t>Data Owners</a:t>
+            </a:r>
+          </a:p>
+        </p:txBody>
+      </p:sp>
+      <p:sp>
+        <p:nvSpPr>
+          <p:cNvPr id="36" name="TextBox 35">
+            <a:extLst>
+              <a:ext uri="{FF2B5EF4-FFF2-40B4-BE49-F238E27FC236}">
+                <a16:creationId xmlns:a16="http://schemas.microsoft.com/office/drawing/2014/main" xmlns="" id="{3F96A421-C353-9B47-A5FB-90CA47D953C6}"/>
+              </a:ext>
+            </a:extLst>
+          </p:cNvPr>
+          <p:cNvSpPr txBox="1"/>
+          <p:nvPr/>
+        </p:nvSpPr>
+        <p:spPr>
+          <a:xfrm>
+            <a:off x="951493" y="2494985"/>
+            <a:ext cx="252470" cy="553998"/>
+          </a:xfrm>
+          <a:prstGeom prst="rect">
+            <a:avLst/>
+          </a:prstGeom>
+          <a:noFill/>
+        </p:spPr>
+        <p:txBody>
+          <a:bodyPr wrap="square" rtlCol="0">
+            <a:spAutoFit/>
+          </a:bodyPr>
+          <a:lstStyle/>
+          <a:p>
+            <a:r>
+              <a:rPr lang="en-US" sz="1000" b="1" dirty="0"/>
+              <a:t>.</a:t>
+            </a:r>
+          </a:p>
+          <a:p>
+            <a:r>
+              <a:rPr lang="en-US" sz="1000" b="1" dirty="0"/>
+              <a:t>.</a:t>
+            </a:r>
+          </a:p>
+          <a:p>
+            <a:r>
+              <a:rPr lang="en-US" sz="1000" b="1" dirty="0"/>
+              <a:t>.</a:t>
+            </a:r>
+          </a:p>
+        </p:txBody>
+      </p:sp>
+      <p:pic>
+        <p:nvPicPr>
+          <p:cNvPr id="27" name="Picture 26">
+            <a:extLst>
+              <a:ext uri="{FF2B5EF4-FFF2-40B4-BE49-F238E27FC236}">
+                <a16:creationId xmlns:a16="http://schemas.microsoft.com/office/drawing/2014/main" xmlns="" id="{43C6E9BE-8202-834D-A3F2-4F3B9D054563}"/>
+              </a:ext>
+            </a:extLst>
+          </p:cNvPr>
+          <p:cNvPicPr>
+            <a:picLocks noChangeAspect="1"/>
+          </p:cNvPicPr>
+          <p:nvPr/>
+        </p:nvPicPr>
+        <p:blipFill>
+          <a:blip r:embed="rId5"/>
+          <a:stretch>
+            <a:fillRect/>
+          </a:stretch>
+        </p:blipFill>
+        <p:spPr>
+          <a:xfrm>
+            <a:off x="11326792" y="3034675"/>
+            <a:ext cx="1034428" cy="929232"/>
+          </a:xfrm>
+          <a:prstGeom prst="rect">
+            <a:avLst/>
+          </a:prstGeom>
+        </p:spPr>
+      </p:pic>
+      <p:cxnSp>
+        <p:nvCxnSpPr>
+          <p:cNvPr id="29" name="Straight Arrow Connector 28">
+            <a:extLst>
+              <a:ext uri="{FF2B5EF4-FFF2-40B4-BE49-F238E27FC236}">
+                <a16:creationId xmlns:a16="http://schemas.microsoft.com/office/drawing/2014/main" xmlns="" id="{F44F114D-E089-8B4E-8EBB-023CB8E4905B}"/>
+              </a:ext>
+            </a:extLst>
+          </p:cNvPr>
+          <p:cNvCxnSpPr>
+            <a:cxnSpLocks/>
+          </p:cNvCxnSpPr>
+          <p:nvPr/>
+        </p:nvCxnSpPr>
+        <p:spPr>
+          <a:xfrm flipH="1">
+            <a:off x="7867529" y="3251259"/>
+            <a:ext cx="3379577" cy="0"/>
+          </a:xfrm>
+          <a:prstGeom prst="straightConnector1">
+            <a:avLst/>
+          </a:prstGeom>
+          <a:ln>
+            <a:tailEnd type="triangle"/>
+          </a:ln>
+        </p:spPr>
+        <p:style>
+          <a:lnRef idx="2">
+            <a:schemeClr val="dk1"/>
+          </a:lnRef>
+          <a:fillRef idx="0">
+            <a:schemeClr val="dk1"/>
+          </a:fillRef>
+          <a:effectRef idx="1">
+            <a:schemeClr val="dk1"/>
+          </a:effectRef>
+          <a:fontRef idx="minor">
+            <a:schemeClr val="tx1"/>
+          </a:fontRef>
+        </p:style>
+      </p:cxnSp>
+      <p:cxnSp>
+        <p:nvCxnSpPr>
+          <p:cNvPr id="53" name="Straight Arrow Connector 52">
+            <a:extLst>
+              <a:ext uri="{FF2B5EF4-FFF2-40B4-BE49-F238E27FC236}">
+                <a16:creationId xmlns:a16="http://schemas.microsoft.com/office/drawing/2014/main" xmlns="" id="{93A7FC7B-1286-9744-A0B0-5C2391A6E353}"/>
+              </a:ext>
+            </a:extLst>
+          </p:cNvPr>
+          <p:cNvCxnSpPr>
+            <a:cxnSpLocks/>
+          </p:cNvCxnSpPr>
+          <p:nvPr/>
+        </p:nvCxnSpPr>
+        <p:spPr>
+          <a:xfrm flipV="1">
+            <a:off x="7880700" y="3856888"/>
+            <a:ext cx="3411010" cy="0"/>
+          </a:xfrm>
+          <a:prstGeom prst="straightConnector1">
+            <a:avLst/>
+          </a:prstGeom>
+          <a:ln>
+            <a:tailEnd type="triangle"/>
+          </a:ln>
+        </p:spPr>
+        <p:style>
+          <a:lnRef idx="2">
+            <a:schemeClr val="dk1"/>
+          </a:lnRef>
+          <a:fillRef idx="0">
+            <a:schemeClr val="dk1"/>
+          </a:fillRef>
+          <a:effectRef idx="1">
+            <a:schemeClr val="dk1"/>
+          </a:effectRef>
+          <a:fontRef idx="minor">
+            <a:schemeClr val="tx1"/>
+          </a:fontRef>
+        </p:style>
+      </p:cxnSp>
+      <p:sp>
+        <p:nvSpPr>
+          <p:cNvPr id="55" name="TextBox 54">
+            <a:extLst>
+              <a:ext uri="{FF2B5EF4-FFF2-40B4-BE49-F238E27FC236}">
+                <a16:creationId xmlns:a16="http://schemas.microsoft.com/office/drawing/2014/main" xmlns="" id="{0606799C-3F15-594D-939E-40A65AAE3D17}"/>
+              </a:ext>
+            </a:extLst>
+          </p:cNvPr>
+          <p:cNvSpPr txBox="1"/>
+          <p:nvPr/>
+        </p:nvSpPr>
+        <p:spPr>
+          <a:xfrm>
+            <a:off x="8712853" y="3977863"/>
+            <a:ext cx="1882087" cy="400110"/>
+          </a:xfrm>
+          <a:prstGeom prst="rect">
+            <a:avLst/>
+          </a:prstGeom>
+          <a:noFill/>
+        </p:spPr>
+        <p:txBody>
+          <a:bodyPr wrap="square" rtlCol="0">
+            <a:spAutoFit/>
+          </a:bodyPr>
+          <a:lstStyle/>
+          <a:p>
+            <a:r>
+              <a:rPr lang="en-US" sz="2000" b="1" dirty="0" smtClean="0"/>
+              <a:t>Noisy outputs </a:t>
+            </a:r>
+            <a:endParaRPr lang="en-US" sz="2000" b="1" dirty="0"/>
+          </a:p>
+        </p:txBody>
+      </p:sp>
+      <p:sp>
+        <p:nvSpPr>
+          <p:cNvPr id="50" name="TextBox 49">
+            <a:extLst>
+              <a:ext uri="{FF2B5EF4-FFF2-40B4-BE49-F238E27FC236}">
+                <a16:creationId xmlns:a16="http://schemas.microsoft.com/office/drawing/2014/main" xmlns="" id="{76D90F3D-1C16-7C4F-973A-6AAED576D1C9}"/>
+              </a:ext>
+            </a:extLst>
+          </p:cNvPr>
+          <p:cNvSpPr txBox="1"/>
+          <p:nvPr/>
+        </p:nvSpPr>
+        <p:spPr>
+          <a:xfrm rot="5400000">
+            <a:off x="9623460" y="2433015"/>
+            <a:ext cx="128506" cy="600164"/>
+          </a:xfrm>
+          <a:prstGeom prst="rect">
+            <a:avLst/>
+          </a:prstGeom>
+          <a:noFill/>
+        </p:spPr>
+        <p:txBody>
+          <a:bodyPr wrap="square" rtlCol="0">
+            <a:spAutoFit/>
+          </a:bodyPr>
+          <a:lstStyle/>
+          <a:p>
+            <a:r>
+              <a:rPr lang="en-US" sz="1100" dirty="0"/>
+              <a:t>.</a:t>
+            </a:r>
+          </a:p>
+          <a:p>
+            <a:r>
+              <a:rPr lang="en-US" sz="1100" dirty="0"/>
+              <a:t>.</a:t>
+            </a:r>
+          </a:p>
+          <a:p>
+            <a:r>
+              <a:rPr lang="en-US" sz="1100" dirty="0"/>
+              <a:t>.   </a:t>
+            </a:r>
+          </a:p>
+        </p:txBody>
+      </p:sp>
+      <p:sp>
+        <p:nvSpPr>
+          <p:cNvPr id="54" name="TextBox 53">
+            <a:extLst>
+              <a:ext uri="{FF2B5EF4-FFF2-40B4-BE49-F238E27FC236}">
+                <a16:creationId xmlns:a16="http://schemas.microsoft.com/office/drawing/2014/main" xmlns="" id="{62E7420B-DE21-0242-AB77-FCB534945989}"/>
+              </a:ext>
+            </a:extLst>
+          </p:cNvPr>
+          <p:cNvSpPr txBox="1"/>
+          <p:nvPr/>
+        </p:nvSpPr>
+        <p:spPr>
+          <a:xfrm>
+            <a:off x="10526747" y="1357735"/>
+            <a:ext cx="2202928" cy="461665"/>
+          </a:xfrm>
+          <a:prstGeom prst="rect">
+            <a:avLst/>
+          </a:prstGeom>
+          <a:noFill/>
+        </p:spPr>
+        <p:txBody>
+          <a:bodyPr wrap="square" rtlCol="0">
+            <a:spAutoFit/>
+          </a:bodyPr>
+          <a:lstStyle/>
+          <a:p>
+            <a:pPr algn="ctr"/>
+            <a:r>
+              <a:rPr lang="en-US" sz="2400" b="1"/>
+              <a:t>Data </a:t>
+            </a:r>
+            <a:r>
+              <a:rPr lang="en-US" sz="2400" b="1" smtClean="0"/>
+              <a:t>Analyst</a:t>
+            </a:r>
+            <a:endParaRPr lang="en-US" sz="2400" b="1" dirty="0"/>
+          </a:p>
+        </p:txBody>
+      </p:sp>
+      <p:sp>
+        <p:nvSpPr>
+          <p:cNvPr id="61" name="TextBox 60">
+            <a:extLst>
+              <a:ext uri="{FF2B5EF4-FFF2-40B4-BE49-F238E27FC236}">
+                <a16:creationId xmlns:a16="http://schemas.microsoft.com/office/drawing/2014/main" xmlns="" id="{A9BFEB4D-73F1-FF44-BE81-3FEE29265ABF}"/>
+              </a:ext>
+            </a:extLst>
+          </p:cNvPr>
+          <p:cNvSpPr txBox="1"/>
+          <p:nvPr/>
+        </p:nvSpPr>
+        <p:spPr>
+          <a:xfrm>
+            <a:off x="44604" y="5138225"/>
+            <a:ext cx="2983754" cy="830997"/>
+          </a:xfrm>
+          <a:prstGeom prst="rect">
+            <a:avLst/>
+          </a:prstGeom>
+          <a:noFill/>
+        </p:spPr>
+        <p:txBody>
+          <a:bodyPr wrap="square" rtlCol="0">
+            <a:spAutoFit/>
+          </a:bodyPr>
+          <a:lstStyle/>
+          <a:p>
+            <a:pPr algn="ctr"/>
+            <a:r>
+              <a:rPr lang="en-US" sz="2400" b="1" dirty="0">
+                <a:solidFill>
+                  <a:srgbClr val="0070C0"/>
+                </a:solidFill>
+              </a:rPr>
+              <a:t>Data Collection </a:t>
+            </a:r>
+            <a:endParaRPr lang="en-US" sz="2400" b="1" dirty="0" smtClean="0">
+              <a:solidFill>
+                <a:srgbClr val="0070C0"/>
+              </a:solidFill>
+            </a:endParaRPr>
+          </a:p>
+          <a:p>
+            <a:pPr algn="ctr"/>
+            <a:r>
+              <a:rPr lang="en-US" sz="2400" b="1" dirty="0" smtClean="0">
+                <a:solidFill>
+                  <a:srgbClr val="0070C0"/>
+                </a:solidFill>
+              </a:rPr>
+              <a:t>Phase</a:t>
+            </a:r>
+            <a:endParaRPr lang="en-US" sz="2400" b="1" dirty="0">
+              <a:solidFill>
+                <a:srgbClr val="0070C0"/>
+              </a:solidFill>
+            </a:endParaRPr>
+          </a:p>
+        </p:txBody>
+      </p:sp>
+      <p:sp>
+        <p:nvSpPr>
+          <p:cNvPr id="62" name="TextBox 61">
+            <a:extLst>
+              <a:ext uri="{FF2B5EF4-FFF2-40B4-BE49-F238E27FC236}">
+                <a16:creationId xmlns:a16="http://schemas.microsoft.com/office/drawing/2014/main" xmlns="" id="{927DB39D-AF03-5E48-96E0-871BB430AA14}"/>
+              </a:ext>
+            </a:extLst>
+          </p:cNvPr>
+          <p:cNvSpPr txBox="1"/>
+          <p:nvPr/>
+        </p:nvSpPr>
+        <p:spPr>
+          <a:xfrm>
+            <a:off x="8272721" y="5095897"/>
+            <a:ext cx="3438102" cy="830997"/>
+          </a:xfrm>
+          <a:prstGeom prst="rect">
+            <a:avLst/>
+          </a:prstGeom>
+          <a:noFill/>
+        </p:spPr>
+        <p:txBody>
+          <a:bodyPr wrap="square" rtlCol="0">
+            <a:spAutoFit/>
+          </a:bodyPr>
+          <a:lstStyle/>
+          <a:p>
+            <a:pPr algn="ctr"/>
+            <a:r>
+              <a:rPr lang="en-US" sz="2400" b="1" dirty="0">
+                <a:solidFill>
+                  <a:srgbClr val="0070C0"/>
+                </a:solidFill>
+              </a:rPr>
+              <a:t>Program Execution </a:t>
+            </a:r>
+            <a:endParaRPr lang="en-US" sz="2400" b="1" dirty="0" smtClean="0">
+              <a:solidFill>
+                <a:srgbClr val="0070C0"/>
+              </a:solidFill>
+            </a:endParaRPr>
+          </a:p>
+          <a:p>
+            <a:pPr algn="ctr"/>
+            <a:r>
+              <a:rPr lang="en-US" sz="2400" b="1" dirty="0" smtClean="0">
+                <a:solidFill>
+                  <a:srgbClr val="0070C0"/>
+                </a:solidFill>
+              </a:rPr>
+              <a:t>Phase</a:t>
+            </a:r>
+            <a:endParaRPr lang="en-US" sz="2400" b="1" dirty="0">
+              <a:solidFill>
+                <a:srgbClr val="0070C0"/>
+              </a:solidFill>
+            </a:endParaRPr>
+          </a:p>
+        </p:txBody>
+      </p:sp>
+      <p:sp>
+        <p:nvSpPr>
+          <p:cNvPr id="2" name="Rectangle 1"/>
+          <p:cNvSpPr/>
+          <p:nvPr/>
+        </p:nvSpPr>
+        <p:spPr>
+          <a:xfrm>
+            <a:off x="3453418" y="4377973"/>
+            <a:ext cx="3966713" cy="1200329"/>
+          </a:xfrm>
+          <a:prstGeom prst="rect">
+            <a:avLst/>
+          </a:prstGeom>
+        </p:spPr>
+        <p:txBody>
+          <a:bodyPr wrap="square">
+            <a:spAutoFit/>
+          </a:bodyPr>
+          <a:lstStyle/>
+          <a:p>
+            <a:pPr marL="457200" indent="-457200">
+              <a:buFont typeface="Arial" charset="0"/>
+              <a:buChar char="•"/>
+            </a:pPr>
+            <a:r>
+              <a:rPr lang="en-US" sz="2400" dirty="0"/>
+              <a:t>Key M</a:t>
+            </a:r>
+            <a:r>
+              <a:rPr lang="en-US" sz="2400" dirty="0" smtClean="0"/>
+              <a:t>anager (</a:t>
+            </a:r>
+            <a:r>
+              <a:rPr lang="en-US" sz="2400" dirty="0" err="1" smtClean="0"/>
+              <a:t>pk</a:t>
+            </a:r>
+            <a:r>
+              <a:rPr lang="en-US" sz="2400" dirty="0" smtClean="0"/>
+              <a:t>, </a:t>
+            </a:r>
+            <a:r>
+              <a:rPr lang="en-US" sz="2400" dirty="0" err="1" smtClean="0"/>
+              <a:t>sk</a:t>
+            </a:r>
+            <a:r>
+              <a:rPr lang="en-US" sz="2400" dirty="0" smtClean="0"/>
+              <a:t>) </a:t>
+            </a:r>
+            <a:endParaRPr lang="en-US" sz="2400" dirty="0"/>
+          </a:p>
+          <a:p>
+            <a:pPr marL="457200" indent="-457200">
+              <a:buFont typeface="Arial" charset="0"/>
+              <a:buChar char="•"/>
+            </a:pPr>
+            <a:r>
+              <a:rPr lang="en-US" sz="2400" dirty="0"/>
+              <a:t>Data </a:t>
+            </a:r>
+            <a:r>
+              <a:rPr lang="en-US" sz="2400" dirty="0" smtClean="0"/>
+              <a:t>Decryption</a:t>
+            </a:r>
+            <a:endParaRPr lang="en-US" sz="2400" dirty="0"/>
+          </a:p>
+          <a:p>
+            <a:pPr marL="457200" indent="-457200">
+              <a:buFont typeface="Arial" charset="0"/>
+              <a:buChar char="•"/>
+            </a:pPr>
+            <a:r>
+              <a:rPr lang="en-US" sz="2400" dirty="0"/>
+              <a:t>Privacy E</a:t>
+            </a:r>
+            <a:r>
+              <a:rPr lang="en-US" sz="2400" dirty="0" smtClean="0"/>
+              <a:t>ngine (B)</a:t>
+            </a:r>
+            <a:endParaRPr lang="en-US" sz="2400" dirty="0"/>
+          </a:p>
+        </p:txBody>
+      </p:sp>
+      <mc:AlternateContent xmlns:mc="http://schemas.openxmlformats.org/markup-compatibility/2006">
+        <mc:Choice xmlns:a14="http://schemas.microsoft.com/office/drawing/2010/main" Requires="a14">
+          <p:sp>
+            <p:nvSpPr>
+              <p:cNvPr id="3" name="TextBox 2"/>
+              <p:cNvSpPr txBox="1"/>
+              <p:nvPr/>
+            </p:nvSpPr>
+            <p:spPr>
+              <a:xfrm>
+                <a:off x="1896649" y="1932124"/>
+                <a:ext cx="334322" cy="315536"/>
+              </a:xfrm>
+              <a:prstGeom prst="rect">
+                <a:avLst/>
+              </a:prstGeom>
+              <a:noFill/>
+            </p:spPr>
+            <p:txBody>
+              <a:bodyPr wrap="none" lIns="0" tIns="0" rIns="0" bIns="0" rtlCol="0">
+                <a:spAutoFit/>
+              </a:bodyPr>
+              <a:lstStyle/>
+              <a:p>
+                <a14:m>
+                  <m:oMathPara xmlns:m="http://schemas.openxmlformats.org/officeDocument/2006/math">
+                    <m:oMathParaPr>
+                      <m:jc m:val="centerGroup"/>
+                    </m:oMathParaPr>
+                    <m:oMath xmlns:m="http://schemas.openxmlformats.org/officeDocument/2006/math">
+                      <m:sSub>
+                        <m:sSubPr>
+                          <m:ctrlPr>
+                            <a:rPr lang="en-US" sz="2000" b="0" i="1" smtClean="0">
+                              <a:latin typeface="Cambria Math" charset="0"/>
+                            </a:rPr>
+                          </m:ctrlPr>
+                        </m:sSubPr>
+                        <m:e>
+                          <m:acc>
+                            <m:accPr>
+                              <m:chr m:val="̃"/>
+                              <m:ctrlPr>
+                                <a:rPr lang="en-US" sz="2000" b="0" i="1" smtClean="0">
+                                  <a:latin typeface="Cambria Math" charset="0"/>
+                                </a:rPr>
+                              </m:ctrlPr>
+                            </m:accPr>
+                            <m:e>
+                              <m:r>
+                                <a:rPr lang="en-US" sz="2000" b="0" i="1" smtClean="0">
+                                  <a:latin typeface="Cambria Math" charset="0"/>
+                                </a:rPr>
+                                <m:t>𝐷</m:t>
+                              </m:r>
+                            </m:e>
+                          </m:acc>
+                        </m:e>
+                        <m:sub>
+                          <m:r>
+                            <a:rPr lang="en-US" sz="2000" b="0" i="1" smtClean="0">
+                              <a:latin typeface="Cambria Math" charset="0"/>
+                            </a:rPr>
+                            <m:t>1</m:t>
+                          </m:r>
+                        </m:sub>
+                      </m:sSub>
+                    </m:oMath>
+                  </m:oMathPara>
+                </a14:m>
+                <a:endParaRPr lang="en-US" sz="2000" dirty="0"/>
+              </a:p>
+            </p:txBody>
+          </p:sp>
+        </mc:Choice>
+        <mc:Fallback>
+          <p:sp>
+            <p:nvSpPr>
+              <p:cNvPr id="3" name="TextBox 2"/>
+              <p:cNvSpPr txBox="1">
+                <a:spLocks noRot="1" noChangeAspect="1" noMove="1" noResize="1" noEditPoints="1" noAdjustHandles="1" noChangeArrowheads="1" noChangeShapeType="1" noTextEdit="1"/>
+              </p:cNvSpPr>
+              <p:nvPr/>
+            </p:nvSpPr>
+            <p:spPr>
+              <a:xfrm>
+                <a:off x="1896649" y="1932124"/>
+                <a:ext cx="334322" cy="315536"/>
+              </a:xfrm>
+              <a:prstGeom prst="rect">
+                <a:avLst/>
+              </a:prstGeom>
+              <a:blipFill rotWithShape="0">
+                <a:blip r:embed="rId6"/>
+                <a:stretch>
+                  <a:fillRect l="-16364" t="-15385" r="-36364" b="-15385"/>
+                </a:stretch>
+              </a:blipFill>
+            </p:spPr>
+            <p:txBody>
+              <a:bodyPr/>
+              <a:lstStyle/>
+              <a:p>
+                <a:r>
+                  <a:rPr lang="en-US">
+                    <a:noFill/>
+                  </a:rPr>
+                  <a:t> </a:t>
+                </a:r>
+              </a:p>
+            </p:txBody>
+          </p:sp>
+        </mc:Fallback>
+      </mc:AlternateContent>
+      <mc:AlternateContent xmlns:mc="http://schemas.openxmlformats.org/markup-compatibility/2006">
+        <mc:Choice xmlns:a14="http://schemas.microsoft.com/office/drawing/2010/main" Requires="a14">
+          <p:sp>
+            <p:nvSpPr>
+              <p:cNvPr id="56" name="TextBox 55"/>
+              <p:cNvSpPr txBox="1"/>
+              <p:nvPr/>
+            </p:nvSpPr>
+            <p:spPr>
+              <a:xfrm>
+                <a:off x="1915237" y="2901309"/>
+                <a:ext cx="417807" cy="315536"/>
+              </a:xfrm>
+              <a:prstGeom prst="rect">
+                <a:avLst/>
+              </a:prstGeom>
+              <a:noFill/>
+            </p:spPr>
+            <p:txBody>
+              <a:bodyPr wrap="none" lIns="0" tIns="0" rIns="0" bIns="0" rtlCol="0">
+                <a:spAutoFit/>
+              </a:bodyPr>
+              <a:lstStyle/>
+              <a:p>
+                <a14:m>
+                  <m:oMathPara xmlns:m="http://schemas.openxmlformats.org/officeDocument/2006/math">
+                    <m:oMathParaPr>
+                      <m:jc m:val="centerGroup"/>
+                    </m:oMathParaPr>
+                    <m:oMath xmlns:m="http://schemas.openxmlformats.org/officeDocument/2006/math">
+                      <m:sSub>
+                        <m:sSubPr>
+                          <m:ctrlPr>
+                            <a:rPr lang="en-US" sz="2000" b="0" i="1" smtClean="0">
+                              <a:latin typeface="Cambria Math" charset="0"/>
+                            </a:rPr>
+                          </m:ctrlPr>
+                        </m:sSubPr>
+                        <m:e>
+                          <m:acc>
+                            <m:accPr>
+                              <m:chr m:val="̃"/>
+                              <m:ctrlPr>
+                                <a:rPr lang="en-US" sz="2000" b="0" i="1" smtClean="0">
+                                  <a:latin typeface="Cambria Math" charset="0"/>
+                                </a:rPr>
+                              </m:ctrlPr>
+                            </m:accPr>
+                            <m:e>
+                              <m:r>
+                                <a:rPr lang="en-US" sz="2000" b="0" i="1" smtClean="0">
+                                  <a:latin typeface="Cambria Math" charset="0"/>
+                                </a:rPr>
+                                <m:t>𝐷</m:t>
+                              </m:r>
+                            </m:e>
+                          </m:acc>
+                        </m:e>
+                        <m:sub>
+                          <m:r>
+                            <a:rPr lang="en-US" sz="2000" b="0" i="1" smtClean="0">
+                              <a:latin typeface="Cambria Math" charset="0"/>
+                            </a:rPr>
+                            <m:t>𝑚</m:t>
+                          </m:r>
+                        </m:sub>
+                      </m:sSub>
+                    </m:oMath>
+                  </m:oMathPara>
+                </a14:m>
+                <a:endParaRPr lang="en-US" sz="2000" dirty="0"/>
+              </a:p>
+            </p:txBody>
+          </p:sp>
+        </mc:Choice>
+        <mc:Fallback>
+          <p:sp>
+            <p:nvSpPr>
+              <p:cNvPr id="56" name="TextBox 55"/>
+              <p:cNvSpPr txBox="1">
+                <a:spLocks noRot="1" noChangeAspect="1" noMove="1" noResize="1" noEditPoints="1" noAdjustHandles="1" noChangeArrowheads="1" noChangeShapeType="1" noTextEdit="1"/>
+              </p:cNvSpPr>
+              <p:nvPr/>
+            </p:nvSpPr>
+            <p:spPr>
+              <a:xfrm>
+                <a:off x="1915237" y="2901309"/>
+                <a:ext cx="417807" cy="315536"/>
+              </a:xfrm>
+              <a:prstGeom prst="rect">
+                <a:avLst/>
+              </a:prstGeom>
+              <a:blipFill rotWithShape="0">
+                <a:blip r:embed="rId7"/>
+                <a:stretch>
+                  <a:fillRect l="-11594" t="-15385" r="-28986" b="-13462"/>
+                </a:stretch>
+              </a:blipFill>
+            </p:spPr>
+            <p:txBody>
+              <a:bodyPr/>
+              <a:lstStyle/>
+              <a:p>
+                <a:r>
+                  <a:rPr lang="en-US">
+                    <a:noFill/>
+                  </a:rPr>
+                  <a:t> </a:t>
+                </a:r>
+              </a:p>
+            </p:txBody>
+          </p:sp>
+        </mc:Fallback>
+      </mc:AlternateContent>
+      <p:cxnSp>
+        <p:nvCxnSpPr>
+          <p:cNvPr id="57" name="Straight Arrow Connector 56">
+            <a:extLst>
+              <a:ext uri="{FF2B5EF4-FFF2-40B4-BE49-F238E27FC236}">
+                <a16:creationId xmlns:a16="http://schemas.microsoft.com/office/drawing/2014/main" xmlns="" id="{22C43AFD-4E77-3141-8376-112B8E03455B}"/>
+              </a:ext>
+            </a:extLst>
+          </p:cNvPr>
+          <p:cNvCxnSpPr>
+            <a:cxnSpLocks/>
+          </p:cNvCxnSpPr>
+          <p:nvPr/>
+        </p:nvCxnSpPr>
+        <p:spPr>
+          <a:xfrm>
+            <a:off x="1399195" y="2313376"/>
+            <a:ext cx="1572475" cy="0"/>
+          </a:xfrm>
+          <a:prstGeom prst="straightConnector1">
+            <a:avLst/>
+          </a:prstGeom>
+          <a:ln>
+            <a:tailEnd type="triangle"/>
+          </a:ln>
+        </p:spPr>
+        <p:style>
+          <a:lnRef idx="2">
+            <a:schemeClr val="dk1"/>
+          </a:lnRef>
+          <a:fillRef idx="0">
+            <a:schemeClr val="dk1"/>
+          </a:fillRef>
+          <a:effectRef idx="1">
+            <a:schemeClr val="dk1"/>
+          </a:effectRef>
+          <a:fontRef idx="minor">
+            <a:schemeClr val="tx1"/>
+          </a:fontRef>
+        </p:style>
+      </p:cxnSp>
+      <p:sp>
+        <p:nvSpPr>
+          <p:cNvPr id="58" name="TextBox 57">
+            <a:extLst>
+              <a:ext uri="{FF2B5EF4-FFF2-40B4-BE49-F238E27FC236}">
+                <a16:creationId xmlns:a16="http://schemas.microsoft.com/office/drawing/2014/main" xmlns="" id="{3F96A421-C353-9B47-A5FB-90CA47D953C6}"/>
+              </a:ext>
+            </a:extLst>
+          </p:cNvPr>
+          <p:cNvSpPr txBox="1"/>
+          <p:nvPr/>
+        </p:nvSpPr>
+        <p:spPr>
+          <a:xfrm>
+            <a:off x="1929084" y="2447033"/>
+            <a:ext cx="252470" cy="461665"/>
+          </a:xfrm>
+          <a:prstGeom prst="rect">
+            <a:avLst/>
+          </a:prstGeom>
+          <a:noFill/>
+        </p:spPr>
+        <p:txBody>
+          <a:bodyPr wrap="square" rtlCol="0">
+            <a:spAutoFit/>
+          </a:bodyPr>
+          <a:lstStyle/>
+          <a:p>
+            <a:r>
+              <a:rPr lang="en-US" sz="800" b="1" dirty="0"/>
+              <a:t>.</a:t>
+            </a:r>
+          </a:p>
+          <a:p>
+            <a:r>
+              <a:rPr lang="en-US" sz="800" b="1" dirty="0"/>
+              <a:t>.</a:t>
+            </a:r>
+          </a:p>
+          <a:p>
+            <a:r>
+              <a:rPr lang="en-US" sz="800" b="1" dirty="0"/>
+              <a:t>.</a:t>
+            </a:r>
+          </a:p>
+        </p:txBody>
+      </p:sp>
+      <mc:AlternateContent xmlns:mc="http://schemas.openxmlformats.org/markup-compatibility/2006">
+        <mc:Choice xmlns:a14="http://schemas.microsoft.com/office/drawing/2010/main" Requires="a14">
+          <p:sp>
+            <p:nvSpPr>
+              <p:cNvPr id="59" name="TextBox 58">
+                <a:extLst>
+                  <a:ext uri="{FF2B5EF4-FFF2-40B4-BE49-F238E27FC236}">
+                    <a16:creationId xmlns:a16="http://schemas.microsoft.com/office/drawing/2014/main" xmlns="" id="{700D7277-18C8-694B-814C-C822A65F9437}"/>
+                  </a:ext>
+                </a:extLst>
+              </p:cNvPr>
+              <p:cNvSpPr txBox="1"/>
+              <p:nvPr/>
+            </p:nvSpPr>
+            <p:spPr>
+              <a:xfrm>
+                <a:off x="8103332" y="2343935"/>
+                <a:ext cx="1100949" cy="707886"/>
+              </a:xfrm>
+              <a:prstGeom prst="rect">
+                <a:avLst/>
+              </a:prstGeom>
+              <a:effectLst>
+                <a:outerShdw blurRad="50800" dist="76200" dir="2700000" algn="tl" rotWithShape="0">
+                  <a:prstClr val="black">
+                    <a:alpha val="40000"/>
+                  </a:prstClr>
+                </a:outerShdw>
+              </a:effectLst>
+            </p:spPr>
+            <p:style>
+              <a:lnRef idx="2">
+                <a:schemeClr val="dk1"/>
+              </a:lnRef>
+              <a:fillRef idx="1">
+                <a:schemeClr val="lt1"/>
+              </a:fillRef>
+              <a:effectRef idx="0">
+                <a:schemeClr val="dk1"/>
+              </a:effectRef>
+              <a:fontRef idx="minor">
+                <a:schemeClr val="dk1"/>
+              </a:fontRef>
+            </p:style>
+            <p:txBody>
+              <a:bodyPr wrap="square" rtlCol="0">
+                <a:spAutoFit/>
+              </a:bodyPr>
+              <a:lstStyle/>
+              <a:p>
+                <a:pPr algn="ctr"/>
+                <a:r>
+                  <a:rPr lang="en-US" sz="2000" dirty="0"/>
+                  <a:t>Crypt</a:t>
+                </a:r>
+                <a14:m>
+                  <m:oMath xmlns:m="http://schemas.openxmlformats.org/officeDocument/2006/math">
+                    <m:r>
+                      <a:rPr lang="en-US" sz="2000" b="0" i="1">
+                        <a:latin typeface="Cambria Math" panose="02040503050406030204" pitchFamily="18" charset="0"/>
+                        <a:ea typeface="Cambria Math" panose="02040503050406030204" pitchFamily="18" charset="0"/>
+                      </a:rPr>
+                      <m:t>𝜖</m:t>
+                    </m:r>
+                  </m:oMath>
+                </a14:m>
+                <a:endParaRPr lang="en-US" sz="2000" dirty="0"/>
+              </a:p>
+              <a:p>
+                <a:pPr algn="ctr"/>
+                <a:r>
+                  <a:rPr lang="en-US" sz="2000" dirty="0"/>
+                  <a:t>Program</a:t>
+                </a:r>
+              </a:p>
+            </p:txBody>
+          </p:sp>
+        </mc:Choice>
+        <mc:Fallback>
+          <p:sp>
+            <p:nvSpPr>
+              <p:cNvPr id="59" name="TextBox 58">
+                <a:extLst>
+                  <a:ext uri="{FF2B5EF4-FFF2-40B4-BE49-F238E27FC236}">
+                    <a16:creationId xmlns:a16="http://schemas.microsoft.com/office/drawing/2014/main" xmlns:a14="http://schemas.microsoft.com/office/drawing/2010/main" xmlns="" id="{700D7277-18C8-694B-814C-C822A65F9437}"/>
+                  </a:ext>
+                </a:extLst>
+              </p:cNvPr>
+              <p:cNvSpPr txBox="1">
+                <a:spLocks noRot="1" noChangeAspect="1" noMove="1" noResize="1" noEditPoints="1" noAdjustHandles="1" noChangeArrowheads="1" noChangeShapeType="1" noTextEdit="1"/>
+              </p:cNvSpPr>
+              <p:nvPr/>
+            </p:nvSpPr>
+            <p:spPr>
+              <a:xfrm>
+                <a:off x="8103332" y="2343935"/>
+                <a:ext cx="1100949" cy="707886"/>
+              </a:xfrm>
+              <a:prstGeom prst="rect">
+                <a:avLst/>
+              </a:prstGeom>
+              <a:blipFill rotWithShape="0">
+                <a:blip r:embed="rId8"/>
+                <a:stretch>
+                  <a:fillRect t="-645"/>
+                </a:stretch>
+              </a:blipFill>
+              <a:effectLst>
+                <a:outerShdw blurRad="50800" dist="76200" dir="2700000" algn="tl" rotWithShape="0">
+                  <a:prstClr val="black">
+                    <a:alpha val="40000"/>
+                  </a:prstClr>
+                </a:outerShdw>
+              </a:effectLst>
+            </p:spPr>
+            <p:txBody>
+              <a:bodyPr/>
+              <a:lstStyle/>
+              <a:p>
+                <a:r>
+                  <a:rPr lang="en-US">
+                    <a:noFill/>
+                  </a:rPr>
+                  <a:t> </a:t>
+                </a:r>
+              </a:p>
+            </p:txBody>
+          </p:sp>
+        </mc:Fallback>
+      </mc:AlternateContent>
+      <p:sp>
+        <p:nvSpPr>
+          <p:cNvPr id="60" name="Rounded Rectangle 59">
+            <a:extLst>
+              <a:ext uri="{FF2B5EF4-FFF2-40B4-BE49-F238E27FC236}">
+                <a16:creationId xmlns:a16="http://schemas.microsoft.com/office/drawing/2014/main" xmlns="" id="{D2497A98-35F0-A248-A5F9-258A5927CC4F}"/>
+              </a:ext>
+            </a:extLst>
+          </p:cNvPr>
+          <p:cNvSpPr/>
+          <p:nvPr/>
+        </p:nvSpPr>
+        <p:spPr>
+          <a:xfrm>
+            <a:off x="3010962" y="3795359"/>
+            <a:ext cx="4649654" cy="2098623"/>
+          </a:xfrm>
+          <a:prstGeom prst="roundRect">
+            <a:avLst>
+              <a:gd name="adj" fmla="val 4977"/>
+            </a:avLst>
+          </a:prstGeom>
+          <a:noFill/>
+          <a:ln/>
+        </p:spPr>
+        <p:style>
+          <a:lnRef idx="2">
+            <a:schemeClr val="dk1"/>
+          </a:lnRef>
+          <a:fillRef idx="1">
+            <a:schemeClr val="lt1"/>
+          </a:fillRef>
+          <a:effectRef idx="0">
+            <a:schemeClr val="dk1"/>
+          </a:effectRef>
+          <a:fontRef idx="minor">
+            <a:schemeClr val="dk1"/>
+          </a:fontRef>
+        </p:style>
+        <p:txBody>
+          <a:bodyPr rtlCol="0" anchor="t"/>
+          <a:lstStyle/>
+          <a:p>
+            <a:pPr algn="ctr"/>
+            <a:r>
+              <a:rPr lang="en-US" sz="2400" b="1" dirty="0" smtClean="0"/>
+              <a:t>Cryptographic Service Provider</a:t>
+            </a:r>
+          </a:p>
+        </p:txBody>
+      </p:sp>
+      <p:cxnSp>
+        <p:nvCxnSpPr>
+          <p:cNvPr id="63" name="Elbow Connector 62"/>
+          <p:cNvCxnSpPr>
+            <a:stCxn id="60" idx="1"/>
+            <a:endCxn id="21" idx="2"/>
+          </p:cNvCxnSpPr>
+          <p:nvPr/>
+        </p:nvCxnSpPr>
+        <p:spPr>
+          <a:xfrm rot="10800000">
+            <a:off x="1076940" y="3715159"/>
+            <a:ext cx="1934023" cy="1129513"/>
+          </a:xfrm>
+          <a:prstGeom prst="bentConnector2">
+            <a:avLst/>
+          </a:prstGeom>
+          <a:ln>
+            <a:tailEnd type="triangle"/>
+          </a:ln>
+        </p:spPr>
+        <p:style>
+          <a:lnRef idx="2">
+            <a:schemeClr val="dk1"/>
+          </a:lnRef>
+          <a:fillRef idx="0">
+            <a:schemeClr val="dk1"/>
+          </a:fillRef>
+          <a:effectRef idx="1">
+            <a:schemeClr val="dk1"/>
+          </a:effectRef>
+          <a:fontRef idx="minor">
+            <a:schemeClr val="tx1"/>
+          </a:fontRef>
+        </p:style>
+      </p:cxnSp>
+      <p:sp>
+        <p:nvSpPr>
+          <p:cNvPr id="23" name="Rectangle 22"/>
+          <p:cNvSpPr/>
+          <p:nvPr/>
+        </p:nvSpPr>
+        <p:spPr>
+          <a:xfrm>
+            <a:off x="1796411" y="4297264"/>
+            <a:ext cx="486030" cy="461665"/>
+          </a:xfrm>
+          <a:prstGeom prst="rect">
+            <a:avLst/>
+          </a:prstGeom>
+        </p:spPr>
+        <p:txBody>
+          <a:bodyPr wrap="none">
+            <a:spAutoFit/>
+          </a:bodyPr>
+          <a:lstStyle/>
+          <a:p>
+            <a:r>
+              <a:rPr lang="en-US" sz="2400"/>
+              <a:t>pk</a:t>
+            </a:r>
+            <a:endParaRPr lang="en-US" sz="2400" dirty="0"/>
+          </a:p>
+        </p:txBody>
+      </p:sp>
+      <mc:AlternateContent xmlns:mc="http://schemas.openxmlformats.org/markup-compatibility/2006">
+        <mc:Choice xmlns:a14="http://schemas.microsoft.com/office/drawing/2010/main" Requires="a14">
+          <p:sp>
+            <p:nvSpPr>
+              <p:cNvPr id="64" name="TextBox 63">
+                <a:extLst>
+                  <a:ext uri="{FF2B5EF4-FFF2-40B4-BE49-F238E27FC236}">
+                    <a16:creationId xmlns:a16="http://schemas.microsoft.com/office/drawing/2014/main" xmlns="" id="{700D7277-18C8-694B-814C-C822A65F9437}"/>
+                  </a:ext>
+                </a:extLst>
+              </p:cNvPr>
+              <p:cNvSpPr txBox="1"/>
+              <p:nvPr/>
+            </p:nvSpPr>
+            <p:spPr>
+              <a:xfrm>
+                <a:off x="9915520" y="2349091"/>
+                <a:ext cx="1100949" cy="707886"/>
+              </a:xfrm>
+              <a:prstGeom prst="rect">
+                <a:avLst/>
+              </a:prstGeom>
+              <a:effectLst>
+                <a:outerShdw blurRad="50800" dist="76200" dir="2700000" algn="tl" rotWithShape="0">
+                  <a:prstClr val="black">
+                    <a:alpha val="40000"/>
+                  </a:prstClr>
+                </a:outerShdw>
+              </a:effectLst>
+            </p:spPr>
+            <p:style>
+              <a:lnRef idx="2">
+                <a:schemeClr val="dk1"/>
+              </a:lnRef>
+              <a:fillRef idx="1">
+                <a:schemeClr val="lt1"/>
+              </a:fillRef>
+              <a:effectRef idx="0">
+                <a:schemeClr val="dk1"/>
+              </a:effectRef>
+              <a:fontRef idx="minor">
+                <a:schemeClr val="dk1"/>
+              </a:fontRef>
+            </p:style>
+            <p:txBody>
+              <a:bodyPr wrap="square" rtlCol="0">
+                <a:spAutoFit/>
+              </a:bodyPr>
+              <a:lstStyle/>
+              <a:p>
+                <a:pPr algn="ctr"/>
+                <a:r>
+                  <a:rPr lang="en-US" sz="2000" dirty="0"/>
+                  <a:t>Crypt</a:t>
+                </a:r>
+                <a14:m>
+                  <m:oMath xmlns:m="http://schemas.openxmlformats.org/officeDocument/2006/math">
+                    <m:r>
+                      <a:rPr lang="en-US" sz="2000" b="0" i="1">
+                        <a:latin typeface="Cambria Math" panose="02040503050406030204" pitchFamily="18" charset="0"/>
+                        <a:ea typeface="Cambria Math" panose="02040503050406030204" pitchFamily="18" charset="0"/>
+                      </a:rPr>
+                      <m:t>𝜖</m:t>
+                    </m:r>
+                  </m:oMath>
+                </a14:m>
+                <a:endParaRPr lang="en-US" sz="2000" dirty="0"/>
+              </a:p>
+              <a:p>
+                <a:pPr algn="ctr"/>
+                <a:r>
+                  <a:rPr lang="en-US" sz="2000" dirty="0"/>
+                  <a:t>Program</a:t>
+                </a:r>
+              </a:p>
+            </p:txBody>
+          </p:sp>
+        </mc:Choice>
+        <mc:Fallback>
+          <p:sp>
+            <p:nvSpPr>
+              <p:cNvPr id="64" name="TextBox 63">
+                <a:extLst>
+                  <a:ext uri="{FF2B5EF4-FFF2-40B4-BE49-F238E27FC236}">
+                    <a16:creationId xmlns:a16="http://schemas.microsoft.com/office/drawing/2014/main" xmlns:a14="http://schemas.microsoft.com/office/drawing/2010/main" xmlns="" id="{700D7277-18C8-694B-814C-C822A65F9437}"/>
+                  </a:ext>
+                </a:extLst>
+              </p:cNvPr>
+              <p:cNvSpPr txBox="1">
+                <a:spLocks noRot="1" noChangeAspect="1" noMove="1" noResize="1" noEditPoints="1" noAdjustHandles="1" noChangeArrowheads="1" noChangeShapeType="1" noTextEdit="1"/>
+              </p:cNvSpPr>
+              <p:nvPr/>
+            </p:nvSpPr>
+            <p:spPr>
+              <a:xfrm>
+                <a:off x="9915520" y="2349091"/>
+                <a:ext cx="1100949" cy="707886"/>
+              </a:xfrm>
+              <a:prstGeom prst="rect">
+                <a:avLst/>
+              </a:prstGeom>
+              <a:blipFill rotWithShape="0">
+                <a:blip r:embed="rId9"/>
+                <a:stretch>
+                  <a:fillRect l="-469"/>
+                </a:stretch>
+              </a:blipFill>
+              <a:effectLst>
+                <a:outerShdw blurRad="50800" dist="76200" dir="2700000" algn="tl" rotWithShape="0">
+                  <a:prstClr val="black">
+                    <a:alpha val="40000"/>
+                  </a:prstClr>
+                </a:outerShdw>
+              </a:effectLst>
+            </p:spPr>
+            <p:txBody>
+              <a:bodyPr/>
+              <a:lstStyle/>
+              <a:p>
+                <a:r>
+                  <a:rPr lang="en-US">
+                    <a:noFill/>
+                  </a:rPr>
+                  <a:t> </a:t>
+                </a:r>
+              </a:p>
+            </p:txBody>
+          </p:sp>
+        </mc:Fallback>
+      </mc:AlternateContent>
+      <p:sp>
+        <p:nvSpPr>
+          <p:cNvPr id="39" name="Up-Down Arrow 38">
+            <a:extLst>
+              <a:ext uri="{FF2B5EF4-FFF2-40B4-BE49-F238E27FC236}">
+                <a16:creationId xmlns:a16="http://schemas.microsoft.com/office/drawing/2014/main" xmlns="" id="{2CD9FFAB-5ADC-2B42-B565-0D771B940DD2}"/>
+              </a:ext>
+            </a:extLst>
+          </p:cNvPr>
+          <p:cNvSpPr/>
+          <p:nvPr/>
+        </p:nvSpPr>
+        <p:spPr>
+          <a:xfrm>
+            <a:off x="5147624" y="3263889"/>
+            <a:ext cx="363399" cy="586399"/>
+          </a:xfrm>
+          <a:prstGeom prst="upDownArrow">
+            <a:avLst/>
+          </a:prstGeom>
+          <a:solidFill>
+            <a:schemeClr val="bg1"/>
+          </a:solidFill>
+          <a:ln/>
+        </p:spPr>
+        <p:style>
+          <a:lnRef idx="2">
+            <a:schemeClr val="dk1"/>
+          </a:lnRef>
+          <a:fillRef idx="1">
+            <a:schemeClr val="lt1"/>
+          </a:fillRef>
+          <a:effectRef idx="0">
+            <a:schemeClr val="dk1"/>
+          </a:effectRef>
+          <a:fontRef idx="minor">
+            <a:schemeClr val="dk1"/>
+          </a:fontRef>
+        </p:style>
+        <p:txBody>
+          <a:bodyPr rtlCol="0" anchor="ctr"/>
+          <a:lstStyle/>
+          <a:p>
+            <a:pPr algn="ctr"/>
+            <a:endParaRPr lang="en-US" dirty="0"/>
+          </a:p>
+        </p:txBody>
+      </p:sp>
+    </p:spTree>
+    <p:extLst>
+      <p:ext uri="{BB962C8B-B14F-4D97-AF65-F5344CB8AC3E}">
+        <p14:creationId xmlns:p14="http://schemas.microsoft.com/office/powerpoint/2010/main" val="1266810551"/>
+      </p:ext>
+    </p:extLst>
+  </p:cSld>
+  <p:clrMapOvr>
+    <a:masterClrMapping/>
+  </p:clrMapOvr>
+  <p:timing>
+    <p:tnLst>
+      <p:par>
+        <p:cTn id="1" dur="indefinite" restart="never" nodeType="tmRoot"/>
+      </p:par>
+    </p:tnLst>
+  </p:timing>
+</p:sld>
+</file>
+
+<file path=ppt/slides/slide7.xml><?xml version="1.0" encoding="utf-8"?>
 <p:sld xmlns:a="http://schemas.openxmlformats.org/drawingml/2006/main" xmlns:r="http://schemas.openxmlformats.org/officeDocument/2006/relationships" xmlns:p="http://schemas.openxmlformats.org/presentationml/2006/main">
   <p:cSld>
     <p:spTree>
@@ -10036,7 +11769,7 @@
           <p:cNvPr id="3" name="Picture 2">
             <a:extLst>
               <a:ext uri="{FF2B5EF4-FFF2-40B4-BE49-F238E27FC236}">
-                <a16:creationId xmlns:a16="http://schemas.microsoft.com/office/drawing/2014/main" id="{FE52D961-F42F-4641-A4C2-4D48ABB7CC65}"/>
+                <a16:creationId xmlns:a16="http://schemas.microsoft.com/office/drawing/2014/main" xmlns="" id="{FE52D961-F42F-4641-A4C2-4D48ABB7CC65}"/>
               </a:ext>
             </a:extLst>
           </p:cNvPr>
@@ -10066,7 +11799,7 @@
           <p:cNvPr id="5" name="Picture 4">
             <a:extLst>
               <a:ext uri="{FF2B5EF4-FFF2-40B4-BE49-F238E27FC236}">
-                <a16:creationId xmlns:a16="http://schemas.microsoft.com/office/drawing/2014/main" id="{13EADB37-BBEA-A546-B71E-A89B4DF616A8}"/>
+                <a16:creationId xmlns:a16="http://schemas.microsoft.com/office/drawing/2014/main" xmlns="" id="{13EADB37-BBEA-A546-B71E-A89B4DF616A8}"/>
               </a:ext>
             </a:extLst>
           </p:cNvPr>
@@ -10096,7 +11829,7 @@
           <p:cNvPr id="7" name="Picture 6">
             <a:extLst>
               <a:ext uri="{FF2B5EF4-FFF2-40B4-BE49-F238E27FC236}">
-                <a16:creationId xmlns:a16="http://schemas.microsoft.com/office/drawing/2014/main" id="{EBD9EE9A-D87B-1A4D-86B6-62B7DCC0E0EA}"/>
+                <a16:creationId xmlns:a16="http://schemas.microsoft.com/office/drawing/2014/main" xmlns="" id="{EBD9EE9A-D87B-1A4D-86B6-62B7DCC0E0EA}"/>
               </a:ext>
             </a:extLst>
           </p:cNvPr>
@@ -10126,7 +11859,7 @@
           <p:cNvPr id="9" name="Picture 8">
             <a:extLst>
               <a:ext uri="{FF2B5EF4-FFF2-40B4-BE49-F238E27FC236}">
-                <a16:creationId xmlns:a16="http://schemas.microsoft.com/office/drawing/2014/main" id="{1D506B10-3DD4-5D4A-B7FA-45039EFCC0BD}"/>
+                <a16:creationId xmlns:a16="http://schemas.microsoft.com/office/drawing/2014/main" xmlns="" id="{1D506B10-3DD4-5D4A-B7FA-45039EFCC0BD}"/>
               </a:ext>
             </a:extLst>
           </p:cNvPr>
@@ -10156,7 +11889,7 @@
           <p:cNvPr id="12" name="Picture 11">
             <a:extLst>
               <a:ext uri="{FF2B5EF4-FFF2-40B4-BE49-F238E27FC236}">
-                <a16:creationId xmlns:a16="http://schemas.microsoft.com/office/drawing/2014/main" id="{17BFA89F-D4A4-6B40-9DBD-1713C29A3418}"/>
+                <a16:creationId xmlns:a16="http://schemas.microsoft.com/office/drawing/2014/main" xmlns="" id="{17BFA89F-D4A4-6B40-9DBD-1713C29A3418}"/>
               </a:ext>
             </a:extLst>
           </p:cNvPr>
@@ -10186,7 +11919,7 @@
           <p:cNvPr id="13" name="Picture 12">
             <a:extLst>
               <a:ext uri="{FF2B5EF4-FFF2-40B4-BE49-F238E27FC236}">
-                <a16:creationId xmlns:a16="http://schemas.microsoft.com/office/drawing/2014/main" id="{4560BB22-A6DA-9648-AC41-1B02C24031D1}"/>
+                <a16:creationId xmlns:a16="http://schemas.microsoft.com/office/drawing/2014/main" xmlns="" id="{4560BB22-A6DA-9648-AC41-1B02C24031D1}"/>
               </a:ext>
             </a:extLst>
           </p:cNvPr>
@@ -10216,7 +11949,7 @@
           <p:cNvPr id="14" name="Picture 13">
             <a:extLst>
               <a:ext uri="{FF2B5EF4-FFF2-40B4-BE49-F238E27FC236}">
-                <a16:creationId xmlns:a16="http://schemas.microsoft.com/office/drawing/2014/main" id="{D79F543F-6429-884C-8A20-79AF229C3E15}"/>
+                <a16:creationId xmlns:a16="http://schemas.microsoft.com/office/drawing/2014/main" xmlns="" id="{D79F543F-6429-884C-8A20-79AF229C3E15}"/>
               </a:ext>
             </a:extLst>
           </p:cNvPr>
@@ -10246,7 +11979,7 @@
           <p:cNvPr id="16" name="Picture 15">
             <a:extLst>
               <a:ext uri="{FF2B5EF4-FFF2-40B4-BE49-F238E27FC236}">
-                <a16:creationId xmlns:a16="http://schemas.microsoft.com/office/drawing/2014/main" id="{6217C7A1-41D4-4C4B-B47D-3178F103102A}"/>
+                <a16:creationId xmlns:a16="http://schemas.microsoft.com/office/drawing/2014/main" xmlns="" id="{6217C7A1-41D4-4C4B-B47D-3178F103102A}"/>
               </a:ext>
             </a:extLst>
           </p:cNvPr>
@@ -10276,7 +12009,7 @@
           <p:cNvPr id="17" name="Left Brace 16">
             <a:extLst>
               <a:ext uri="{FF2B5EF4-FFF2-40B4-BE49-F238E27FC236}">
-                <a16:creationId xmlns:a16="http://schemas.microsoft.com/office/drawing/2014/main" id="{8AB7DC0B-D0A8-BD4A-AA63-71057B62FF53}"/>
+                <a16:creationId xmlns:a16="http://schemas.microsoft.com/office/drawing/2014/main" xmlns="" id="{8AB7DC0B-D0A8-BD4A-AA63-71057B62FF53}"/>
               </a:ext>
             </a:extLst>
           </p:cNvPr>
@@ -10329,7 +12062,7 @@
           <p:cNvPr id="18" name="Left Brace 17">
             <a:extLst>
               <a:ext uri="{FF2B5EF4-FFF2-40B4-BE49-F238E27FC236}">
-                <a16:creationId xmlns:a16="http://schemas.microsoft.com/office/drawing/2014/main" id="{09490005-D1B4-3D47-BDF1-F61D50B09C03}"/>
+                <a16:creationId xmlns:a16="http://schemas.microsoft.com/office/drawing/2014/main" xmlns="" id="{09490005-D1B4-3D47-BDF1-F61D50B09C03}"/>
               </a:ext>
             </a:extLst>
           </p:cNvPr>
@@ -10382,7 +12115,7 @@
           <p:cNvPr id="19" name="Left Brace 18">
             <a:extLst>
               <a:ext uri="{FF2B5EF4-FFF2-40B4-BE49-F238E27FC236}">
-                <a16:creationId xmlns:a16="http://schemas.microsoft.com/office/drawing/2014/main" id="{6857B751-4356-D24F-B7E2-76F7179DECD7}"/>
+                <a16:creationId xmlns:a16="http://schemas.microsoft.com/office/drawing/2014/main" xmlns="" id="{6857B751-4356-D24F-B7E2-76F7179DECD7}"/>
               </a:ext>
             </a:extLst>
           </p:cNvPr>
@@ -10435,7 +12168,7 @@
           <p:cNvPr id="20" name="Left Brace 19">
             <a:extLst>
               <a:ext uri="{FF2B5EF4-FFF2-40B4-BE49-F238E27FC236}">
-                <a16:creationId xmlns:a16="http://schemas.microsoft.com/office/drawing/2014/main" id="{D444D4B9-EFD7-C944-8CEC-76E3879DEACF}"/>
+                <a16:creationId xmlns:a16="http://schemas.microsoft.com/office/drawing/2014/main" xmlns="" id="{D444D4B9-EFD7-C944-8CEC-76E3879DEACF}"/>
               </a:ext>
             </a:extLst>
           </p:cNvPr>
@@ -10488,7 +12221,7 @@
           <p:cNvPr id="21" name="Picture 20">
             <a:extLst>
               <a:ext uri="{FF2B5EF4-FFF2-40B4-BE49-F238E27FC236}">
-                <a16:creationId xmlns:a16="http://schemas.microsoft.com/office/drawing/2014/main" id="{8883B003-A750-3640-8790-BCDAD9827E17}"/>
+                <a16:creationId xmlns:a16="http://schemas.microsoft.com/office/drawing/2014/main" xmlns="" id="{8883B003-A750-3640-8790-BCDAD9827E17}"/>
               </a:ext>
             </a:extLst>
           </p:cNvPr>
@@ -10518,7 +12251,7 @@
           <p:cNvPr id="22" name="Picture 21">
             <a:extLst>
               <a:ext uri="{FF2B5EF4-FFF2-40B4-BE49-F238E27FC236}">
-                <a16:creationId xmlns:a16="http://schemas.microsoft.com/office/drawing/2014/main" id="{EC383C4B-7B22-B240-AB82-23F8207A0A4B}"/>
+                <a16:creationId xmlns:a16="http://schemas.microsoft.com/office/drawing/2014/main" xmlns="" id="{EC383C4B-7B22-B240-AB82-23F8207A0A4B}"/>
               </a:ext>
             </a:extLst>
           </p:cNvPr>
@@ -10548,7 +12281,7 @@
           <p:cNvPr id="24" name="Left Brace 23">
             <a:extLst>
               <a:ext uri="{FF2B5EF4-FFF2-40B4-BE49-F238E27FC236}">
-                <a16:creationId xmlns:a16="http://schemas.microsoft.com/office/drawing/2014/main" id="{C41D7DBB-9A60-994D-826E-5C6C44683B28}"/>
+                <a16:creationId xmlns:a16="http://schemas.microsoft.com/office/drawing/2014/main" xmlns="" id="{C41D7DBB-9A60-994D-826E-5C6C44683B28}"/>
               </a:ext>
             </a:extLst>
           </p:cNvPr>
@@ -10601,7 +12334,7 @@
           <p:cNvPr id="26" name="Picture 25">
             <a:extLst>
               <a:ext uri="{FF2B5EF4-FFF2-40B4-BE49-F238E27FC236}">
-                <a16:creationId xmlns:a16="http://schemas.microsoft.com/office/drawing/2014/main" id="{5C4D968D-5966-8B45-A20E-2976C5727275}"/>
+                <a16:creationId xmlns:a16="http://schemas.microsoft.com/office/drawing/2014/main" xmlns="" id="{5C4D968D-5966-8B45-A20E-2976C5727275}"/>
               </a:ext>
             </a:extLst>
           </p:cNvPr>
@@ -10631,7 +12364,7 @@
           <p:cNvPr id="27" name="Left Brace 26">
             <a:extLst>
               <a:ext uri="{FF2B5EF4-FFF2-40B4-BE49-F238E27FC236}">
-                <a16:creationId xmlns:a16="http://schemas.microsoft.com/office/drawing/2014/main" id="{9234CA40-ECAB-8141-BC12-69CC61FD157B}"/>
+                <a16:creationId xmlns:a16="http://schemas.microsoft.com/office/drawing/2014/main" xmlns="" id="{9234CA40-ECAB-8141-BC12-69CC61FD157B}"/>
               </a:ext>
             </a:extLst>
           </p:cNvPr>
@@ -10684,7 +12417,7 @@
           <p:cNvPr id="29" name="Picture 28">
             <a:extLst>
               <a:ext uri="{FF2B5EF4-FFF2-40B4-BE49-F238E27FC236}">
-                <a16:creationId xmlns:a16="http://schemas.microsoft.com/office/drawing/2014/main" id="{A1F33E5A-96A5-CC41-9539-FF2470CE90E4}"/>
+                <a16:creationId xmlns:a16="http://schemas.microsoft.com/office/drawing/2014/main" xmlns="" id="{A1F33E5A-96A5-CC41-9539-FF2470CE90E4}"/>
               </a:ext>
             </a:extLst>
           </p:cNvPr>
@@ -10714,7 +12447,7 @@
           <p:cNvPr id="31" name="Picture 30">
             <a:extLst>
               <a:ext uri="{FF2B5EF4-FFF2-40B4-BE49-F238E27FC236}">
-                <a16:creationId xmlns:a16="http://schemas.microsoft.com/office/drawing/2014/main" id="{4A0B6076-34AF-F448-8A6D-FDC5DB4D65DA}"/>
+                <a16:creationId xmlns:a16="http://schemas.microsoft.com/office/drawing/2014/main" xmlns="" id="{4A0B6076-34AF-F448-8A6D-FDC5DB4D65DA}"/>
               </a:ext>
             </a:extLst>
           </p:cNvPr>
@@ -10744,7 +12477,7 @@
           <p:cNvPr id="33" name="Picture 32">
             <a:extLst>
               <a:ext uri="{FF2B5EF4-FFF2-40B4-BE49-F238E27FC236}">
-                <a16:creationId xmlns:a16="http://schemas.microsoft.com/office/drawing/2014/main" id="{8A173C13-DA80-674E-B4E4-9D531B0C7671}"/>
+                <a16:creationId xmlns:a16="http://schemas.microsoft.com/office/drawing/2014/main" xmlns="" id="{8A173C13-DA80-674E-B4E4-9D531B0C7671}"/>
               </a:ext>
             </a:extLst>
           </p:cNvPr>
@@ -10779,6 +12512,13 @@
   <p:clrMapOvr>
     <a:masterClrMapping/>
   </p:clrMapOvr>
+  <p:timing>
+    <p:tnLst>
+      <p:par>
+        <p:cTn id="1" dur="indefinite" restart="never" nodeType="tmRoot"/>
+      </p:par>
+    </p:tnLst>
+  </p:timing>
 </p:sld>
 </file>
 

--- a/CryptE_Diag.pptx
+++ b/CryptE_Diag.pptx
@@ -5,7 +5,7 @@
     <p:sldMasterId id="2147483648" r:id="rId1"/>
   </p:sldMasterIdLst>
   <p:notesMasterIdLst>
-    <p:notesMasterId r:id="rId9"/>
+    <p:notesMasterId r:id="rId10"/>
   </p:notesMasterIdLst>
   <p:sldIdLst>
     <p:sldId id="256" r:id="rId2"/>
@@ -15,6 +15,7 @@
     <p:sldId id="261" r:id="rId6"/>
     <p:sldId id="292" r:id="rId7"/>
     <p:sldId id="291" r:id="rId8"/>
+    <p:sldId id="293" r:id="rId9"/>
   </p:sldIdLst>
   <p:sldSz cx="13258800" cy="6858000"/>
   <p:notesSz cx="6858000" cy="9144000"/>
@@ -214,7 +215,7 @@
           <a:p>
             <a:fld id="{A6F110A2-5CF1-5144-9B72-ACDB325A8F1C}" type="datetimeFigureOut">
               <a:rPr lang="en-US" smtClean="0"/>
-              <a:t>1/31/19</a:t>
+              <a:t>2/4/19</a:t>
             </a:fld>
             <a:endParaRPr lang="en-US"/>
           </a:p>
@@ -660,7 +661,7 @@
           <a:p>
             <a:fld id="{3E60007C-8578-7044-BE79-6A32254A493D}" type="datetimeFigureOut">
               <a:rPr lang="en-US" smtClean="0"/>
-              <a:t>1/31/19</a:t>
+              <a:t>2/4/19</a:t>
             </a:fld>
             <a:endParaRPr lang="en-US"/>
           </a:p>
@@ -828,7 +829,7 @@
           <a:p>
             <a:fld id="{3E60007C-8578-7044-BE79-6A32254A493D}" type="datetimeFigureOut">
               <a:rPr lang="en-US" smtClean="0"/>
-              <a:t>1/31/19</a:t>
+              <a:t>2/4/19</a:t>
             </a:fld>
             <a:endParaRPr lang="en-US"/>
           </a:p>
@@ -1006,7 +1007,7 @@
           <a:p>
             <a:fld id="{3E60007C-8578-7044-BE79-6A32254A493D}" type="datetimeFigureOut">
               <a:rPr lang="en-US" smtClean="0"/>
-              <a:t>1/31/19</a:t>
+              <a:t>2/4/19</a:t>
             </a:fld>
             <a:endParaRPr lang="en-US"/>
           </a:p>
@@ -1174,7 +1175,7 @@
           <a:p>
             <a:fld id="{3E60007C-8578-7044-BE79-6A32254A493D}" type="datetimeFigureOut">
               <a:rPr lang="en-US" smtClean="0"/>
-              <a:t>1/31/19</a:t>
+              <a:t>2/4/19</a:t>
             </a:fld>
             <a:endParaRPr lang="en-US"/>
           </a:p>
@@ -1419,7 +1420,7 @@
           <a:p>
             <a:fld id="{3E60007C-8578-7044-BE79-6A32254A493D}" type="datetimeFigureOut">
               <a:rPr lang="en-US" smtClean="0"/>
-              <a:t>1/31/19</a:t>
+              <a:t>2/4/19</a:t>
             </a:fld>
             <a:endParaRPr lang="en-US"/>
           </a:p>
@@ -1704,7 +1705,7 @@
           <a:p>
             <a:fld id="{3E60007C-8578-7044-BE79-6A32254A493D}" type="datetimeFigureOut">
               <a:rPr lang="en-US" smtClean="0"/>
-              <a:t>1/31/19</a:t>
+              <a:t>2/4/19</a:t>
             </a:fld>
             <a:endParaRPr lang="en-US"/>
           </a:p>
@@ -2123,7 +2124,7 @@
           <a:p>
             <a:fld id="{3E60007C-8578-7044-BE79-6A32254A493D}" type="datetimeFigureOut">
               <a:rPr lang="en-US" smtClean="0"/>
-              <a:t>1/31/19</a:t>
+              <a:t>2/4/19</a:t>
             </a:fld>
             <a:endParaRPr lang="en-US"/>
           </a:p>
@@ -2240,7 +2241,7 @@
           <a:p>
             <a:fld id="{3E60007C-8578-7044-BE79-6A32254A493D}" type="datetimeFigureOut">
               <a:rPr lang="en-US" smtClean="0"/>
-              <a:t>1/31/19</a:t>
+              <a:t>2/4/19</a:t>
             </a:fld>
             <a:endParaRPr lang="en-US"/>
           </a:p>
@@ -2335,7 +2336,7 @@
           <a:p>
             <a:fld id="{3E60007C-8578-7044-BE79-6A32254A493D}" type="datetimeFigureOut">
               <a:rPr lang="en-US" smtClean="0"/>
-              <a:t>1/31/19</a:t>
+              <a:t>2/4/19</a:t>
             </a:fld>
             <a:endParaRPr lang="en-US"/>
           </a:p>
@@ -2610,7 +2611,7 @@
           <a:p>
             <a:fld id="{3E60007C-8578-7044-BE79-6A32254A493D}" type="datetimeFigureOut">
               <a:rPr lang="en-US" smtClean="0"/>
-              <a:t>1/31/19</a:t>
+              <a:t>2/4/19</a:t>
             </a:fld>
             <a:endParaRPr lang="en-US"/>
           </a:p>
@@ -2862,7 +2863,7 @@
           <a:p>
             <a:fld id="{3E60007C-8578-7044-BE79-6A32254A493D}" type="datetimeFigureOut">
               <a:rPr lang="en-US" smtClean="0"/>
-              <a:t>1/31/19</a:t>
+              <a:t>2/4/19</a:t>
             </a:fld>
             <a:endParaRPr lang="en-US"/>
           </a:p>
@@ -3073,7 +3074,7 @@
           <a:p>
             <a:fld id="{3E60007C-8578-7044-BE79-6A32254A493D}" type="datetimeFigureOut">
               <a:rPr lang="en-US" smtClean="0"/>
-              <a:t>1/31/19</a:t>
+              <a:t>2/4/19</a:t>
             </a:fld>
             <a:endParaRPr lang="en-US"/>
           </a:p>
@@ -7143,7 +7144,7 @@
           <p:cNvPr id="2" name="Rectangle 1">
             <a:extLst>
               <a:ext uri="{FF2B5EF4-FFF2-40B4-BE49-F238E27FC236}">
-                <a16:creationId xmlns:a16="http://schemas.microsoft.com/office/drawing/2014/main" xmlns="" id="{B3511FBF-E432-C049-B6CD-60E378600535}"/>
+                <a16:creationId xmlns="" xmlns:a16="http://schemas.microsoft.com/office/drawing/2014/main" id="{B3511FBF-E432-C049-B6CD-60E378600535}"/>
               </a:ext>
             </a:extLst>
           </p:cNvPr>
@@ -7189,7 +7190,7 @@
           <p:cNvPr id="3" name="Diamond 2">
             <a:extLst>
               <a:ext uri="{FF2B5EF4-FFF2-40B4-BE49-F238E27FC236}">
-                <a16:creationId xmlns:a16="http://schemas.microsoft.com/office/drawing/2014/main" xmlns="" id="{59E4EBB2-CC46-1444-938F-BFA388D6DEE2}"/>
+                <a16:creationId xmlns="" xmlns:a16="http://schemas.microsoft.com/office/drawing/2014/main" id="{59E4EBB2-CC46-1444-938F-BFA388D6DEE2}"/>
               </a:ext>
             </a:extLst>
           </p:cNvPr>
@@ -7233,7 +7234,7 @@
           <p:cNvPr id="4" name="Rectangle 3">
             <a:extLst>
               <a:ext uri="{FF2B5EF4-FFF2-40B4-BE49-F238E27FC236}">
-                <a16:creationId xmlns:a16="http://schemas.microsoft.com/office/drawing/2014/main" xmlns="" id="{F945F8CB-033D-E74A-B2B0-D000A8AE6C88}"/>
+                <a16:creationId xmlns="" xmlns:a16="http://schemas.microsoft.com/office/drawing/2014/main" id="{F945F8CB-033D-E74A-B2B0-D000A8AE6C88}"/>
               </a:ext>
             </a:extLst>
           </p:cNvPr>
@@ -7277,7 +7278,7 @@
           <p:cNvPr id="6" name="Elbow Connector 5">
             <a:extLst>
               <a:ext uri="{FF2B5EF4-FFF2-40B4-BE49-F238E27FC236}">
-                <a16:creationId xmlns:a16="http://schemas.microsoft.com/office/drawing/2014/main" xmlns="" id="{A621F839-7FB3-4840-A0BF-F9642D2DF731}"/>
+                <a16:creationId xmlns="" xmlns:a16="http://schemas.microsoft.com/office/drawing/2014/main" id="{A621F839-7FB3-4840-A0BF-F9642D2DF731}"/>
               </a:ext>
             </a:extLst>
           </p:cNvPr>
@@ -7322,7 +7323,7 @@
           <p:cNvPr id="8" name="Rectangle 7">
             <a:extLst>
               <a:ext uri="{FF2B5EF4-FFF2-40B4-BE49-F238E27FC236}">
-                <a16:creationId xmlns:a16="http://schemas.microsoft.com/office/drawing/2014/main" xmlns="" id="{D807B0F9-2730-4E4D-8BAA-743506782232}"/>
+                <a16:creationId xmlns="" xmlns:a16="http://schemas.microsoft.com/office/drawing/2014/main" id="{D807B0F9-2730-4E4D-8BAA-743506782232}"/>
               </a:ext>
             </a:extLst>
           </p:cNvPr>
@@ -7366,7 +7367,7 @@
           <p:cNvPr id="9" name="TextBox 8">
             <a:extLst>
               <a:ext uri="{FF2B5EF4-FFF2-40B4-BE49-F238E27FC236}">
-                <a16:creationId xmlns:a16="http://schemas.microsoft.com/office/drawing/2014/main" xmlns="" id="{02552B33-6782-1641-AF46-67DC67E4CA1F}"/>
+                <a16:creationId xmlns="" xmlns:a16="http://schemas.microsoft.com/office/drawing/2014/main" id="{02552B33-6782-1641-AF46-67DC67E4CA1F}"/>
               </a:ext>
             </a:extLst>
           </p:cNvPr>
@@ -7413,7 +7414,7 @@
           <p:cNvPr id="12" name="TextBox 11">
             <a:extLst>
               <a:ext uri="{FF2B5EF4-FFF2-40B4-BE49-F238E27FC236}">
-                <a16:creationId xmlns:a16="http://schemas.microsoft.com/office/drawing/2014/main" xmlns="" id="{5E9F88E2-8A2A-9648-AF65-0C92580573EE}"/>
+                <a16:creationId xmlns="" xmlns:a16="http://schemas.microsoft.com/office/drawing/2014/main" id="{5E9F88E2-8A2A-9648-AF65-0C92580573EE}"/>
               </a:ext>
             </a:extLst>
           </p:cNvPr>
@@ -7460,7 +7461,7 @@
           <p:cNvPr id="13" name="TextBox 12">
             <a:extLst>
               <a:ext uri="{FF2B5EF4-FFF2-40B4-BE49-F238E27FC236}">
-                <a16:creationId xmlns:a16="http://schemas.microsoft.com/office/drawing/2014/main" xmlns="" id="{0FE34C0D-44B1-184E-B15C-D55ED479B029}"/>
+                <a16:creationId xmlns="" xmlns:a16="http://schemas.microsoft.com/office/drawing/2014/main" id="{0FE34C0D-44B1-184E-B15C-D55ED479B029}"/>
               </a:ext>
             </a:extLst>
           </p:cNvPr>
@@ -7499,7 +7500,7 @@
           <p:cNvPr id="14" name="TextBox 13">
             <a:extLst>
               <a:ext uri="{FF2B5EF4-FFF2-40B4-BE49-F238E27FC236}">
-                <a16:creationId xmlns:a16="http://schemas.microsoft.com/office/drawing/2014/main" xmlns="" id="{25888714-724D-7B46-85B4-185885908F06}"/>
+                <a16:creationId xmlns="" xmlns:a16="http://schemas.microsoft.com/office/drawing/2014/main" id="{25888714-724D-7B46-85B4-185885908F06}"/>
               </a:ext>
             </a:extLst>
           </p:cNvPr>
@@ -7534,7 +7535,7 @@
           <p:cNvPr id="17" name="Straight Arrow Connector 16">
             <a:extLst>
               <a:ext uri="{FF2B5EF4-FFF2-40B4-BE49-F238E27FC236}">
-                <a16:creationId xmlns:a16="http://schemas.microsoft.com/office/drawing/2014/main" xmlns="" id="{D1C23253-13A2-354C-A343-7111FC46B7F1}"/>
+                <a16:creationId xmlns="" xmlns:a16="http://schemas.microsoft.com/office/drawing/2014/main" id="{D1C23253-13A2-354C-A343-7111FC46B7F1}"/>
               </a:ext>
             </a:extLst>
           </p:cNvPr>
@@ -7578,7 +7579,7 @@
           <p:cNvPr id="20" name="Straight Arrow Connector 19">
             <a:extLst>
               <a:ext uri="{FF2B5EF4-FFF2-40B4-BE49-F238E27FC236}">
-                <a16:creationId xmlns:a16="http://schemas.microsoft.com/office/drawing/2014/main" xmlns="" id="{4A4AA775-DE69-8541-9813-9BE97C4B1B16}"/>
+                <a16:creationId xmlns="" xmlns:a16="http://schemas.microsoft.com/office/drawing/2014/main" id="{4A4AA775-DE69-8541-9813-9BE97C4B1B16}"/>
               </a:ext>
             </a:extLst>
           </p:cNvPr>
@@ -7623,7 +7624,7 @@
           <p:cNvPr id="23" name="TextBox 22">
             <a:extLst>
               <a:ext uri="{FF2B5EF4-FFF2-40B4-BE49-F238E27FC236}">
-                <a16:creationId xmlns:a16="http://schemas.microsoft.com/office/drawing/2014/main" xmlns="" id="{50B55911-46DD-EB4F-959B-78F889384069}"/>
+                <a16:creationId xmlns="" xmlns:a16="http://schemas.microsoft.com/office/drawing/2014/main" id="{50B55911-46DD-EB4F-959B-78F889384069}"/>
               </a:ext>
             </a:extLst>
           </p:cNvPr>
@@ -7670,7 +7671,7 @@
           <p:cNvPr id="25" name="TextBox 24">
             <a:extLst>
               <a:ext uri="{FF2B5EF4-FFF2-40B4-BE49-F238E27FC236}">
-                <a16:creationId xmlns:a16="http://schemas.microsoft.com/office/drawing/2014/main" xmlns="" id="{475580F6-F6CF-BC48-BC93-CD150320273E}"/>
+                <a16:creationId xmlns="" xmlns:a16="http://schemas.microsoft.com/office/drawing/2014/main" id="{475580F6-F6CF-BC48-BC93-CD150320273E}"/>
               </a:ext>
             </a:extLst>
           </p:cNvPr>
@@ -7709,7 +7710,7 @@
           <p:cNvPr id="29" name="Straight Arrow Connector 28">
             <a:extLst>
               <a:ext uri="{FF2B5EF4-FFF2-40B4-BE49-F238E27FC236}">
-                <a16:creationId xmlns:a16="http://schemas.microsoft.com/office/drawing/2014/main" xmlns="" id="{60F59BE4-547F-F840-A57B-CCA49D59CAF7}"/>
+                <a16:creationId xmlns="" xmlns:a16="http://schemas.microsoft.com/office/drawing/2014/main" id="{60F59BE4-547F-F840-A57B-CCA49D59CAF7}"/>
               </a:ext>
             </a:extLst>
           </p:cNvPr>
@@ -7753,7 +7754,7 @@
           <p:cNvPr id="32" name="Straight Arrow Connector 31">
             <a:extLst>
               <a:ext uri="{FF2B5EF4-FFF2-40B4-BE49-F238E27FC236}">
-                <a16:creationId xmlns:a16="http://schemas.microsoft.com/office/drawing/2014/main" xmlns="" id="{CDB93A06-9AE3-7C4D-BFD3-6BDC1B8580F9}"/>
+                <a16:creationId xmlns="" xmlns:a16="http://schemas.microsoft.com/office/drawing/2014/main" id="{CDB93A06-9AE3-7C4D-BFD3-6BDC1B8580F9}"/>
               </a:ext>
             </a:extLst>
           </p:cNvPr>
@@ -7795,7 +7796,7 @@
           <p:cNvPr id="33" name="TextBox 32">
             <a:extLst>
               <a:ext uri="{FF2B5EF4-FFF2-40B4-BE49-F238E27FC236}">
-                <a16:creationId xmlns:a16="http://schemas.microsoft.com/office/drawing/2014/main" xmlns="" id="{458D4F79-8BC0-894A-A3D7-7386C3AAFBBA}"/>
+                <a16:creationId xmlns="" xmlns:a16="http://schemas.microsoft.com/office/drawing/2014/main" id="{458D4F79-8BC0-894A-A3D7-7386C3AAFBBA}"/>
               </a:ext>
             </a:extLst>
           </p:cNvPr>
@@ -7834,7 +7835,7 @@
           <p:cNvPr id="34" name="TextBox 33">
             <a:extLst>
               <a:ext uri="{FF2B5EF4-FFF2-40B4-BE49-F238E27FC236}">
-                <a16:creationId xmlns:a16="http://schemas.microsoft.com/office/drawing/2014/main" xmlns="" id="{FE7CC02A-A5B4-5142-979E-26BE1CB59594}"/>
+                <a16:creationId xmlns="" xmlns:a16="http://schemas.microsoft.com/office/drawing/2014/main" id="{FE7CC02A-A5B4-5142-979E-26BE1CB59594}"/>
               </a:ext>
             </a:extLst>
           </p:cNvPr>
@@ -7903,7 +7904,7 @@
           <p:cNvPr id="34" name="Rectangle 33">
             <a:extLst>
               <a:ext uri="{FF2B5EF4-FFF2-40B4-BE49-F238E27FC236}">
-                <a16:creationId xmlns:a16="http://schemas.microsoft.com/office/drawing/2014/main" xmlns="" id="{EBFAC98E-16EF-3C41-A881-3158E45D7ED7}"/>
+                <a16:creationId xmlns="" xmlns:a16="http://schemas.microsoft.com/office/drawing/2014/main" id="{EBFAC98E-16EF-3C41-A881-3158E45D7ED7}"/>
               </a:ext>
             </a:extLst>
           </p:cNvPr>
@@ -7956,7 +7957,7 @@
           <p:cNvPr id="4" name="Rounded Rectangle 3">
             <a:extLst>
               <a:ext uri="{FF2B5EF4-FFF2-40B4-BE49-F238E27FC236}">
-                <a16:creationId xmlns:a16="http://schemas.microsoft.com/office/drawing/2014/main" xmlns="" id="{862B3C17-42CC-8C4D-86CB-17F5F738C729}"/>
+                <a16:creationId xmlns="" xmlns:a16="http://schemas.microsoft.com/office/drawing/2014/main" id="{862B3C17-42CC-8C4D-86CB-17F5F738C729}"/>
               </a:ext>
             </a:extLst>
           </p:cNvPr>
@@ -8010,7 +8011,7 @@
           <p:cNvPr id="5" name="Rounded Rectangle 4">
             <a:extLst>
               <a:ext uri="{FF2B5EF4-FFF2-40B4-BE49-F238E27FC236}">
-                <a16:creationId xmlns:a16="http://schemas.microsoft.com/office/drawing/2014/main" xmlns="" id="{D2497A98-35F0-A248-A5F9-258A5927CC4F}"/>
+                <a16:creationId xmlns="" xmlns:a16="http://schemas.microsoft.com/office/drawing/2014/main" id="{D2497A98-35F0-A248-A5F9-258A5927CC4F}"/>
               </a:ext>
             </a:extLst>
           </p:cNvPr>
@@ -8064,7 +8065,7 @@
           <p:cNvPr id="6" name="Rounded Rectangle 5">
             <a:extLst>
               <a:ext uri="{FF2B5EF4-FFF2-40B4-BE49-F238E27FC236}">
-                <a16:creationId xmlns:a16="http://schemas.microsoft.com/office/drawing/2014/main" xmlns="" id="{EE9409D8-F8E2-9349-AC53-000B75B5032F}"/>
+                <a16:creationId xmlns="" xmlns:a16="http://schemas.microsoft.com/office/drawing/2014/main" id="{EE9409D8-F8E2-9349-AC53-000B75B5032F}"/>
               </a:ext>
             </a:extLst>
           </p:cNvPr>
@@ -8119,7 +8120,7 @@
           <p:cNvPr id="7" name="Rounded Rectangle 6">
             <a:extLst>
               <a:ext uri="{FF2B5EF4-FFF2-40B4-BE49-F238E27FC236}">
-                <a16:creationId xmlns:a16="http://schemas.microsoft.com/office/drawing/2014/main" xmlns="" id="{DF99470F-25A1-D54B-A25A-729294B85F4F}"/>
+                <a16:creationId xmlns="" xmlns:a16="http://schemas.microsoft.com/office/drawing/2014/main" id="{DF99470F-25A1-D54B-A25A-729294B85F4F}"/>
               </a:ext>
             </a:extLst>
           </p:cNvPr>
@@ -8174,7 +8175,7 @@
           <p:cNvPr id="8" name="Rounded Rectangle 7">
             <a:extLst>
               <a:ext uri="{FF2B5EF4-FFF2-40B4-BE49-F238E27FC236}">
-                <a16:creationId xmlns:a16="http://schemas.microsoft.com/office/drawing/2014/main" xmlns="" id="{8ECF40AE-3C2A-A141-BB68-DD6136AB9363}"/>
+                <a16:creationId xmlns="" xmlns:a16="http://schemas.microsoft.com/office/drawing/2014/main" id="{8ECF40AE-3C2A-A141-BB68-DD6136AB9363}"/>
               </a:ext>
             </a:extLst>
           </p:cNvPr>
@@ -8229,7 +8230,7 @@
           <p:cNvPr id="9" name="Picture 8">
             <a:extLst>
               <a:ext uri="{FF2B5EF4-FFF2-40B4-BE49-F238E27FC236}">
-                <a16:creationId xmlns:a16="http://schemas.microsoft.com/office/drawing/2014/main" xmlns="" id="{AFD8FB96-320E-E742-AD61-3949A2C3AFCC}"/>
+                <a16:creationId xmlns="" xmlns:a16="http://schemas.microsoft.com/office/drawing/2014/main" id="{AFD8FB96-320E-E742-AD61-3949A2C3AFCC}"/>
               </a:ext>
             </a:extLst>
           </p:cNvPr>
@@ -8259,7 +8260,7 @@
           <p:cNvPr id="10" name="Picture 9">
             <a:extLst>
               <a:ext uri="{FF2B5EF4-FFF2-40B4-BE49-F238E27FC236}">
-                <a16:creationId xmlns:a16="http://schemas.microsoft.com/office/drawing/2014/main" xmlns="" id="{35B47053-5B7B-914F-8E56-AC0AB45C0A63}"/>
+                <a16:creationId xmlns="" xmlns:a16="http://schemas.microsoft.com/office/drawing/2014/main" id="{35B47053-5B7B-914F-8E56-AC0AB45C0A63}"/>
               </a:ext>
             </a:extLst>
           </p:cNvPr>
@@ -8289,7 +8290,7 @@
           <p:cNvPr id="11" name="Rounded Rectangle 10">
             <a:extLst>
               <a:ext uri="{FF2B5EF4-FFF2-40B4-BE49-F238E27FC236}">
-                <a16:creationId xmlns:a16="http://schemas.microsoft.com/office/drawing/2014/main" xmlns="" id="{D6E26F01-C714-DB48-96FE-A977523425DC}"/>
+                <a16:creationId xmlns="" xmlns:a16="http://schemas.microsoft.com/office/drawing/2014/main" id="{D6E26F01-C714-DB48-96FE-A977523425DC}"/>
               </a:ext>
             </a:extLst>
           </p:cNvPr>
@@ -8347,7 +8348,7 @@
           <p:cNvPr id="12" name="Rounded Rectangle 11">
             <a:extLst>
               <a:ext uri="{FF2B5EF4-FFF2-40B4-BE49-F238E27FC236}">
-                <a16:creationId xmlns:a16="http://schemas.microsoft.com/office/drawing/2014/main" xmlns="" id="{FD8B4ED0-A5DB-2045-976E-D0AF26951627}"/>
+                <a16:creationId xmlns="" xmlns:a16="http://schemas.microsoft.com/office/drawing/2014/main" id="{FD8B4ED0-A5DB-2045-976E-D0AF26951627}"/>
               </a:ext>
             </a:extLst>
           </p:cNvPr>
@@ -8402,7 +8403,7 @@
           <p:cNvPr id="16" name="TextBox 15">
             <a:extLst>
               <a:ext uri="{FF2B5EF4-FFF2-40B4-BE49-F238E27FC236}">
-                <a16:creationId xmlns:a16="http://schemas.microsoft.com/office/drawing/2014/main" xmlns="" id="{533542C9-F56C-F341-97F3-D2E13145FA8C}"/>
+                <a16:creationId xmlns="" xmlns:a16="http://schemas.microsoft.com/office/drawing/2014/main" id="{533542C9-F56C-F341-97F3-D2E13145FA8C}"/>
               </a:ext>
             </a:extLst>
           </p:cNvPr>
@@ -8437,7 +8438,7 @@
           <p:cNvPr id="25" name="TextBox 24">
             <a:extLst>
               <a:ext uri="{FF2B5EF4-FFF2-40B4-BE49-F238E27FC236}">
-                <a16:creationId xmlns:a16="http://schemas.microsoft.com/office/drawing/2014/main" xmlns="" id="{275F79A8-1CFB-DF4A-8861-F11294C99A25}"/>
+                <a16:creationId xmlns="" xmlns:a16="http://schemas.microsoft.com/office/drawing/2014/main" id="{275F79A8-1CFB-DF4A-8861-F11294C99A25}"/>
               </a:ext>
             </a:extLst>
           </p:cNvPr>
@@ -8472,7 +8473,7 @@
           <p:cNvPr id="28" name="Straight Arrow Connector 27">
             <a:extLst>
               <a:ext uri="{FF2B5EF4-FFF2-40B4-BE49-F238E27FC236}">
-                <a16:creationId xmlns:a16="http://schemas.microsoft.com/office/drawing/2014/main" xmlns="" id="{0C382A34-865C-DA41-A507-9D82724089A2}"/>
+                <a16:creationId xmlns="" xmlns:a16="http://schemas.microsoft.com/office/drawing/2014/main" id="{0C382A34-865C-DA41-A507-9D82724089A2}"/>
               </a:ext>
             </a:extLst>
           </p:cNvPr>
@@ -8519,7 +8520,7 @@
           <p:cNvPr id="30" name="TextBox 29">
             <a:extLst>
               <a:ext uri="{FF2B5EF4-FFF2-40B4-BE49-F238E27FC236}">
-                <a16:creationId xmlns:a16="http://schemas.microsoft.com/office/drawing/2014/main" xmlns="" id="{5C8295B8-D2D6-5143-9348-A12A377AB236}"/>
+                <a16:creationId xmlns="" xmlns:a16="http://schemas.microsoft.com/office/drawing/2014/main" id="{5C8295B8-D2D6-5143-9348-A12A377AB236}"/>
               </a:ext>
             </a:extLst>
           </p:cNvPr>
@@ -8554,7 +8555,7 @@
           <p:cNvPr id="31" name="TextBox 30">
             <a:extLst>
               <a:ext uri="{FF2B5EF4-FFF2-40B4-BE49-F238E27FC236}">
-                <a16:creationId xmlns:a16="http://schemas.microsoft.com/office/drawing/2014/main" xmlns="" id="{50E80AAC-3149-5B4E-91A2-FA5A03D028E3}"/>
+                <a16:creationId xmlns="" xmlns:a16="http://schemas.microsoft.com/office/drawing/2014/main" id="{50E80AAC-3149-5B4E-91A2-FA5A03D028E3}"/>
               </a:ext>
             </a:extLst>
           </p:cNvPr>
@@ -8589,7 +8590,7 @@
           <p:cNvPr id="32" name="TextBox 31">
             <a:extLst>
               <a:ext uri="{FF2B5EF4-FFF2-40B4-BE49-F238E27FC236}">
-                <a16:creationId xmlns:a16="http://schemas.microsoft.com/office/drawing/2014/main" xmlns="" id="{D167A936-5555-F941-854A-C68456FAD5CC}"/>
+                <a16:creationId xmlns="" xmlns:a16="http://schemas.microsoft.com/office/drawing/2014/main" id="{D167A936-5555-F941-854A-C68456FAD5CC}"/>
               </a:ext>
             </a:extLst>
           </p:cNvPr>
@@ -8624,7 +8625,7 @@
           <p:cNvPr id="33" name="Straight Arrow Connector 32">
             <a:extLst>
               <a:ext uri="{FF2B5EF4-FFF2-40B4-BE49-F238E27FC236}">
-                <a16:creationId xmlns:a16="http://schemas.microsoft.com/office/drawing/2014/main" xmlns="" id="{22C43AFD-4E77-3141-8376-112B8E03455B}"/>
+                <a16:creationId xmlns="" xmlns:a16="http://schemas.microsoft.com/office/drawing/2014/main" id="{22C43AFD-4E77-3141-8376-112B8E03455B}"/>
               </a:ext>
             </a:extLst>
           </p:cNvPr>
@@ -8671,7 +8672,7 @@
           <p:cNvPr id="35" name="TextBox 34">
             <a:extLst>
               <a:ext uri="{FF2B5EF4-FFF2-40B4-BE49-F238E27FC236}">
-                <a16:creationId xmlns:a16="http://schemas.microsoft.com/office/drawing/2014/main" xmlns="" id="{E767EEC4-8BC0-EF4D-80BE-F43F8744FAB2}"/>
+                <a16:creationId xmlns="" xmlns:a16="http://schemas.microsoft.com/office/drawing/2014/main" id="{E767EEC4-8BC0-EF4D-80BE-F43F8744FAB2}"/>
               </a:ext>
             </a:extLst>
           </p:cNvPr>
@@ -8706,7 +8707,7 @@
           <p:cNvPr id="36" name="TextBox 35">
             <a:extLst>
               <a:ext uri="{FF2B5EF4-FFF2-40B4-BE49-F238E27FC236}">
-                <a16:creationId xmlns:a16="http://schemas.microsoft.com/office/drawing/2014/main" xmlns="" id="{3F96A421-C353-9B47-A5FB-90CA47D953C6}"/>
+                <a16:creationId xmlns="" xmlns:a16="http://schemas.microsoft.com/office/drawing/2014/main" id="{3F96A421-C353-9B47-A5FB-90CA47D953C6}"/>
               </a:ext>
             </a:extLst>
           </p:cNvPr>
@@ -8753,7 +8754,7 @@
           <p:cNvPr id="37" name="TextBox 36">
             <a:extLst>
               <a:ext uri="{FF2B5EF4-FFF2-40B4-BE49-F238E27FC236}">
-                <a16:creationId xmlns:a16="http://schemas.microsoft.com/office/drawing/2014/main" xmlns="" id="{1D7D6E16-8230-6F4B-A009-AC0986709641}"/>
+                <a16:creationId xmlns="" xmlns:a16="http://schemas.microsoft.com/office/drawing/2014/main" id="{1D7D6E16-8230-6F4B-A009-AC0986709641}"/>
               </a:ext>
             </a:extLst>
           </p:cNvPr>
@@ -8788,7 +8789,7 @@
           <p:cNvPr id="38" name="TextBox 37">
             <a:extLst>
               <a:ext uri="{FF2B5EF4-FFF2-40B4-BE49-F238E27FC236}">
-                <a16:creationId xmlns:a16="http://schemas.microsoft.com/office/drawing/2014/main" xmlns="" id="{0F602899-1C56-C440-81CF-466667A5D19D}"/>
+                <a16:creationId xmlns="" xmlns:a16="http://schemas.microsoft.com/office/drawing/2014/main" id="{0F602899-1C56-C440-81CF-466667A5D19D}"/>
               </a:ext>
             </a:extLst>
           </p:cNvPr>
@@ -8823,7 +8824,7 @@
           <p:cNvPr id="39" name="Up-Down Arrow 38">
             <a:extLst>
               <a:ext uri="{FF2B5EF4-FFF2-40B4-BE49-F238E27FC236}">
-                <a16:creationId xmlns:a16="http://schemas.microsoft.com/office/drawing/2014/main" xmlns="" id="{2CD9FFAB-5ADC-2B42-B565-0D771B940DD2}"/>
+                <a16:creationId xmlns="" xmlns:a16="http://schemas.microsoft.com/office/drawing/2014/main" id="{2CD9FFAB-5ADC-2B42-B565-0D771B940DD2}"/>
               </a:ext>
             </a:extLst>
           </p:cNvPr>
@@ -8881,7 +8882,7 @@
           <p:cNvPr id="41" name="Picture 40">
             <a:extLst>
               <a:ext uri="{FF2B5EF4-FFF2-40B4-BE49-F238E27FC236}">
-                <a16:creationId xmlns:a16="http://schemas.microsoft.com/office/drawing/2014/main" xmlns="" id="{D2B3FED8-4C51-B84A-B53B-C490189165C7}"/>
+                <a16:creationId xmlns="" xmlns:a16="http://schemas.microsoft.com/office/drawing/2014/main" id="{D2B3FED8-4C51-B84A-B53B-C490189165C7}"/>
               </a:ext>
             </a:extLst>
           </p:cNvPr>
@@ -8911,7 +8912,7 @@
           <p:cNvPr id="43" name="Picture 42">
             <a:extLst>
               <a:ext uri="{FF2B5EF4-FFF2-40B4-BE49-F238E27FC236}">
-                <a16:creationId xmlns:a16="http://schemas.microsoft.com/office/drawing/2014/main" xmlns="" id="{C221F11C-E73C-F244-9065-ADEC500072FA}"/>
+                <a16:creationId xmlns="" xmlns:a16="http://schemas.microsoft.com/office/drawing/2014/main" id="{C221F11C-E73C-F244-9065-ADEC500072FA}"/>
               </a:ext>
             </a:extLst>
           </p:cNvPr>
@@ -8941,7 +8942,7 @@
           <p:cNvPr id="27" name="Picture 26">
             <a:extLst>
               <a:ext uri="{FF2B5EF4-FFF2-40B4-BE49-F238E27FC236}">
-                <a16:creationId xmlns:a16="http://schemas.microsoft.com/office/drawing/2014/main" xmlns="" id="{43C6E9BE-8202-834D-A3F2-4F3B9D054563}"/>
+                <a16:creationId xmlns="" xmlns:a16="http://schemas.microsoft.com/office/drawing/2014/main" id="{43C6E9BE-8202-834D-A3F2-4F3B9D054563}"/>
               </a:ext>
             </a:extLst>
           </p:cNvPr>
@@ -8971,7 +8972,7 @@
           <p:cNvPr id="29" name="Straight Arrow Connector 28">
             <a:extLst>
               <a:ext uri="{FF2B5EF4-FFF2-40B4-BE49-F238E27FC236}">
-                <a16:creationId xmlns:a16="http://schemas.microsoft.com/office/drawing/2014/main" xmlns="" id="{F44F114D-E089-8B4E-8EBB-023CB8E4905B}"/>
+                <a16:creationId xmlns="" xmlns:a16="http://schemas.microsoft.com/office/drawing/2014/main" id="{F44F114D-E089-8B4E-8EBB-023CB8E4905B}"/>
               </a:ext>
             </a:extLst>
           </p:cNvPr>
@@ -9018,7 +9019,7 @@
           <p:cNvPr id="17" name="Elbow Connector 16">
             <a:extLst>
               <a:ext uri="{FF2B5EF4-FFF2-40B4-BE49-F238E27FC236}">
-                <a16:creationId xmlns:a16="http://schemas.microsoft.com/office/drawing/2014/main" xmlns="" id="{82DB9E41-63AD-9442-A2A5-FE3D72436E1E}"/>
+                <a16:creationId xmlns="" xmlns:a16="http://schemas.microsoft.com/office/drawing/2014/main" id="{82DB9E41-63AD-9442-A2A5-FE3D72436E1E}"/>
               </a:ext>
             </a:extLst>
           </p:cNvPr>
@@ -9066,7 +9067,7 @@
           <p:cNvPr id="46" name="Rounded Rectangle 45">
             <a:extLst>
               <a:ext uri="{FF2B5EF4-FFF2-40B4-BE49-F238E27FC236}">
-                <a16:creationId xmlns:a16="http://schemas.microsoft.com/office/drawing/2014/main" xmlns="" id="{54AC8C99-2580-0B44-9A7F-46083C56EF84}"/>
+                <a16:creationId xmlns="" xmlns:a16="http://schemas.microsoft.com/office/drawing/2014/main" id="{54AC8C99-2580-0B44-9A7F-46083C56EF84}"/>
               </a:ext>
             </a:extLst>
           </p:cNvPr>
@@ -9128,7 +9129,7 @@
               <p:cNvPr id="47" name="TextBox 46">
                 <a:extLst>
                   <a:ext uri="{FF2B5EF4-FFF2-40B4-BE49-F238E27FC236}">
-                    <a16:creationId xmlns:a16="http://schemas.microsoft.com/office/drawing/2014/main" xmlns="" id="{5A59800F-E768-D248-A1A8-5ABD4F1FDFD7}"/>
+                    <a16:creationId xmlns="" xmlns:a16="http://schemas.microsoft.com/office/drawing/2014/main" id="{5A59800F-E768-D248-A1A8-5ABD4F1FDFD7}"/>
                   </a:ext>
                 </a:extLst>
               </p:cNvPr>
@@ -9229,7 +9230,7 @@
           <p:cNvPr id="51" name="Rounded Rectangle 50">
             <a:extLst>
               <a:ext uri="{FF2B5EF4-FFF2-40B4-BE49-F238E27FC236}">
-                <a16:creationId xmlns:a16="http://schemas.microsoft.com/office/drawing/2014/main" xmlns="" id="{B4C0A3D4-4F3A-D543-A02C-9463F688D8A8}"/>
+                <a16:creationId xmlns="" xmlns:a16="http://schemas.microsoft.com/office/drawing/2014/main" id="{B4C0A3D4-4F3A-D543-A02C-9463F688D8A8}"/>
               </a:ext>
             </a:extLst>
           </p:cNvPr>
@@ -9291,7 +9292,7 @@
               <p:cNvPr id="52" name="TextBox 51">
                 <a:extLst>
                   <a:ext uri="{FF2B5EF4-FFF2-40B4-BE49-F238E27FC236}">
-                    <a16:creationId xmlns:a16="http://schemas.microsoft.com/office/drawing/2014/main" xmlns="" id="{CB9DA103-4FF9-C746-923C-B8CF032E4F81}"/>
+                    <a16:creationId xmlns="" xmlns:a16="http://schemas.microsoft.com/office/drawing/2014/main" id="{CB9DA103-4FF9-C746-923C-B8CF032E4F81}"/>
                   </a:ext>
                 </a:extLst>
               </p:cNvPr>
@@ -9392,7 +9393,7 @@
           <p:cNvPr id="53" name="Straight Arrow Connector 52">
             <a:extLst>
               <a:ext uri="{FF2B5EF4-FFF2-40B4-BE49-F238E27FC236}">
-                <a16:creationId xmlns:a16="http://schemas.microsoft.com/office/drawing/2014/main" xmlns="" id="{93A7FC7B-1286-9744-A0B0-5C2391A6E353}"/>
+                <a16:creationId xmlns="" xmlns:a16="http://schemas.microsoft.com/office/drawing/2014/main" id="{93A7FC7B-1286-9744-A0B0-5C2391A6E353}"/>
               </a:ext>
             </a:extLst>
           </p:cNvPr>
@@ -9439,7 +9440,7 @@
           <p:cNvPr id="55" name="TextBox 54">
             <a:extLst>
               <a:ext uri="{FF2B5EF4-FFF2-40B4-BE49-F238E27FC236}">
-                <a16:creationId xmlns:a16="http://schemas.microsoft.com/office/drawing/2014/main" xmlns="" id="{0606799C-3F15-594D-939E-40A65AAE3D17}"/>
+                <a16:creationId xmlns="" xmlns:a16="http://schemas.microsoft.com/office/drawing/2014/main" id="{0606799C-3F15-594D-939E-40A65AAE3D17}"/>
               </a:ext>
             </a:extLst>
           </p:cNvPr>
@@ -9474,7 +9475,7 @@
           <p:cNvPr id="40" name="Rounded Rectangle 39">
             <a:extLst>
               <a:ext uri="{FF2B5EF4-FFF2-40B4-BE49-F238E27FC236}">
-                <a16:creationId xmlns:a16="http://schemas.microsoft.com/office/drawing/2014/main" xmlns="" id="{B4E21728-85C7-C94D-8598-A288C82369C6}"/>
+                <a16:creationId xmlns="" xmlns:a16="http://schemas.microsoft.com/office/drawing/2014/main" id="{B4E21728-85C7-C94D-8598-A288C82369C6}"/>
               </a:ext>
             </a:extLst>
           </p:cNvPr>
@@ -9536,7 +9537,7 @@
               <p:cNvPr id="42" name="TextBox 41">
                 <a:extLst>
                   <a:ext uri="{FF2B5EF4-FFF2-40B4-BE49-F238E27FC236}">
-                    <a16:creationId xmlns:a16="http://schemas.microsoft.com/office/drawing/2014/main" xmlns="" id="{700D7277-18C8-694B-814C-C822A65F9437}"/>
+                    <a16:creationId xmlns="" xmlns:a16="http://schemas.microsoft.com/office/drawing/2014/main" id="{700D7277-18C8-694B-814C-C822A65F9437}"/>
                   </a:ext>
                 </a:extLst>
               </p:cNvPr>
@@ -9637,7 +9638,7 @@
           <p:cNvPr id="45" name="Rounded Rectangle 44">
             <a:extLst>
               <a:ext uri="{FF2B5EF4-FFF2-40B4-BE49-F238E27FC236}">
-                <a16:creationId xmlns:a16="http://schemas.microsoft.com/office/drawing/2014/main" xmlns="" id="{1268113A-BD6C-E54A-B228-2A085157502B}"/>
+                <a16:creationId xmlns="" xmlns:a16="http://schemas.microsoft.com/office/drawing/2014/main" id="{1268113A-BD6C-E54A-B228-2A085157502B}"/>
               </a:ext>
             </a:extLst>
           </p:cNvPr>
@@ -9699,7 +9700,7 @@
               <p:cNvPr id="48" name="TextBox 47">
                 <a:extLst>
                   <a:ext uri="{FF2B5EF4-FFF2-40B4-BE49-F238E27FC236}">
-                    <a16:creationId xmlns:a16="http://schemas.microsoft.com/office/drawing/2014/main" xmlns="" id="{DFBBD929-BAD1-F247-BF35-244512A063BC}"/>
+                    <a16:creationId xmlns="" xmlns:a16="http://schemas.microsoft.com/office/drawing/2014/main" id="{DFBBD929-BAD1-F247-BF35-244512A063BC}"/>
                   </a:ext>
                 </a:extLst>
               </p:cNvPr>
@@ -9800,7 +9801,7 @@
           <p:cNvPr id="49" name="TextBox 48">
             <a:extLst>
               <a:ext uri="{FF2B5EF4-FFF2-40B4-BE49-F238E27FC236}">
-                <a16:creationId xmlns:a16="http://schemas.microsoft.com/office/drawing/2014/main" xmlns="" id="{A84A9238-B427-5940-AB0C-C914150DCBB7}"/>
+                <a16:creationId xmlns="" xmlns:a16="http://schemas.microsoft.com/office/drawing/2014/main" id="{A84A9238-B427-5940-AB0C-C914150DCBB7}"/>
               </a:ext>
             </a:extLst>
           </p:cNvPr>
@@ -9847,7 +9848,7 @@
           <p:cNvPr id="50" name="TextBox 49">
             <a:extLst>
               <a:ext uri="{FF2B5EF4-FFF2-40B4-BE49-F238E27FC236}">
-                <a16:creationId xmlns:a16="http://schemas.microsoft.com/office/drawing/2014/main" xmlns="" id="{76D90F3D-1C16-7C4F-973A-6AAED576D1C9}"/>
+                <a16:creationId xmlns="" xmlns:a16="http://schemas.microsoft.com/office/drawing/2014/main" id="{76D90F3D-1C16-7C4F-973A-6AAED576D1C9}"/>
               </a:ext>
             </a:extLst>
           </p:cNvPr>
@@ -9894,7 +9895,7 @@
           <p:cNvPr id="54" name="TextBox 53">
             <a:extLst>
               <a:ext uri="{FF2B5EF4-FFF2-40B4-BE49-F238E27FC236}">
-                <a16:creationId xmlns:a16="http://schemas.microsoft.com/office/drawing/2014/main" xmlns="" id="{62E7420B-DE21-0242-AB77-FCB534945989}"/>
+                <a16:creationId xmlns="" xmlns:a16="http://schemas.microsoft.com/office/drawing/2014/main" id="{62E7420B-DE21-0242-AB77-FCB534945989}"/>
               </a:ext>
             </a:extLst>
           </p:cNvPr>
@@ -9929,7 +9930,7 @@
           <p:cNvPr id="61" name="TextBox 60">
             <a:extLst>
               <a:ext uri="{FF2B5EF4-FFF2-40B4-BE49-F238E27FC236}">
-                <a16:creationId xmlns:a16="http://schemas.microsoft.com/office/drawing/2014/main" xmlns="" id="{A9BFEB4D-73F1-FF44-BE81-3FEE29265ABF}"/>
+                <a16:creationId xmlns="" xmlns:a16="http://schemas.microsoft.com/office/drawing/2014/main" id="{A9BFEB4D-73F1-FF44-BE81-3FEE29265ABF}"/>
               </a:ext>
             </a:extLst>
           </p:cNvPr>
@@ -9968,7 +9969,7 @@
           <p:cNvPr id="62" name="TextBox 61">
             <a:extLst>
               <a:ext uri="{FF2B5EF4-FFF2-40B4-BE49-F238E27FC236}">
-                <a16:creationId xmlns:a16="http://schemas.microsoft.com/office/drawing/2014/main" xmlns="" id="{927DB39D-AF03-5E48-96E0-871BB430AA14}"/>
+                <a16:creationId xmlns="" xmlns:a16="http://schemas.microsoft.com/office/drawing/2014/main" id="{927DB39D-AF03-5E48-96E0-871BB430AA14}"/>
               </a:ext>
             </a:extLst>
           </p:cNvPr>
@@ -10088,7 +10089,7 @@
           <p:cNvPr id="4" name="Rounded Rectangle 3">
             <a:extLst>
               <a:ext uri="{FF2B5EF4-FFF2-40B4-BE49-F238E27FC236}">
-                <a16:creationId xmlns:a16="http://schemas.microsoft.com/office/drawing/2014/main" xmlns="" id="{862B3C17-42CC-8C4D-86CB-17F5F738C729}"/>
+                <a16:creationId xmlns="" xmlns:a16="http://schemas.microsoft.com/office/drawing/2014/main" id="{862B3C17-42CC-8C4D-86CB-17F5F738C729}"/>
               </a:ext>
             </a:extLst>
           </p:cNvPr>
@@ -10131,18 +10132,17 @@
               <a:rPr lang="en-US" sz="2400" b="1" dirty="0"/>
               <a:t>Analytics Server</a:t>
             </a:r>
-            <a:endParaRPr lang="en-US" sz="2400" b="1" dirty="0"/>
-          </a:p>
-        </p:txBody>
-      </p:sp>
-      <mc:AlternateContent xmlns:mc="http://schemas.openxmlformats.org/markup-compatibility/2006">
-        <mc:Choice xmlns:a14="http://schemas.microsoft.com/office/drawing/2010/main" Requires="a14">
+          </a:p>
+        </p:txBody>
+      </p:sp>
+      <mc:AlternateContent xmlns:mc="http://schemas.openxmlformats.org/markup-compatibility/2006" xmlns:a14="http://schemas.microsoft.com/office/drawing/2010/main">
+        <mc:Choice Requires="a14">
           <p:sp>
             <p:nvSpPr>
               <p:cNvPr id="5" name="Rounded Rectangle 4">
                 <a:extLst>
                   <a:ext uri="{FF2B5EF4-FFF2-40B4-BE49-F238E27FC236}">
-                    <a16:creationId xmlns:a16="http://schemas.microsoft.com/office/drawing/2014/main" xmlns="" id="{D2497A98-35F0-A248-A5F9-258A5927CC4F}"/>
+                    <a16:creationId xmlns="" xmlns:a16="http://schemas.microsoft.com/office/drawing/2014/main" id="{D2497A98-35F0-A248-A5F9-258A5927CC4F}"/>
                   </a:ext>
                 </a:extLst>
               </p:cNvPr>
@@ -10201,7 +10201,7 @@
             </p:txBody>
           </p:sp>
         </mc:Choice>
-        <mc:Fallback>
+        <mc:Fallback xmlns="">
           <p:sp>
             <p:nvSpPr>
               <p:cNvPr id="5" name="Rounded Rectangle 4">
@@ -10254,7 +10254,7 @@
           <p:cNvPr id="9" name="Picture 8">
             <a:extLst>
               <a:ext uri="{FF2B5EF4-FFF2-40B4-BE49-F238E27FC236}">
-                <a16:creationId xmlns:a16="http://schemas.microsoft.com/office/drawing/2014/main" xmlns="" id="{AFD8FB96-320E-E742-AD61-3949A2C3AFCC}"/>
+                <a16:creationId xmlns="" xmlns:a16="http://schemas.microsoft.com/office/drawing/2014/main" id="{AFD8FB96-320E-E742-AD61-3949A2C3AFCC}"/>
               </a:ext>
             </a:extLst>
           </p:cNvPr>
@@ -10284,7 +10284,7 @@
           <p:cNvPr id="10" name="Picture 9">
             <a:extLst>
               <a:ext uri="{FF2B5EF4-FFF2-40B4-BE49-F238E27FC236}">
-                <a16:creationId xmlns:a16="http://schemas.microsoft.com/office/drawing/2014/main" xmlns="" id="{35B47053-5B7B-914F-8E56-AC0AB45C0A63}"/>
+                <a16:creationId xmlns="" xmlns:a16="http://schemas.microsoft.com/office/drawing/2014/main" id="{35B47053-5B7B-914F-8E56-AC0AB45C0A63}"/>
               </a:ext>
             </a:extLst>
           </p:cNvPr>
@@ -10314,7 +10314,7 @@
           <p:cNvPr id="11" name="Rounded Rectangle 10">
             <a:extLst>
               <a:ext uri="{FF2B5EF4-FFF2-40B4-BE49-F238E27FC236}">
-                <a16:creationId xmlns:a16="http://schemas.microsoft.com/office/drawing/2014/main" xmlns="" id="{D6E26F01-C714-DB48-96FE-A977523425DC}"/>
+                <a16:creationId xmlns="" xmlns:a16="http://schemas.microsoft.com/office/drawing/2014/main" id="{D6E26F01-C714-DB48-96FE-A977523425DC}"/>
               </a:ext>
             </a:extLst>
           </p:cNvPr>
@@ -10371,7 +10371,7 @@
           <p:cNvPr id="12" name="Rounded Rectangle 11">
             <a:extLst>
               <a:ext uri="{FF2B5EF4-FFF2-40B4-BE49-F238E27FC236}">
-                <a16:creationId xmlns:a16="http://schemas.microsoft.com/office/drawing/2014/main" xmlns="" id="{FD8B4ED0-A5DB-2045-976E-D0AF26951627}"/>
+                <a16:creationId xmlns="" xmlns:a16="http://schemas.microsoft.com/office/drawing/2014/main" id="{FD8B4ED0-A5DB-2045-976E-D0AF26951627}"/>
               </a:ext>
             </a:extLst>
           </p:cNvPr>
@@ -10428,7 +10428,7 @@
           <p:cNvPr id="33" name="Straight Arrow Connector 32">
             <a:extLst>
               <a:ext uri="{FF2B5EF4-FFF2-40B4-BE49-F238E27FC236}">
-                <a16:creationId xmlns:a16="http://schemas.microsoft.com/office/drawing/2014/main" xmlns="" id="{22C43AFD-4E77-3141-8376-112B8E03455B}"/>
+                <a16:creationId xmlns="" xmlns:a16="http://schemas.microsoft.com/office/drawing/2014/main" id="{22C43AFD-4E77-3141-8376-112B8E03455B}"/>
               </a:ext>
             </a:extLst>
           </p:cNvPr>
@@ -10469,7 +10469,7 @@
           <p:cNvPr id="35" name="TextBox 34">
             <a:extLst>
               <a:ext uri="{FF2B5EF4-FFF2-40B4-BE49-F238E27FC236}">
-                <a16:creationId xmlns:a16="http://schemas.microsoft.com/office/drawing/2014/main" xmlns="" id="{E767EEC4-8BC0-EF4D-80BE-F43F8744FAB2}"/>
+                <a16:creationId xmlns="" xmlns:a16="http://schemas.microsoft.com/office/drawing/2014/main" id="{E767EEC4-8BC0-EF4D-80BE-F43F8744FAB2}"/>
               </a:ext>
             </a:extLst>
           </p:cNvPr>
@@ -10504,7 +10504,7 @@
           <p:cNvPr id="36" name="TextBox 35">
             <a:extLst>
               <a:ext uri="{FF2B5EF4-FFF2-40B4-BE49-F238E27FC236}">
-                <a16:creationId xmlns:a16="http://schemas.microsoft.com/office/drawing/2014/main" xmlns="" id="{3F96A421-C353-9B47-A5FB-90CA47D953C6}"/>
+                <a16:creationId xmlns="" xmlns:a16="http://schemas.microsoft.com/office/drawing/2014/main" id="{3F96A421-C353-9B47-A5FB-90CA47D953C6}"/>
               </a:ext>
             </a:extLst>
           </p:cNvPr>
@@ -10551,7 +10551,7 @@
           <p:cNvPr id="27" name="Picture 26">
             <a:extLst>
               <a:ext uri="{FF2B5EF4-FFF2-40B4-BE49-F238E27FC236}">
-                <a16:creationId xmlns:a16="http://schemas.microsoft.com/office/drawing/2014/main" xmlns="" id="{43C6E9BE-8202-834D-A3F2-4F3B9D054563}"/>
+                <a16:creationId xmlns="" xmlns:a16="http://schemas.microsoft.com/office/drawing/2014/main" id="{43C6E9BE-8202-834D-A3F2-4F3B9D054563}"/>
               </a:ext>
             </a:extLst>
           </p:cNvPr>
@@ -10581,7 +10581,7 @@
           <p:cNvPr id="29" name="Straight Arrow Connector 28">
             <a:extLst>
               <a:ext uri="{FF2B5EF4-FFF2-40B4-BE49-F238E27FC236}">
-                <a16:creationId xmlns:a16="http://schemas.microsoft.com/office/drawing/2014/main" xmlns="" id="{F44F114D-E089-8B4E-8EBB-023CB8E4905B}"/>
+                <a16:creationId xmlns="" xmlns:a16="http://schemas.microsoft.com/office/drawing/2014/main" id="{F44F114D-E089-8B4E-8EBB-023CB8E4905B}"/>
               </a:ext>
             </a:extLst>
           </p:cNvPr>
@@ -10622,7 +10622,7 @@
           <p:cNvPr id="53" name="Straight Arrow Connector 52">
             <a:extLst>
               <a:ext uri="{FF2B5EF4-FFF2-40B4-BE49-F238E27FC236}">
-                <a16:creationId xmlns:a16="http://schemas.microsoft.com/office/drawing/2014/main" xmlns="" id="{93A7FC7B-1286-9744-A0B0-5C2391A6E353}"/>
+                <a16:creationId xmlns="" xmlns:a16="http://schemas.microsoft.com/office/drawing/2014/main" id="{93A7FC7B-1286-9744-A0B0-5C2391A6E353}"/>
               </a:ext>
             </a:extLst>
           </p:cNvPr>
@@ -10663,7 +10663,7 @@
           <p:cNvPr id="55" name="TextBox 54">
             <a:extLst>
               <a:ext uri="{FF2B5EF4-FFF2-40B4-BE49-F238E27FC236}">
-                <a16:creationId xmlns:a16="http://schemas.microsoft.com/office/drawing/2014/main" xmlns="" id="{0606799C-3F15-594D-939E-40A65AAE3D17}"/>
+                <a16:creationId xmlns="" xmlns:a16="http://schemas.microsoft.com/office/drawing/2014/main" id="{0606799C-3F15-594D-939E-40A65AAE3D17}"/>
               </a:ext>
             </a:extLst>
           </p:cNvPr>
@@ -10699,7 +10699,7 @@
           <p:cNvPr id="50" name="TextBox 49">
             <a:extLst>
               <a:ext uri="{FF2B5EF4-FFF2-40B4-BE49-F238E27FC236}">
-                <a16:creationId xmlns:a16="http://schemas.microsoft.com/office/drawing/2014/main" xmlns="" id="{76D90F3D-1C16-7C4F-973A-6AAED576D1C9}"/>
+                <a16:creationId xmlns="" xmlns:a16="http://schemas.microsoft.com/office/drawing/2014/main" id="{76D90F3D-1C16-7C4F-973A-6AAED576D1C9}"/>
               </a:ext>
             </a:extLst>
           </p:cNvPr>
@@ -10746,7 +10746,7 @@
           <p:cNvPr id="54" name="TextBox 53">
             <a:extLst>
               <a:ext uri="{FF2B5EF4-FFF2-40B4-BE49-F238E27FC236}">
-                <a16:creationId xmlns:a16="http://schemas.microsoft.com/office/drawing/2014/main" xmlns="" id="{62E7420B-DE21-0242-AB77-FCB534945989}"/>
+                <a16:creationId xmlns="" xmlns:a16="http://schemas.microsoft.com/office/drawing/2014/main" id="{62E7420B-DE21-0242-AB77-FCB534945989}"/>
               </a:ext>
             </a:extLst>
           </p:cNvPr>
@@ -10787,7 +10787,7 @@
           <p:cNvPr id="61" name="TextBox 60">
             <a:extLst>
               <a:ext uri="{FF2B5EF4-FFF2-40B4-BE49-F238E27FC236}">
-                <a16:creationId xmlns:a16="http://schemas.microsoft.com/office/drawing/2014/main" xmlns="" id="{A9BFEB4D-73F1-FF44-BE81-3FEE29265ABF}"/>
+                <a16:creationId xmlns="" xmlns:a16="http://schemas.microsoft.com/office/drawing/2014/main" id="{A9BFEB4D-73F1-FF44-BE81-3FEE29265ABF}"/>
               </a:ext>
             </a:extLst>
           </p:cNvPr>
@@ -10848,7 +10848,7 @@
           <p:cNvPr id="62" name="TextBox 61">
             <a:extLst>
               <a:ext uri="{FF2B5EF4-FFF2-40B4-BE49-F238E27FC236}">
-                <a16:creationId xmlns:a16="http://schemas.microsoft.com/office/drawing/2014/main" xmlns="" id="{927DB39D-AF03-5E48-96E0-871BB430AA14}"/>
+                <a16:creationId xmlns="" xmlns:a16="http://schemas.microsoft.com/office/drawing/2014/main" id="{927DB39D-AF03-5E48-96E0-871BB430AA14}"/>
               </a:ext>
             </a:extLst>
           </p:cNvPr>
@@ -10987,8 +10987,8 @@
           </a:p>
         </p:txBody>
       </p:sp>
-      <mc:AlternateContent xmlns:mc="http://schemas.openxmlformats.org/markup-compatibility/2006">
-        <mc:Choice xmlns:a14="http://schemas.microsoft.com/office/drawing/2010/main" Requires="a14">
+      <mc:AlternateContent xmlns:mc="http://schemas.openxmlformats.org/markup-compatibility/2006" xmlns:a14="http://schemas.microsoft.com/office/drawing/2010/main">
+        <mc:Choice Requires="a14">
           <p:sp>
             <p:nvSpPr>
               <p:cNvPr id="3" name="TextBox 2"/>
@@ -11011,6 +11011,7 @@
               </a:bodyPr>
               <a:lstStyle/>
               <a:p>
+                <a:pPr/>
                 <a14:m>
                   <m:oMathPara xmlns:m="http://schemas.openxmlformats.org/officeDocument/2006/math">
                     <m:oMathParaPr>
@@ -11062,7 +11063,7 @@
             </p:txBody>
           </p:sp>
         </mc:Choice>
-        <mc:Fallback>
+        <mc:Fallback xmlns="">
           <p:sp>
             <p:nvSpPr>
               <p:cNvPr id="3" name="TextBox 2"/>
@@ -11101,8 +11102,8 @@
           </p:sp>
         </mc:Fallback>
       </mc:AlternateContent>
-      <mc:AlternateContent xmlns:mc="http://schemas.openxmlformats.org/markup-compatibility/2006">
-        <mc:Choice xmlns:a14="http://schemas.microsoft.com/office/drawing/2010/main" Requires="a14">
+      <mc:AlternateContent xmlns:mc="http://schemas.openxmlformats.org/markup-compatibility/2006" xmlns:a14="http://schemas.microsoft.com/office/drawing/2010/main">
+        <mc:Choice Requires="a14">
           <p:sp>
             <p:nvSpPr>
               <p:cNvPr id="56" name="TextBox 55"/>
@@ -11125,6 +11126,7 @@
               </a:bodyPr>
               <a:lstStyle/>
               <a:p>
+                <a:pPr/>
                 <a14:m>
                   <m:oMathPara xmlns:m="http://schemas.openxmlformats.org/officeDocument/2006/math">
                     <m:oMathParaPr>
@@ -11176,7 +11178,7 @@
             </p:txBody>
           </p:sp>
         </mc:Choice>
-        <mc:Fallback>
+        <mc:Fallback xmlns="">
           <p:sp>
             <p:nvSpPr>
               <p:cNvPr id="56" name="TextBox 55"/>
@@ -11220,7 +11222,7 @@
           <p:cNvPr id="57" name="Straight Arrow Connector 56">
             <a:extLst>
               <a:ext uri="{FF2B5EF4-FFF2-40B4-BE49-F238E27FC236}">
-                <a16:creationId xmlns:a16="http://schemas.microsoft.com/office/drawing/2014/main" xmlns="" id="{22C43AFD-4E77-3141-8376-112B8E03455B}"/>
+                <a16:creationId xmlns="" xmlns:a16="http://schemas.microsoft.com/office/drawing/2014/main" id="{22C43AFD-4E77-3141-8376-112B8E03455B}"/>
               </a:ext>
             </a:extLst>
           </p:cNvPr>
@@ -11261,7 +11263,7 @@
           <p:cNvPr id="58" name="TextBox 57">
             <a:extLst>
               <a:ext uri="{FF2B5EF4-FFF2-40B4-BE49-F238E27FC236}">
-                <a16:creationId xmlns:a16="http://schemas.microsoft.com/office/drawing/2014/main" xmlns="" id="{3F96A421-C353-9B47-A5FB-90CA47D953C6}"/>
+                <a16:creationId xmlns="" xmlns:a16="http://schemas.microsoft.com/office/drawing/2014/main" id="{3F96A421-C353-9B47-A5FB-90CA47D953C6}"/>
               </a:ext>
             </a:extLst>
           </p:cNvPr>
@@ -11303,14 +11305,14 @@
           </a:p>
         </p:txBody>
       </p:sp>
-      <mc:AlternateContent xmlns:mc="http://schemas.openxmlformats.org/markup-compatibility/2006">
-        <mc:Choice xmlns:a14="http://schemas.microsoft.com/office/drawing/2010/main" Requires="a14">
+      <mc:AlternateContent xmlns:mc="http://schemas.openxmlformats.org/markup-compatibility/2006" xmlns:a14="http://schemas.microsoft.com/office/drawing/2010/main">
+        <mc:Choice Requires="a14">
           <p:sp>
             <p:nvSpPr>
               <p:cNvPr id="59" name="TextBox 58">
                 <a:extLst>
                   <a:ext uri="{FF2B5EF4-FFF2-40B4-BE49-F238E27FC236}">
-                    <a16:creationId xmlns:a16="http://schemas.microsoft.com/office/drawing/2014/main" xmlns="" id="{700D7277-18C8-694B-814C-C822A65F9437}"/>
+                    <a16:creationId xmlns="" xmlns:a16="http://schemas.microsoft.com/office/drawing/2014/main" id="{700D7277-18C8-694B-814C-C822A65F9437}"/>
                   </a:ext>
                 </a:extLst>
               </p:cNvPr>
@@ -11381,7 +11383,7 @@
             </p:txBody>
           </p:sp>
         </mc:Choice>
-        <mc:Fallback>
+        <mc:Fallback xmlns="">
           <p:sp>
             <p:nvSpPr>
               <p:cNvPr id="59" name="TextBox 58">
@@ -11438,7 +11440,7 @@
           <p:cNvPr id="60" name="Rounded Rectangle 59">
             <a:extLst>
               <a:ext uri="{FF2B5EF4-FFF2-40B4-BE49-F238E27FC236}">
-                <a16:creationId xmlns:a16="http://schemas.microsoft.com/office/drawing/2014/main" xmlns="" id="{D2497A98-35F0-A248-A5F9-258A5927CC4F}"/>
+                <a16:creationId xmlns="" xmlns:a16="http://schemas.microsoft.com/office/drawing/2014/main" id="{D2497A98-35F0-A248-A5F9-258A5927CC4F}"/>
               </a:ext>
             </a:extLst>
           </p:cNvPr>
@@ -11549,14 +11551,14 @@
           </a:p>
         </p:txBody>
       </p:sp>
-      <mc:AlternateContent xmlns:mc="http://schemas.openxmlformats.org/markup-compatibility/2006">
-        <mc:Choice xmlns:a14="http://schemas.microsoft.com/office/drawing/2010/main" Requires="a14">
+      <mc:AlternateContent xmlns:mc="http://schemas.openxmlformats.org/markup-compatibility/2006" xmlns:a14="http://schemas.microsoft.com/office/drawing/2010/main">
+        <mc:Choice Requires="a14">
           <p:sp>
             <p:nvSpPr>
               <p:cNvPr id="64" name="TextBox 63">
                 <a:extLst>
                   <a:ext uri="{FF2B5EF4-FFF2-40B4-BE49-F238E27FC236}">
-                    <a16:creationId xmlns:a16="http://schemas.microsoft.com/office/drawing/2014/main" xmlns="" id="{700D7277-18C8-694B-814C-C822A65F9437}"/>
+                    <a16:creationId xmlns="" xmlns:a16="http://schemas.microsoft.com/office/drawing/2014/main" id="{700D7277-18C8-694B-814C-C822A65F9437}"/>
                   </a:ext>
                 </a:extLst>
               </p:cNvPr>
@@ -11627,7 +11629,7 @@
             </p:txBody>
           </p:sp>
         </mc:Choice>
-        <mc:Fallback>
+        <mc:Fallback xmlns="">
           <p:sp>
             <p:nvSpPr>
               <p:cNvPr id="64" name="TextBox 63">
@@ -11684,7 +11686,7 @@
           <p:cNvPr id="39" name="Up-Down Arrow 38">
             <a:extLst>
               <a:ext uri="{FF2B5EF4-FFF2-40B4-BE49-F238E27FC236}">
-                <a16:creationId xmlns:a16="http://schemas.microsoft.com/office/drawing/2014/main" xmlns="" id="{2CD9FFAB-5ADC-2B42-B565-0D771B940DD2}"/>
+                <a16:creationId xmlns="" xmlns:a16="http://schemas.microsoft.com/office/drawing/2014/main" id="{2CD9FFAB-5ADC-2B42-B565-0D771B940DD2}"/>
               </a:ext>
             </a:extLst>
           </p:cNvPr>
@@ -11769,7 +11771,7 @@
           <p:cNvPr id="3" name="Picture 2">
             <a:extLst>
               <a:ext uri="{FF2B5EF4-FFF2-40B4-BE49-F238E27FC236}">
-                <a16:creationId xmlns:a16="http://schemas.microsoft.com/office/drawing/2014/main" xmlns="" id="{FE52D961-F42F-4641-A4C2-4D48ABB7CC65}"/>
+                <a16:creationId xmlns="" xmlns:a16="http://schemas.microsoft.com/office/drawing/2014/main" id="{FE52D961-F42F-4641-A4C2-4D48ABB7CC65}"/>
               </a:ext>
             </a:extLst>
           </p:cNvPr>
@@ -11799,7 +11801,7 @@
           <p:cNvPr id="5" name="Picture 4">
             <a:extLst>
               <a:ext uri="{FF2B5EF4-FFF2-40B4-BE49-F238E27FC236}">
-                <a16:creationId xmlns:a16="http://schemas.microsoft.com/office/drawing/2014/main" xmlns="" id="{13EADB37-BBEA-A546-B71E-A89B4DF616A8}"/>
+                <a16:creationId xmlns="" xmlns:a16="http://schemas.microsoft.com/office/drawing/2014/main" id="{13EADB37-BBEA-A546-B71E-A89B4DF616A8}"/>
               </a:ext>
             </a:extLst>
           </p:cNvPr>
@@ -11829,7 +11831,7 @@
           <p:cNvPr id="7" name="Picture 6">
             <a:extLst>
               <a:ext uri="{FF2B5EF4-FFF2-40B4-BE49-F238E27FC236}">
-                <a16:creationId xmlns:a16="http://schemas.microsoft.com/office/drawing/2014/main" xmlns="" id="{EBD9EE9A-D87B-1A4D-86B6-62B7DCC0E0EA}"/>
+                <a16:creationId xmlns="" xmlns:a16="http://schemas.microsoft.com/office/drawing/2014/main" id="{EBD9EE9A-D87B-1A4D-86B6-62B7DCC0E0EA}"/>
               </a:ext>
             </a:extLst>
           </p:cNvPr>
@@ -11859,7 +11861,7 @@
           <p:cNvPr id="9" name="Picture 8">
             <a:extLst>
               <a:ext uri="{FF2B5EF4-FFF2-40B4-BE49-F238E27FC236}">
-                <a16:creationId xmlns:a16="http://schemas.microsoft.com/office/drawing/2014/main" xmlns="" id="{1D506B10-3DD4-5D4A-B7FA-45039EFCC0BD}"/>
+                <a16:creationId xmlns="" xmlns:a16="http://schemas.microsoft.com/office/drawing/2014/main" id="{1D506B10-3DD4-5D4A-B7FA-45039EFCC0BD}"/>
               </a:ext>
             </a:extLst>
           </p:cNvPr>
@@ -11889,7 +11891,7 @@
           <p:cNvPr id="12" name="Picture 11">
             <a:extLst>
               <a:ext uri="{FF2B5EF4-FFF2-40B4-BE49-F238E27FC236}">
-                <a16:creationId xmlns:a16="http://schemas.microsoft.com/office/drawing/2014/main" xmlns="" id="{17BFA89F-D4A4-6B40-9DBD-1713C29A3418}"/>
+                <a16:creationId xmlns="" xmlns:a16="http://schemas.microsoft.com/office/drawing/2014/main" id="{17BFA89F-D4A4-6B40-9DBD-1713C29A3418}"/>
               </a:ext>
             </a:extLst>
           </p:cNvPr>
@@ -11919,7 +11921,7 @@
           <p:cNvPr id="13" name="Picture 12">
             <a:extLst>
               <a:ext uri="{FF2B5EF4-FFF2-40B4-BE49-F238E27FC236}">
-                <a16:creationId xmlns:a16="http://schemas.microsoft.com/office/drawing/2014/main" xmlns="" id="{4560BB22-A6DA-9648-AC41-1B02C24031D1}"/>
+                <a16:creationId xmlns="" xmlns:a16="http://schemas.microsoft.com/office/drawing/2014/main" id="{4560BB22-A6DA-9648-AC41-1B02C24031D1}"/>
               </a:ext>
             </a:extLst>
           </p:cNvPr>
@@ -11949,7 +11951,7 @@
           <p:cNvPr id="14" name="Picture 13">
             <a:extLst>
               <a:ext uri="{FF2B5EF4-FFF2-40B4-BE49-F238E27FC236}">
-                <a16:creationId xmlns:a16="http://schemas.microsoft.com/office/drawing/2014/main" xmlns="" id="{D79F543F-6429-884C-8A20-79AF229C3E15}"/>
+                <a16:creationId xmlns="" xmlns:a16="http://schemas.microsoft.com/office/drawing/2014/main" id="{D79F543F-6429-884C-8A20-79AF229C3E15}"/>
               </a:ext>
             </a:extLst>
           </p:cNvPr>
@@ -11979,7 +11981,7 @@
           <p:cNvPr id="16" name="Picture 15">
             <a:extLst>
               <a:ext uri="{FF2B5EF4-FFF2-40B4-BE49-F238E27FC236}">
-                <a16:creationId xmlns:a16="http://schemas.microsoft.com/office/drawing/2014/main" xmlns="" id="{6217C7A1-41D4-4C4B-B47D-3178F103102A}"/>
+                <a16:creationId xmlns="" xmlns:a16="http://schemas.microsoft.com/office/drawing/2014/main" id="{6217C7A1-41D4-4C4B-B47D-3178F103102A}"/>
               </a:ext>
             </a:extLst>
           </p:cNvPr>
@@ -12009,7 +12011,7 @@
           <p:cNvPr id="17" name="Left Brace 16">
             <a:extLst>
               <a:ext uri="{FF2B5EF4-FFF2-40B4-BE49-F238E27FC236}">
-                <a16:creationId xmlns:a16="http://schemas.microsoft.com/office/drawing/2014/main" xmlns="" id="{8AB7DC0B-D0A8-BD4A-AA63-71057B62FF53}"/>
+                <a16:creationId xmlns="" xmlns:a16="http://schemas.microsoft.com/office/drawing/2014/main" id="{8AB7DC0B-D0A8-BD4A-AA63-71057B62FF53}"/>
               </a:ext>
             </a:extLst>
           </p:cNvPr>
@@ -12062,7 +12064,7 @@
           <p:cNvPr id="18" name="Left Brace 17">
             <a:extLst>
               <a:ext uri="{FF2B5EF4-FFF2-40B4-BE49-F238E27FC236}">
-                <a16:creationId xmlns:a16="http://schemas.microsoft.com/office/drawing/2014/main" xmlns="" id="{09490005-D1B4-3D47-BDF1-F61D50B09C03}"/>
+                <a16:creationId xmlns="" xmlns:a16="http://schemas.microsoft.com/office/drawing/2014/main" id="{09490005-D1B4-3D47-BDF1-F61D50B09C03}"/>
               </a:ext>
             </a:extLst>
           </p:cNvPr>
@@ -12115,7 +12117,7 @@
           <p:cNvPr id="19" name="Left Brace 18">
             <a:extLst>
               <a:ext uri="{FF2B5EF4-FFF2-40B4-BE49-F238E27FC236}">
-                <a16:creationId xmlns:a16="http://schemas.microsoft.com/office/drawing/2014/main" xmlns="" id="{6857B751-4356-D24F-B7E2-76F7179DECD7}"/>
+                <a16:creationId xmlns="" xmlns:a16="http://schemas.microsoft.com/office/drawing/2014/main" id="{6857B751-4356-D24F-B7E2-76F7179DECD7}"/>
               </a:ext>
             </a:extLst>
           </p:cNvPr>
@@ -12168,7 +12170,7 @@
           <p:cNvPr id="20" name="Left Brace 19">
             <a:extLst>
               <a:ext uri="{FF2B5EF4-FFF2-40B4-BE49-F238E27FC236}">
-                <a16:creationId xmlns:a16="http://schemas.microsoft.com/office/drawing/2014/main" xmlns="" id="{D444D4B9-EFD7-C944-8CEC-76E3879DEACF}"/>
+                <a16:creationId xmlns="" xmlns:a16="http://schemas.microsoft.com/office/drawing/2014/main" id="{D444D4B9-EFD7-C944-8CEC-76E3879DEACF}"/>
               </a:ext>
             </a:extLst>
           </p:cNvPr>
@@ -12221,7 +12223,7 @@
           <p:cNvPr id="21" name="Picture 20">
             <a:extLst>
               <a:ext uri="{FF2B5EF4-FFF2-40B4-BE49-F238E27FC236}">
-                <a16:creationId xmlns:a16="http://schemas.microsoft.com/office/drawing/2014/main" xmlns="" id="{8883B003-A750-3640-8790-BCDAD9827E17}"/>
+                <a16:creationId xmlns="" xmlns:a16="http://schemas.microsoft.com/office/drawing/2014/main" id="{8883B003-A750-3640-8790-BCDAD9827E17}"/>
               </a:ext>
             </a:extLst>
           </p:cNvPr>
@@ -12251,7 +12253,7 @@
           <p:cNvPr id="22" name="Picture 21">
             <a:extLst>
               <a:ext uri="{FF2B5EF4-FFF2-40B4-BE49-F238E27FC236}">
-                <a16:creationId xmlns:a16="http://schemas.microsoft.com/office/drawing/2014/main" xmlns="" id="{EC383C4B-7B22-B240-AB82-23F8207A0A4B}"/>
+                <a16:creationId xmlns="" xmlns:a16="http://schemas.microsoft.com/office/drawing/2014/main" id="{EC383C4B-7B22-B240-AB82-23F8207A0A4B}"/>
               </a:ext>
             </a:extLst>
           </p:cNvPr>
@@ -12281,7 +12283,7 @@
           <p:cNvPr id="24" name="Left Brace 23">
             <a:extLst>
               <a:ext uri="{FF2B5EF4-FFF2-40B4-BE49-F238E27FC236}">
-                <a16:creationId xmlns:a16="http://schemas.microsoft.com/office/drawing/2014/main" xmlns="" id="{C41D7DBB-9A60-994D-826E-5C6C44683B28}"/>
+                <a16:creationId xmlns="" xmlns:a16="http://schemas.microsoft.com/office/drawing/2014/main" id="{C41D7DBB-9A60-994D-826E-5C6C44683B28}"/>
               </a:ext>
             </a:extLst>
           </p:cNvPr>
@@ -12334,7 +12336,7 @@
           <p:cNvPr id="26" name="Picture 25">
             <a:extLst>
               <a:ext uri="{FF2B5EF4-FFF2-40B4-BE49-F238E27FC236}">
-                <a16:creationId xmlns:a16="http://schemas.microsoft.com/office/drawing/2014/main" xmlns="" id="{5C4D968D-5966-8B45-A20E-2976C5727275}"/>
+                <a16:creationId xmlns="" xmlns:a16="http://schemas.microsoft.com/office/drawing/2014/main" id="{5C4D968D-5966-8B45-A20E-2976C5727275}"/>
               </a:ext>
             </a:extLst>
           </p:cNvPr>
@@ -12364,7 +12366,7 @@
           <p:cNvPr id="27" name="Left Brace 26">
             <a:extLst>
               <a:ext uri="{FF2B5EF4-FFF2-40B4-BE49-F238E27FC236}">
-                <a16:creationId xmlns:a16="http://schemas.microsoft.com/office/drawing/2014/main" xmlns="" id="{9234CA40-ECAB-8141-BC12-69CC61FD157B}"/>
+                <a16:creationId xmlns="" xmlns:a16="http://schemas.microsoft.com/office/drawing/2014/main" id="{9234CA40-ECAB-8141-BC12-69CC61FD157B}"/>
               </a:ext>
             </a:extLst>
           </p:cNvPr>
@@ -12417,7 +12419,7 @@
           <p:cNvPr id="29" name="Picture 28">
             <a:extLst>
               <a:ext uri="{FF2B5EF4-FFF2-40B4-BE49-F238E27FC236}">
-                <a16:creationId xmlns:a16="http://schemas.microsoft.com/office/drawing/2014/main" xmlns="" id="{A1F33E5A-96A5-CC41-9539-FF2470CE90E4}"/>
+                <a16:creationId xmlns="" xmlns:a16="http://schemas.microsoft.com/office/drawing/2014/main" id="{A1F33E5A-96A5-CC41-9539-FF2470CE90E4}"/>
               </a:ext>
             </a:extLst>
           </p:cNvPr>
@@ -12447,7 +12449,7 @@
           <p:cNvPr id="31" name="Picture 30">
             <a:extLst>
               <a:ext uri="{FF2B5EF4-FFF2-40B4-BE49-F238E27FC236}">
-                <a16:creationId xmlns:a16="http://schemas.microsoft.com/office/drawing/2014/main" xmlns="" id="{4A0B6076-34AF-F448-8A6D-FDC5DB4D65DA}"/>
+                <a16:creationId xmlns="" xmlns:a16="http://schemas.microsoft.com/office/drawing/2014/main" id="{4A0B6076-34AF-F448-8A6D-FDC5DB4D65DA}"/>
               </a:ext>
             </a:extLst>
           </p:cNvPr>
@@ -12477,7 +12479,7 @@
           <p:cNvPr id="33" name="Picture 32">
             <a:extLst>
               <a:ext uri="{FF2B5EF4-FFF2-40B4-BE49-F238E27FC236}">
-                <a16:creationId xmlns:a16="http://schemas.microsoft.com/office/drawing/2014/main" xmlns="" id="{8A173C13-DA80-674E-B4E4-9D531B0C7671}"/>
+                <a16:creationId xmlns="" xmlns:a16="http://schemas.microsoft.com/office/drawing/2014/main" id="{8A173C13-DA80-674E-B4E4-9D531B0C7671}"/>
               </a:ext>
             </a:extLst>
           </p:cNvPr>
@@ -12519,6 +12521,1594 @@
       </p:par>
     </p:tnLst>
   </p:timing>
+</p:sld>
+</file>
+
+<file path=ppt/slides/slide8.xml><?xml version="1.0" encoding="utf-8"?>
+<p:sld xmlns:a="http://schemas.openxmlformats.org/drawingml/2006/main" xmlns:r="http://schemas.openxmlformats.org/officeDocument/2006/relationships" xmlns:p="http://schemas.openxmlformats.org/presentationml/2006/main">
+  <p:cSld>
+    <p:spTree>
+      <p:nvGrpSpPr>
+        <p:cNvPr id="1" name=""/>
+        <p:cNvGrpSpPr/>
+        <p:nvPr/>
+      </p:nvGrpSpPr>
+      <p:grpSpPr>
+        <a:xfrm>
+          <a:off x="0" y="0"/>
+          <a:ext cx="0" cy="0"/>
+          <a:chOff x="0" y="0"/>
+          <a:chExt cx="0" cy="0"/>
+        </a:xfrm>
+      </p:grpSpPr>
+      <p:sp>
+        <p:nvSpPr>
+          <p:cNvPr id="10" name="Left Brace 9">
+            <a:extLst>
+              <a:ext uri="{FF2B5EF4-FFF2-40B4-BE49-F238E27FC236}">
+                <a16:creationId xmlns="" xmlns:a16="http://schemas.microsoft.com/office/drawing/2014/main" id="{8AB7DC0B-D0A8-BD4A-AA63-71057B62FF53}"/>
+              </a:ext>
+            </a:extLst>
+          </p:cNvPr>
+          <p:cNvSpPr/>
+          <p:nvPr/>
+        </p:nvSpPr>
+        <p:spPr>
+          <a:xfrm rot="16200000">
+            <a:off x="4010890" y="454887"/>
+            <a:ext cx="472028" cy="1733934"/>
+          </a:xfrm>
+          <a:prstGeom prst="leftBrace">
+            <a:avLst>
+              <a:gd name="adj1" fmla="val 8333"/>
+              <a:gd name="adj2" fmla="val 49020"/>
+            </a:avLst>
+          </a:prstGeom>
+          <a:ln w="12700"/>
+        </p:spPr>
+        <p:style>
+          <a:lnRef idx="2">
+            <a:schemeClr val="dk1"/>
+          </a:lnRef>
+          <a:fillRef idx="0">
+            <a:schemeClr val="dk1"/>
+          </a:fillRef>
+          <a:effectRef idx="1">
+            <a:schemeClr val="dk1"/>
+          </a:effectRef>
+          <a:fontRef idx="minor">
+            <a:schemeClr val="tx1"/>
+          </a:fontRef>
+        </p:style>
+        <p:txBody>
+          <a:bodyPr rot="0" spcFirstLastPara="0" vertOverflow="overflow" horzOverflow="overflow" vert="horz" wrap="square" lIns="91440" tIns="45720" rIns="91440" bIns="45720" numCol="1" spcCol="0" rtlCol="0" fromWordArt="0" anchor="ctr" anchorCtr="0" forceAA="0" compatLnSpc="1">
+            <a:prstTxWarp prst="textNoShape">
+              <a:avLst/>
+            </a:prstTxWarp>
+            <a:noAutofit/>
+          </a:bodyPr>
+          <a:lstStyle/>
+          <a:p>
+            <a:pPr algn="ctr"/>
+            <a:endParaRPr lang="en-US" dirty="0"/>
+          </a:p>
+        </p:txBody>
+      </p:sp>
+      <p:sp>
+        <p:nvSpPr>
+          <p:cNvPr id="11" name="Left Brace 10">
+            <a:extLst>
+              <a:ext uri="{FF2B5EF4-FFF2-40B4-BE49-F238E27FC236}">
+                <a16:creationId xmlns="" xmlns:a16="http://schemas.microsoft.com/office/drawing/2014/main" id="{09490005-D1B4-3D47-BDF1-F61D50B09C03}"/>
+              </a:ext>
+            </a:extLst>
+          </p:cNvPr>
+          <p:cNvSpPr/>
+          <p:nvPr/>
+        </p:nvSpPr>
+        <p:spPr>
+          <a:xfrm rot="16200000">
+            <a:off x="9779474" y="-203190"/>
+            <a:ext cx="554620" cy="3051231"/>
+          </a:xfrm>
+          <a:prstGeom prst="leftBrace">
+            <a:avLst>
+              <a:gd name="adj1" fmla="val 8333"/>
+              <a:gd name="adj2" fmla="val 49020"/>
+            </a:avLst>
+          </a:prstGeom>
+          <a:ln w="12700"/>
+        </p:spPr>
+        <p:style>
+          <a:lnRef idx="2">
+            <a:schemeClr val="dk1"/>
+          </a:lnRef>
+          <a:fillRef idx="0">
+            <a:schemeClr val="dk1"/>
+          </a:fillRef>
+          <a:effectRef idx="1">
+            <a:schemeClr val="dk1"/>
+          </a:effectRef>
+          <a:fontRef idx="minor">
+            <a:schemeClr val="tx1"/>
+          </a:fontRef>
+        </p:style>
+        <p:txBody>
+          <a:bodyPr rot="0" spcFirstLastPara="0" vertOverflow="overflow" horzOverflow="overflow" vert="horz" wrap="square" lIns="91440" tIns="45720" rIns="91440" bIns="45720" numCol="1" spcCol="0" rtlCol="0" fromWordArt="0" anchor="ctr" anchorCtr="0" forceAA="0" compatLnSpc="1">
+            <a:prstTxWarp prst="textNoShape">
+              <a:avLst/>
+            </a:prstTxWarp>
+            <a:noAutofit/>
+          </a:bodyPr>
+          <a:lstStyle/>
+          <a:p>
+            <a:pPr algn="ctr"/>
+            <a:endParaRPr lang="en-US" dirty="0"/>
+          </a:p>
+        </p:txBody>
+      </p:sp>
+      <p:sp>
+        <p:nvSpPr>
+          <p:cNvPr id="12" name="Left Brace 11">
+            <a:extLst>
+              <a:ext uri="{FF2B5EF4-FFF2-40B4-BE49-F238E27FC236}">
+                <a16:creationId xmlns="" xmlns:a16="http://schemas.microsoft.com/office/drawing/2014/main" id="{6857B751-4356-D24F-B7E2-76F7179DECD7}"/>
+              </a:ext>
+            </a:extLst>
+          </p:cNvPr>
+          <p:cNvSpPr/>
+          <p:nvPr/>
+        </p:nvSpPr>
+        <p:spPr>
+          <a:xfrm rot="16200000">
+            <a:off x="4781364" y="1312907"/>
+            <a:ext cx="541793" cy="1681787"/>
+          </a:xfrm>
+          <a:prstGeom prst="leftBrace">
+            <a:avLst>
+              <a:gd name="adj1" fmla="val 8333"/>
+              <a:gd name="adj2" fmla="val 49020"/>
+            </a:avLst>
+          </a:prstGeom>
+          <a:ln w="12700"/>
+        </p:spPr>
+        <p:style>
+          <a:lnRef idx="2">
+            <a:schemeClr val="dk1"/>
+          </a:lnRef>
+          <a:fillRef idx="0">
+            <a:schemeClr val="dk1"/>
+          </a:fillRef>
+          <a:effectRef idx="1">
+            <a:schemeClr val="dk1"/>
+          </a:effectRef>
+          <a:fontRef idx="minor">
+            <a:schemeClr val="tx1"/>
+          </a:fontRef>
+        </p:style>
+        <p:txBody>
+          <a:bodyPr rot="0" spcFirstLastPara="0" vertOverflow="overflow" horzOverflow="overflow" vert="horz" wrap="square" lIns="91440" tIns="45720" rIns="91440" bIns="45720" numCol="1" spcCol="0" rtlCol="0" fromWordArt="0" anchor="ctr" anchorCtr="0" forceAA="0" compatLnSpc="1">
+            <a:prstTxWarp prst="textNoShape">
+              <a:avLst/>
+            </a:prstTxWarp>
+            <a:noAutofit/>
+          </a:bodyPr>
+          <a:lstStyle/>
+          <a:p>
+            <a:pPr algn="ctr"/>
+            <a:endParaRPr lang="en-US" dirty="0"/>
+          </a:p>
+        </p:txBody>
+      </p:sp>
+      <p:sp>
+        <p:nvSpPr>
+          <p:cNvPr id="13" name="Left Brace 12">
+            <a:extLst>
+              <a:ext uri="{FF2B5EF4-FFF2-40B4-BE49-F238E27FC236}">
+                <a16:creationId xmlns="" xmlns:a16="http://schemas.microsoft.com/office/drawing/2014/main" id="{D444D4B9-EFD7-C944-8CEC-76E3879DEACF}"/>
+              </a:ext>
+            </a:extLst>
+          </p:cNvPr>
+          <p:cNvSpPr/>
+          <p:nvPr/>
+        </p:nvSpPr>
+        <p:spPr>
+          <a:xfrm rot="16200000">
+            <a:off x="8712811" y="1079179"/>
+            <a:ext cx="563928" cy="2127106"/>
+          </a:xfrm>
+          <a:prstGeom prst="leftBrace">
+            <a:avLst>
+              <a:gd name="adj1" fmla="val 8333"/>
+              <a:gd name="adj2" fmla="val 49020"/>
+            </a:avLst>
+          </a:prstGeom>
+          <a:ln w="12700"/>
+        </p:spPr>
+        <p:style>
+          <a:lnRef idx="2">
+            <a:schemeClr val="dk1"/>
+          </a:lnRef>
+          <a:fillRef idx="0">
+            <a:schemeClr val="dk1"/>
+          </a:fillRef>
+          <a:effectRef idx="1">
+            <a:schemeClr val="dk1"/>
+          </a:effectRef>
+          <a:fontRef idx="minor">
+            <a:schemeClr val="tx1"/>
+          </a:fontRef>
+        </p:style>
+        <p:txBody>
+          <a:bodyPr rot="0" spcFirstLastPara="0" vertOverflow="overflow" horzOverflow="overflow" vert="horz" wrap="square" lIns="91440" tIns="45720" rIns="91440" bIns="45720" numCol="1" spcCol="0" rtlCol="0" fromWordArt="0" anchor="ctr" anchorCtr="0" forceAA="0" compatLnSpc="1">
+            <a:prstTxWarp prst="textNoShape">
+              <a:avLst/>
+            </a:prstTxWarp>
+            <a:noAutofit/>
+          </a:bodyPr>
+          <a:lstStyle/>
+          <a:p>
+            <a:pPr algn="ctr"/>
+            <a:endParaRPr lang="en-US" dirty="0"/>
+          </a:p>
+        </p:txBody>
+      </p:sp>
+      <p:sp>
+        <p:nvSpPr>
+          <p:cNvPr id="16" name="Left Brace 15">
+            <a:extLst>
+              <a:ext uri="{FF2B5EF4-FFF2-40B4-BE49-F238E27FC236}">
+                <a16:creationId xmlns="" xmlns:a16="http://schemas.microsoft.com/office/drawing/2014/main" id="{C41D7DBB-9A60-994D-826E-5C6C44683B28}"/>
+              </a:ext>
+            </a:extLst>
+          </p:cNvPr>
+          <p:cNvSpPr/>
+          <p:nvPr/>
+        </p:nvSpPr>
+        <p:spPr>
+          <a:xfrm rot="16200000">
+            <a:off x="6780449" y="1995771"/>
+            <a:ext cx="392528" cy="2167115"/>
+          </a:xfrm>
+          <a:prstGeom prst="leftBrace">
+            <a:avLst>
+              <a:gd name="adj1" fmla="val 8333"/>
+              <a:gd name="adj2" fmla="val 49020"/>
+            </a:avLst>
+          </a:prstGeom>
+          <a:ln w="12700"/>
+        </p:spPr>
+        <p:style>
+          <a:lnRef idx="2">
+            <a:schemeClr val="dk1"/>
+          </a:lnRef>
+          <a:fillRef idx="0">
+            <a:schemeClr val="dk1"/>
+          </a:fillRef>
+          <a:effectRef idx="1">
+            <a:schemeClr val="dk1"/>
+          </a:effectRef>
+          <a:fontRef idx="minor">
+            <a:schemeClr val="tx1"/>
+          </a:fontRef>
+        </p:style>
+        <p:txBody>
+          <a:bodyPr rot="0" spcFirstLastPara="0" vertOverflow="overflow" horzOverflow="overflow" vert="horz" wrap="square" lIns="91440" tIns="45720" rIns="91440" bIns="45720" numCol="1" spcCol="0" rtlCol="0" fromWordArt="0" anchor="ctr" anchorCtr="0" forceAA="0" compatLnSpc="1">
+            <a:prstTxWarp prst="textNoShape">
+              <a:avLst/>
+            </a:prstTxWarp>
+            <a:noAutofit/>
+          </a:bodyPr>
+          <a:lstStyle/>
+          <a:p>
+            <a:pPr algn="ctr"/>
+            <a:endParaRPr lang="en-US" dirty="0"/>
+          </a:p>
+        </p:txBody>
+      </p:sp>
+      <p:sp>
+        <p:nvSpPr>
+          <p:cNvPr id="18" name="Left Brace 17">
+            <a:extLst>
+              <a:ext uri="{FF2B5EF4-FFF2-40B4-BE49-F238E27FC236}">
+                <a16:creationId xmlns="" xmlns:a16="http://schemas.microsoft.com/office/drawing/2014/main" id="{9234CA40-ECAB-8141-BC12-69CC61FD157B}"/>
+              </a:ext>
+            </a:extLst>
+          </p:cNvPr>
+          <p:cNvSpPr/>
+          <p:nvPr/>
+        </p:nvSpPr>
+        <p:spPr>
+          <a:xfrm>
+            <a:off x="1688393" y="824364"/>
+            <a:ext cx="667001" cy="2985638"/>
+          </a:xfrm>
+          <a:prstGeom prst="leftBrace">
+            <a:avLst>
+              <a:gd name="adj1" fmla="val 8333"/>
+              <a:gd name="adj2" fmla="val 49020"/>
+            </a:avLst>
+          </a:prstGeom>
+          <a:ln w="12700"/>
+        </p:spPr>
+        <p:style>
+          <a:lnRef idx="2">
+            <a:schemeClr val="dk1"/>
+          </a:lnRef>
+          <a:fillRef idx="0">
+            <a:schemeClr val="dk1"/>
+          </a:fillRef>
+          <a:effectRef idx="1">
+            <a:schemeClr val="dk1"/>
+          </a:effectRef>
+          <a:fontRef idx="minor">
+            <a:schemeClr val="tx1"/>
+          </a:fontRef>
+        </p:style>
+        <p:txBody>
+          <a:bodyPr rot="0" spcFirstLastPara="0" vertOverflow="overflow" horzOverflow="overflow" vert="horz" wrap="square" lIns="91440" tIns="45720" rIns="91440" bIns="45720" numCol="1" spcCol="0" rtlCol="0" fromWordArt="0" anchor="ctr" anchorCtr="0" forceAA="0" compatLnSpc="1">
+            <a:prstTxWarp prst="textNoShape">
+              <a:avLst/>
+            </a:prstTxWarp>
+            <a:noAutofit/>
+          </a:bodyPr>
+          <a:lstStyle/>
+          <a:p>
+            <a:pPr algn="ctr"/>
+            <a:endParaRPr lang="en-US" dirty="0"/>
+          </a:p>
+        </p:txBody>
+      </p:sp>
+      <p:pic>
+        <p:nvPicPr>
+          <p:cNvPr id="21" name="Picture 20">
+            <a:extLst>
+              <a:ext uri="{FF2B5EF4-FFF2-40B4-BE49-F238E27FC236}">
+                <a16:creationId xmlns="" xmlns:a16="http://schemas.microsoft.com/office/drawing/2014/main" id="{8A173C13-DA80-674E-B4E4-9D531B0C7671}"/>
+              </a:ext>
+            </a:extLst>
+          </p:cNvPr>
+          <p:cNvPicPr>
+            <a:picLocks noChangeAspect="1"/>
+          </p:cNvPicPr>
+          <p:nvPr/>
+        </p:nvPicPr>
+        <p:blipFill>
+          <a:blip r:embed="rId2"/>
+          <a:stretch>
+            <a:fillRect/>
+          </a:stretch>
+        </p:blipFill>
+        <p:spPr>
+          <a:xfrm>
+            <a:off x="424993" y="2619631"/>
+            <a:ext cx="1333500" cy="330200"/>
+          </a:xfrm>
+          <a:prstGeom prst="rect">
+            <a:avLst/>
+          </a:prstGeom>
+        </p:spPr>
+      </p:pic>
+      <mc:AlternateContent xmlns:mc="http://schemas.openxmlformats.org/markup-compatibility/2006">
+        <mc:Choice xmlns:a14="http://schemas.microsoft.com/office/drawing/2010/main" Requires="a14">
+          <p:sp>
+            <p:nvSpPr>
+              <p:cNvPr id="22" name="TextBox 21"/>
+              <p:cNvSpPr txBox="1"/>
+              <p:nvPr/>
+            </p:nvSpPr>
+            <p:spPr>
+              <a:xfrm>
+                <a:off x="2732299" y="517427"/>
+                <a:ext cx="1446486" cy="492443"/>
+              </a:xfrm>
+              <a:prstGeom prst="rect">
+                <a:avLst/>
+              </a:prstGeom>
+              <a:noFill/>
+            </p:spPr>
+            <p:txBody>
+              <a:bodyPr wrap="none" lIns="0" tIns="0" rIns="0" bIns="0" rtlCol="0">
+                <a:spAutoFit/>
+              </a:bodyPr>
+              <a:lstStyle/>
+              <a:p>
+                <a14:m>
+                  <m:oMathPara xmlns:m="http://schemas.openxmlformats.org/officeDocument/2006/math">
+                    <m:oMathParaPr>
+                      <m:jc m:val="centerGroup"/>
+                    </m:oMathParaPr>
+                    <m:oMath xmlns:m="http://schemas.openxmlformats.org/officeDocument/2006/math">
+                      <m:sSub>
+                        <m:sSubPr>
+                          <m:ctrlPr>
+                            <a:rPr lang="en-US" sz="3200" b="0" i="1" smtClean="0">
+                              <a:latin typeface="Cambria Math" charset="0"/>
+                            </a:rPr>
+                          </m:ctrlPr>
+                        </m:sSubPr>
+                        <m:e>
+                          <m:r>
+                            <a:rPr lang="en-US" sz="3200" b="0" i="1" smtClean="0">
+                              <a:latin typeface="Cambria Math" charset="0"/>
+                            </a:rPr>
+                            <m:t>𝑚</m:t>
+                          </m:r>
+                        </m:e>
+                        <m:sub>
+                          <m:r>
+                            <a:rPr lang="en-US" sz="3200" b="0" i="1" smtClean="0">
+                              <a:latin typeface="Cambria Math" charset="0"/>
+                            </a:rPr>
+                            <m:t>1</m:t>
+                          </m:r>
+                        </m:sub>
+                      </m:sSub>
+                      <m:r>
+                        <a:rPr lang="en-US" sz="3200" b="0" i="1" smtClean="0">
+                          <a:latin typeface="Cambria Math" charset="0"/>
+                        </a:rPr>
+                        <m:t>×</m:t>
+                      </m:r>
+                      <m:sSub>
+                        <m:sSubPr>
+                          <m:ctrlPr>
+                            <a:rPr lang="en-US" sz="3200" b="0" i="1" smtClean="0">
+                              <a:latin typeface="Cambria Math" charset="0"/>
+                            </a:rPr>
+                          </m:ctrlPr>
+                        </m:sSubPr>
+                        <m:e>
+                          <m:r>
+                            <a:rPr lang="en-US" sz="3200" b="0" i="1" smtClean="0">
+                              <a:latin typeface="Cambria Math" charset="0"/>
+                            </a:rPr>
+                            <m:t>𝑚</m:t>
+                          </m:r>
+                        </m:e>
+                        <m:sub>
+                          <m:r>
+                            <a:rPr lang="en-US" sz="3200" b="0" i="1" smtClean="0">
+                              <a:latin typeface="Cambria Math" charset="0"/>
+                            </a:rPr>
+                            <m:t>2</m:t>
+                          </m:r>
+                        </m:sub>
+                      </m:sSub>
+                    </m:oMath>
+                  </m:oMathPara>
+                </a14:m>
+                <a:endParaRPr lang="en-US" sz="3200" dirty="0"/>
+              </a:p>
+            </p:txBody>
+          </p:sp>
+        </mc:Choice>
+        <mc:Fallback>
+          <p:sp>
+            <p:nvSpPr>
+              <p:cNvPr id="22" name="TextBox 21"/>
+              <p:cNvSpPr txBox="1">
+                <a:spLocks noRot="1" noChangeAspect="1" noMove="1" noResize="1" noEditPoints="1" noAdjustHandles="1" noChangeArrowheads="1" noChangeShapeType="1" noTextEdit="1"/>
+              </p:cNvSpPr>
+              <p:nvPr/>
+            </p:nvSpPr>
+            <p:spPr>
+              <a:xfrm>
+                <a:off x="2732299" y="517427"/>
+                <a:ext cx="1446486" cy="492443"/>
+              </a:xfrm>
+              <a:prstGeom prst="rect">
+                <a:avLst/>
+              </a:prstGeom>
+              <a:blipFill rotWithShape="0">
+                <a:blip r:embed="rId3"/>
+                <a:stretch>
+                  <a:fillRect/>
+                </a:stretch>
+              </a:blipFill>
+            </p:spPr>
+            <p:txBody>
+              <a:bodyPr/>
+              <a:lstStyle/>
+              <a:p>
+                <a:r>
+                  <a:rPr lang="en-US">
+                    <a:noFill/>
+                  </a:rPr>
+                  <a:t> </a:t>
+                </a:r>
+              </a:p>
+            </p:txBody>
+          </p:sp>
+        </mc:Fallback>
+      </mc:AlternateContent>
+      <mc:AlternateContent xmlns:mc="http://schemas.openxmlformats.org/markup-compatibility/2006">
+        <mc:Choice xmlns:a14="http://schemas.microsoft.com/office/drawing/2010/main" Requires="a14">
+          <p:sp>
+            <p:nvSpPr>
+              <p:cNvPr id="23" name="TextBox 22"/>
+              <p:cNvSpPr txBox="1"/>
+              <p:nvPr/>
+            </p:nvSpPr>
+            <p:spPr>
+              <a:xfrm>
+                <a:off x="4370675" y="518626"/>
+                <a:ext cx="1455976" cy="492443"/>
+              </a:xfrm>
+              <a:prstGeom prst="rect">
+                <a:avLst/>
+              </a:prstGeom>
+              <a:noFill/>
+            </p:spPr>
+            <p:txBody>
+              <a:bodyPr wrap="none" lIns="0" tIns="0" rIns="0" bIns="0" rtlCol="0">
+                <a:spAutoFit/>
+              </a:bodyPr>
+              <a:lstStyle/>
+              <a:p>
+                <a14:m>
+                  <m:oMathPara xmlns:m="http://schemas.openxmlformats.org/officeDocument/2006/math">
+                    <m:oMathParaPr>
+                      <m:jc m:val="centerGroup"/>
+                    </m:oMathParaPr>
+                    <m:oMath xmlns:m="http://schemas.openxmlformats.org/officeDocument/2006/math">
+                      <m:sSub>
+                        <m:sSubPr>
+                          <m:ctrlPr>
+                            <a:rPr lang="en-US" sz="3200" b="0" i="1" smtClean="0">
+                              <a:latin typeface="Cambria Math" charset="0"/>
+                            </a:rPr>
+                          </m:ctrlPr>
+                        </m:sSubPr>
+                        <m:e>
+                          <m:r>
+                            <a:rPr lang="en-US" sz="3200" b="0" i="1" smtClean="0">
+                              <a:latin typeface="Cambria Math" charset="0"/>
+                            </a:rPr>
+                            <m:t>𝑚</m:t>
+                          </m:r>
+                        </m:e>
+                        <m:sub>
+                          <m:r>
+                            <a:rPr lang="en-US" sz="3200" b="0" i="1" smtClean="0">
+                              <a:latin typeface="Cambria Math" charset="0"/>
+                            </a:rPr>
+                            <m:t>3</m:t>
+                          </m:r>
+                        </m:sub>
+                      </m:sSub>
+                      <m:r>
+                        <a:rPr lang="en-US" sz="3200" b="0" i="1" smtClean="0">
+                          <a:latin typeface="Cambria Math" charset="0"/>
+                        </a:rPr>
+                        <m:t>×</m:t>
+                      </m:r>
+                      <m:sSub>
+                        <m:sSubPr>
+                          <m:ctrlPr>
+                            <a:rPr lang="en-US" sz="3200" b="0" i="1" smtClean="0">
+                              <a:latin typeface="Cambria Math" charset="0"/>
+                            </a:rPr>
+                          </m:ctrlPr>
+                        </m:sSubPr>
+                        <m:e>
+                          <m:r>
+                            <a:rPr lang="en-US" sz="3200" b="0" i="1" smtClean="0">
+                              <a:latin typeface="Cambria Math" charset="0"/>
+                            </a:rPr>
+                            <m:t>𝑚</m:t>
+                          </m:r>
+                        </m:e>
+                        <m:sub>
+                          <m:r>
+                            <a:rPr lang="en-US" sz="3200" b="0" i="1" smtClean="0">
+                              <a:latin typeface="Cambria Math" charset="0"/>
+                            </a:rPr>
+                            <m:t>4</m:t>
+                          </m:r>
+                        </m:sub>
+                      </m:sSub>
+                    </m:oMath>
+                  </m:oMathPara>
+                </a14:m>
+                <a:endParaRPr lang="en-US" sz="3200" dirty="0"/>
+              </a:p>
+            </p:txBody>
+          </p:sp>
+        </mc:Choice>
+        <mc:Fallback>
+          <p:sp>
+            <p:nvSpPr>
+              <p:cNvPr id="23" name="TextBox 22"/>
+              <p:cNvSpPr txBox="1">
+                <a:spLocks noRot="1" noChangeAspect="1" noMove="1" noResize="1" noEditPoints="1" noAdjustHandles="1" noChangeArrowheads="1" noChangeShapeType="1" noTextEdit="1"/>
+              </p:cNvSpPr>
+              <p:nvPr/>
+            </p:nvSpPr>
+            <p:spPr>
+              <a:xfrm>
+                <a:off x="4370675" y="518626"/>
+                <a:ext cx="1455976" cy="492443"/>
+              </a:xfrm>
+              <a:prstGeom prst="rect">
+                <a:avLst/>
+              </a:prstGeom>
+              <a:blipFill rotWithShape="0">
+                <a:blip r:embed="rId4"/>
+                <a:stretch>
+                  <a:fillRect/>
+                </a:stretch>
+              </a:blipFill>
+            </p:spPr>
+            <p:txBody>
+              <a:bodyPr/>
+              <a:lstStyle/>
+              <a:p>
+                <a:r>
+                  <a:rPr lang="en-US">
+                    <a:noFill/>
+                  </a:rPr>
+                  <a:t> </a:t>
+                </a:r>
+              </a:p>
+            </p:txBody>
+          </p:sp>
+        </mc:Fallback>
+      </mc:AlternateContent>
+      <mc:AlternateContent xmlns:mc="http://schemas.openxmlformats.org/markup-compatibility/2006">
+        <mc:Choice xmlns:a14="http://schemas.microsoft.com/office/drawing/2010/main" Requires="a14">
+          <p:sp>
+            <p:nvSpPr>
+              <p:cNvPr id="24" name="TextBox 23"/>
+              <p:cNvSpPr txBox="1"/>
+              <p:nvPr/>
+            </p:nvSpPr>
+            <p:spPr>
+              <a:xfrm>
+                <a:off x="7627130" y="517427"/>
+                <a:ext cx="2290179" cy="492443"/>
+              </a:xfrm>
+              <a:prstGeom prst="rect">
+                <a:avLst/>
+              </a:prstGeom>
+              <a:noFill/>
+            </p:spPr>
+            <p:txBody>
+              <a:bodyPr wrap="none" lIns="0" tIns="0" rIns="0" bIns="0" rtlCol="0">
+                <a:spAutoFit/>
+              </a:bodyPr>
+              <a:lstStyle/>
+              <a:p>
+                <a14:m>
+                  <m:oMathPara xmlns:m="http://schemas.openxmlformats.org/officeDocument/2006/math">
+                    <m:oMathParaPr>
+                      <m:jc m:val="centerGroup"/>
+                    </m:oMathParaPr>
+                    <m:oMath xmlns:m="http://schemas.openxmlformats.org/officeDocument/2006/math">
+                      <m:sSub>
+                        <m:sSubPr>
+                          <m:ctrlPr>
+                            <a:rPr lang="en-US" sz="3200" b="0" i="1" smtClean="0">
+                              <a:latin typeface="Cambria Math" charset="0"/>
+                            </a:rPr>
+                          </m:ctrlPr>
+                        </m:sSubPr>
+                        <m:e>
+                          <m:r>
+                            <a:rPr lang="en-US" sz="3200" b="0" i="1" smtClean="0">
+                              <a:latin typeface="Cambria Math" charset="0"/>
+                            </a:rPr>
+                            <m:t>𝑚</m:t>
+                          </m:r>
+                        </m:e>
+                        <m:sub>
+                          <m:r>
+                            <a:rPr lang="en-US" sz="3200" b="0" i="1" smtClean="0">
+                              <a:latin typeface="Cambria Math" charset="0"/>
+                            </a:rPr>
+                            <m:t>𝑛</m:t>
+                          </m:r>
+                          <m:r>
+                            <a:rPr lang="en-US" sz="3200" b="0" i="1" smtClean="0">
+                              <a:latin typeface="Cambria Math" charset="0"/>
+                            </a:rPr>
+                            <m:t>−3</m:t>
+                          </m:r>
+                        </m:sub>
+                      </m:sSub>
+                      <m:r>
+                        <a:rPr lang="en-US" sz="3200" b="0" i="1" smtClean="0">
+                          <a:latin typeface="Cambria Math" charset="0"/>
+                        </a:rPr>
+                        <m:t>×</m:t>
+                      </m:r>
+                      <m:sSub>
+                        <m:sSubPr>
+                          <m:ctrlPr>
+                            <a:rPr lang="en-US" sz="3200" b="0" i="1" smtClean="0">
+                              <a:latin typeface="Cambria Math" charset="0"/>
+                            </a:rPr>
+                          </m:ctrlPr>
+                        </m:sSubPr>
+                        <m:e>
+                          <m:r>
+                            <a:rPr lang="en-US" sz="3200" b="0" i="1" smtClean="0">
+                              <a:latin typeface="Cambria Math" charset="0"/>
+                            </a:rPr>
+                            <m:t>𝑚</m:t>
+                          </m:r>
+                        </m:e>
+                        <m:sub>
+                          <m:r>
+                            <a:rPr lang="en-US" sz="3200" b="0" i="1" smtClean="0">
+                              <a:latin typeface="Cambria Math" charset="0"/>
+                            </a:rPr>
+                            <m:t>𝑛</m:t>
+                          </m:r>
+                          <m:r>
+                            <a:rPr lang="en-US" sz="3200" b="0" i="1" smtClean="0">
+                              <a:latin typeface="Cambria Math" charset="0"/>
+                            </a:rPr>
+                            <m:t>−2</m:t>
+                          </m:r>
+                        </m:sub>
+                      </m:sSub>
+                    </m:oMath>
+                  </m:oMathPara>
+                </a14:m>
+                <a:endParaRPr lang="en-US" sz="3200" dirty="0"/>
+              </a:p>
+            </p:txBody>
+          </p:sp>
+        </mc:Choice>
+        <mc:Fallback>
+          <p:sp>
+            <p:nvSpPr>
+              <p:cNvPr id="24" name="TextBox 23"/>
+              <p:cNvSpPr txBox="1">
+                <a:spLocks noRot="1" noChangeAspect="1" noMove="1" noResize="1" noEditPoints="1" noAdjustHandles="1" noChangeArrowheads="1" noChangeShapeType="1" noTextEdit="1"/>
+              </p:cNvSpPr>
+              <p:nvPr/>
+            </p:nvSpPr>
+            <p:spPr>
+              <a:xfrm>
+                <a:off x="7627130" y="517427"/>
+                <a:ext cx="2290179" cy="492443"/>
+              </a:xfrm>
+              <a:prstGeom prst="rect">
+                <a:avLst/>
+              </a:prstGeom>
+              <a:blipFill rotWithShape="0">
+                <a:blip r:embed="rId5"/>
+                <a:stretch>
+                  <a:fillRect/>
+                </a:stretch>
+              </a:blipFill>
+            </p:spPr>
+            <p:txBody>
+              <a:bodyPr/>
+              <a:lstStyle/>
+              <a:p>
+                <a:r>
+                  <a:rPr lang="en-US">
+                    <a:noFill/>
+                  </a:rPr>
+                  <a:t> </a:t>
+                </a:r>
+              </a:p>
+            </p:txBody>
+          </p:sp>
+        </mc:Fallback>
+      </mc:AlternateContent>
+      <mc:AlternateContent xmlns:mc="http://schemas.openxmlformats.org/markup-compatibility/2006">
+        <mc:Choice xmlns:a14="http://schemas.microsoft.com/office/drawing/2010/main" Requires="a14">
+          <p:sp>
+            <p:nvSpPr>
+              <p:cNvPr id="25" name="TextBox 24"/>
+              <p:cNvSpPr txBox="1"/>
+              <p:nvPr/>
+            </p:nvSpPr>
+            <p:spPr>
+              <a:xfrm>
+                <a:off x="10315122" y="517427"/>
+                <a:ext cx="1899046" cy="492443"/>
+              </a:xfrm>
+              <a:prstGeom prst="rect">
+                <a:avLst/>
+              </a:prstGeom>
+              <a:noFill/>
+            </p:spPr>
+            <p:txBody>
+              <a:bodyPr wrap="none" lIns="0" tIns="0" rIns="0" bIns="0" rtlCol="0">
+                <a:spAutoFit/>
+              </a:bodyPr>
+              <a:lstStyle/>
+              <a:p>
+                <a14:m>
+                  <m:oMathPara xmlns:m="http://schemas.openxmlformats.org/officeDocument/2006/math">
+                    <m:oMathParaPr>
+                      <m:jc m:val="centerGroup"/>
+                    </m:oMathParaPr>
+                    <m:oMath xmlns:m="http://schemas.openxmlformats.org/officeDocument/2006/math">
+                      <m:sSub>
+                        <m:sSubPr>
+                          <m:ctrlPr>
+                            <a:rPr lang="en-US" sz="3200" b="0" i="1" smtClean="0">
+                              <a:latin typeface="Cambria Math" charset="0"/>
+                            </a:rPr>
+                          </m:ctrlPr>
+                        </m:sSubPr>
+                        <m:e>
+                          <m:r>
+                            <a:rPr lang="en-US" sz="3200" b="0" i="1" smtClean="0">
+                              <a:latin typeface="Cambria Math" charset="0"/>
+                            </a:rPr>
+                            <m:t>𝑚</m:t>
+                          </m:r>
+                        </m:e>
+                        <m:sub>
+                          <m:r>
+                            <a:rPr lang="en-US" sz="3200" b="0" i="1" smtClean="0">
+                              <a:latin typeface="Cambria Math" charset="0"/>
+                            </a:rPr>
+                            <m:t>𝑛</m:t>
+                          </m:r>
+                          <m:r>
+                            <a:rPr lang="en-US" sz="3200" b="0" i="1" smtClean="0">
+                              <a:latin typeface="Cambria Math" charset="0"/>
+                            </a:rPr>
+                            <m:t>−1</m:t>
+                          </m:r>
+                        </m:sub>
+                      </m:sSub>
+                      <m:r>
+                        <a:rPr lang="en-US" sz="3200" b="0" i="1" smtClean="0">
+                          <a:latin typeface="Cambria Math" charset="0"/>
+                        </a:rPr>
+                        <m:t>×</m:t>
+                      </m:r>
+                      <m:sSub>
+                        <m:sSubPr>
+                          <m:ctrlPr>
+                            <a:rPr lang="en-US" sz="3200" b="0" i="1" smtClean="0">
+                              <a:latin typeface="Cambria Math" charset="0"/>
+                            </a:rPr>
+                          </m:ctrlPr>
+                        </m:sSubPr>
+                        <m:e>
+                          <m:r>
+                            <a:rPr lang="en-US" sz="3200" b="0" i="1" smtClean="0">
+                              <a:latin typeface="Cambria Math" charset="0"/>
+                            </a:rPr>
+                            <m:t>𝑚</m:t>
+                          </m:r>
+                        </m:e>
+                        <m:sub>
+                          <m:r>
+                            <a:rPr lang="en-US" sz="3200" b="0" i="1" smtClean="0">
+                              <a:latin typeface="Cambria Math" charset="0"/>
+                            </a:rPr>
+                            <m:t>𝑛</m:t>
+                          </m:r>
+                        </m:sub>
+                      </m:sSub>
+                    </m:oMath>
+                  </m:oMathPara>
+                </a14:m>
+                <a:endParaRPr lang="en-US" sz="3200" dirty="0"/>
+              </a:p>
+            </p:txBody>
+          </p:sp>
+        </mc:Choice>
+        <mc:Fallback>
+          <p:sp>
+            <p:nvSpPr>
+              <p:cNvPr id="25" name="TextBox 24"/>
+              <p:cNvSpPr txBox="1">
+                <a:spLocks noRot="1" noChangeAspect="1" noMove="1" noResize="1" noEditPoints="1" noAdjustHandles="1" noChangeArrowheads="1" noChangeShapeType="1" noTextEdit="1"/>
+              </p:cNvSpPr>
+              <p:nvPr/>
+            </p:nvSpPr>
+            <p:spPr>
+              <a:xfrm>
+                <a:off x="10315122" y="517427"/>
+                <a:ext cx="1899046" cy="492443"/>
+              </a:xfrm>
+              <a:prstGeom prst="rect">
+                <a:avLst/>
+              </a:prstGeom>
+              <a:blipFill rotWithShape="0">
+                <a:blip r:embed="rId6"/>
+                <a:stretch>
+                  <a:fillRect/>
+                </a:stretch>
+              </a:blipFill>
+            </p:spPr>
+            <p:txBody>
+              <a:bodyPr/>
+              <a:lstStyle/>
+              <a:p>
+                <a:r>
+                  <a:rPr lang="en-US">
+                    <a:noFill/>
+                  </a:rPr>
+                  <a:t> </a:t>
+                </a:r>
+              </a:p>
+            </p:txBody>
+          </p:sp>
+        </mc:Fallback>
+      </mc:AlternateContent>
+      <mc:AlternateContent xmlns:mc="http://schemas.openxmlformats.org/markup-compatibility/2006">
+        <mc:Choice xmlns:a14="http://schemas.microsoft.com/office/drawing/2010/main" Requires="a14">
+          <p:sp>
+            <p:nvSpPr>
+              <p:cNvPr id="26" name="TextBox 25"/>
+              <p:cNvSpPr txBox="1"/>
+              <p:nvPr/>
+            </p:nvSpPr>
+            <p:spPr>
+              <a:xfrm>
+                <a:off x="4995178" y="3653050"/>
+                <a:ext cx="4348498" cy="492443"/>
+              </a:xfrm>
+              <a:prstGeom prst="rect">
+                <a:avLst/>
+              </a:prstGeom>
+              <a:noFill/>
+            </p:spPr>
+            <p:txBody>
+              <a:bodyPr wrap="none" lIns="0" tIns="0" rIns="0" bIns="0" rtlCol="0">
+                <a:spAutoFit/>
+              </a:bodyPr>
+              <a:lstStyle/>
+              <a:p>
+                <a14:m>
+                  <m:oMathPara xmlns:m="http://schemas.openxmlformats.org/officeDocument/2006/math">
+                    <m:oMathParaPr>
+                      <m:jc m:val="centerGroup"/>
+                    </m:oMathParaPr>
+                    <m:oMath xmlns:m="http://schemas.openxmlformats.org/officeDocument/2006/math">
+                      <m:sSub>
+                        <m:sSubPr>
+                          <m:ctrlPr>
+                            <a:rPr lang="en-US" sz="3200" b="0" i="1" smtClean="0">
+                              <a:latin typeface="Cambria Math" charset="0"/>
+                            </a:rPr>
+                          </m:ctrlPr>
+                        </m:sSubPr>
+                        <m:e>
+                          <m:r>
+                            <a:rPr lang="en-US" sz="3200" b="0" i="1" smtClean="0">
+                              <a:latin typeface="Cambria Math" charset="0"/>
+                            </a:rPr>
+                            <m:t>𝑚</m:t>
+                          </m:r>
+                        </m:e>
+                        <m:sub>
+                          <m:r>
+                            <a:rPr lang="en-US" sz="3200" b="0" i="1" smtClean="0">
+                              <a:latin typeface="Cambria Math" charset="0"/>
+                            </a:rPr>
+                            <m:t>1</m:t>
+                          </m:r>
+                        </m:sub>
+                      </m:sSub>
+                      <m:r>
+                        <a:rPr lang="en-US" sz="3200" b="0" i="1" smtClean="0">
+                          <a:latin typeface="Cambria Math" charset="0"/>
+                        </a:rPr>
+                        <m:t>×</m:t>
+                      </m:r>
+                      <m:sSub>
+                        <m:sSubPr>
+                          <m:ctrlPr>
+                            <a:rPr lang="en-US" sz="3200" b="0" i="1" smtClean="0">
+                              <a:latin typeface="Cambria Math" charset="0"/>
+                            </a:rPr>
+                          </m:ctrlPr>
+                        </m:sSubPr>
+                        <m:e>
+                          <m:r>
+                            <a:rPr lang="en-US" sz="3200" b="0" i="1" smtClean="0">
+                              <a:latin typeface="Cambria Math" charset="0"/>
+                            </a:rPr>
+                            <m:t>𝑚</m:t>
+                          </m:r>
+                        </m:e>
+                        <m:sub>
+                          <m:r>
+                            <a:rPr lang="en-US" sz="3200" b="0" i="1" smtClean="0">
+                              <a:latin typeface="Cambria Math" charset="0"/>
+                            </a:rPr>
+                            <m:t>2</m:t>
+                          </m:r>
+                        </m:sub>
+                      </m:sSub>
+                      <m:r>
+                        <a:rPr lang="en-US" sz="3200" b="0" i="1" smtClean="0">
+                          <a:latin typeface="Cambria Math" charset="0"/>
+                        </a:rPr>
+                        <m:t>×… ×</m:t>
+                      </m:r>
+                      <m:sSub>
+                        <m:sSubPr>
+                          <m:ctrlPr>
+                            <a:rPr lang="en-US" sz="3200" b="0" i="1" smtClean="0">
+                              <a:latin typeface="Cambria Math" charset="0"/>
+                            </a:rPr>
+                          </m:ctrlPr>
+                        </m:sSubPr>
+                        <m:e>
+                          <m:r>
+                            <a:rPr lang="en-US" sz="3200" b="0" i="1" smtClean="0">
+                              <a:latin typeface="Cambria Math" charset="0"/>
+                            </a:rPr>
+                            <m:t>𝑚</m:t>
+                          </m:r>
+                        </m:e>
+                        <m:sub>
+                          <m:r>
+                            <a:rPr lang="en-US" sz="3200" b="0" i="1" smtClean="0">
+                              <a:latin typeface="Cambria Math" charset="0"/>
+                            </a:rPr>
+                            <m:t>𝑛</m:t>
+                          </m:r>
+                          <m:r>
+                            <a:rPr lang="en-US" sz="3200" b="0" i="1" smtClean="0">
+                              <a:latin typeface="Cambria Math" charset="0"/>
+                            </a:rPr>
+                            <m:t>−1</m:t>
+                          </m:r>
+                        </m:sub>
+                      </m:sSub>
+                      <m:r>
+                        <a:rPr lang="en-US" sz="3200" b="0" i="1" smtClean="0">
+                          <a:latin typeface="Cambria Math" charset="0"/>
+                        </a:rPr>
+                        <m:t>×</m:t>
+                      </m:r>
+                      <m:sSub>
+                        <m:sSubPr>
+                          <m:ctrlPr>
+                            <a:rPr lang="en-US" sz="3200" b="0" i="1" smtClean="0">
+                              <a:latin typeface="Cambria Math" charset="0"/>
+                            </a:rPr>
+                          </m:ctrlPr>
+                        </m:sSubPr>
+                        <m:e>
+                          <m:r>
+                            <a:rPr lang="en-US" sz="3200" b="0" i="1" smtClean="0">
+                              <a:latin typeface="Cambria Math" charset="0"/>
+                            </a:rPr>
+                            <m:t>𝑚</m:t>
+                          </m:r>
+                        </m:e>
+                        <m:sub>
+                          <m:r>
+                            <a:rPr lang="en-US" sz="3200" b="0" i="1" smtClean="0">
+                              <a:latin typeface="Cambria Math" charset="0"/>
+                            </a:rPr>
+                            <m:t>𝑛</m:t>
+                          </m:r>
+                        </m:sub>
+                      </m:sSub>
+                    </m:oMath>
+                  </m:oMathPara>
+                </a14:m>
+                <a:endParaRPr lang="en-US" sz="3200" dirty="0"/>
+              </a:p>
+            </p:txBody>
+          </p:sp>
+        </mc:Choice>
+        <mc:Fallback>
+          <p:sp>
+            <p:nvSpPr>
+              <p:cNvPr id="26" name="TextBox 25"/>
+              <p:cNvSpPr txBox="1">
+                <a:spLocks noRot="1" noChangeAspect="1" noMove="1" noResize="1" noEditPoints="1" noAdjustHandles="1" noChangeArrowheads="1" noChangeShapeType="1" noTextEdit="1"/>
+              </p:cNvSpPr>
+              <p:nvPr/>
+            </p:nvSpPr>
+            <p:spPr>
+              <a:xfrm>
+                <a:off x="4995178" y="3653050"/>
+                <a:ext cx="4348498" cy="492443"/>
+              </a:xfrm>
+              <a:prstGeom prst="rect">
+                <a:avLst/>
+              </a:prstGeom>
+              <a:blipFill rotWithShape="0">
+                <a:blip r:embed="rId7"/>
+                <a:stretch>
+                  <a:fillRect/>
+                </a:stretch>
+              </a:blipFill>
+            </p:spPr>
+            <p:txBody>
+              <a:bodyPr/>
+              <a:lstStyle/>
+              <a:p>
+                <a:r>
+                  <a:rPr lang="en-US">
+                    <a:noFill/>
+                  </a:rPr>
+                  <a:t> </a:t>
+                </a:r>
+              </a:p>
+            </p:txBody>
+          </p:sp>
+        </mc:Fallback>
+      </mc:AlternateContent>
+      <p:sp>
+        <p:nvSpPr>
+          <p:cNvPr id="27" name="TextBox 26"/>
+          <p:cNvSpPr txBox="1"/>
+          <p:nvPr/>
+        </p:nvSpPr>
+        <p:spPr>
+          <a:xfrm>
+            <a:off x="6019430" y="466628"/>
+            <a:ext cx="538930" cy="707886"/>
+          </a:xfrm>
+          <a:prstGeom prst="rect">
+            <a:avLst/>
+          </a:prstGeom>
+          <a:noFill/>
+        </p:spPr>
+        <p:txBody>
+          <a:bodyPr wrap="none" rtlCol="0">
+            <a:spAutoFit/>
+          </a:bodyPr>
+          <a:lstStyle/>
+          <a:p>
+            <a:r>
+              <a:rPr lang="is-IS" sz="4000" dirty="0" smtClean="0"/>
+              <a:t>…</a:t>
+            </a:r>
+            <a:endParaRPr lang="en-US" sz="4000" dirty="0"/>
+          </a:p>
+        </p:txBody>
+      </p:sp>
+      <p:sp>
+        <p:nvSpPr>
+          <p:cNvPr id="28" name="TextBox 27"/>
+          <p:cNvSpPr txBox="1"/>
+          <p:nvPr/>
+        </p:nvSpPr>
+        <p:spPr>
+          <a:xfrm>
+            <a:off x="6967696" y="466631"/>
+            <a:ext cx="538930" cy="707886"/>
+          </a:xfrm>
+          <a:prstGeom prst="rect">
+            <a:avLst/>
+          </a:prstGeom>
+          <a:noFill/>
+        </p:spPr>
+        <p:txBody>
+          <a:bodyPr wrap="none" rtlCol="0">
+            <a:spAutoFit/>
+          </a:bodyPr>
+          <a:lstStyle/>
+          <a:p>
+            <a:r>
+              <a:rPr lang="is-IS" sz="4000" dirty="0" smtClean="0"/>
+              <a:t>…</a:t>
+            </a:r>
+            <a:endParaRPr lang="en-US" sz="4000" dirty="0"/>
+          </a:p>
+        </p:txBody>
+      </p:sp>
+      <mc:AlternateContent xmlns:mc="http://schemas.openxmlformats.org/markup-compatibility/2006">
+        <mc:Choice xmlns:a14="http://schemas.microsoft.com/office/drawing/2010/main" Requires="a14">
+          <p:sp>
+            <p:nvSpPr>
+              <p:cNvPr id="29" name="Rectangle 28"/>
+              <p:cNvSpPr/>
+              <p:nvPr/>
+            </p:nvSpPr>
+            <p:spPr>
+              <a:xfrm>
+                <a:off x="3944474" y="1429085"/>
+                <a:ext cx="570989" cy="584775"/>
+              </a:xfrm>
+              <a:prstGeom prst="rect">
+                <a:avLst/>
+              </a:prstGeom>
+            </p:spPr>
+            <p:txBody>
+              <a:bodyPr wrap="none">
+                <a:spAutoFit/>
+              </a:bodyPr>
+              <a:lstStyle/>
+              <a:p>
+                <a14:m>
+                  <m:oMathPara xmlns:m="http://schemas.openxmlformats.org/officeDocument/2006/math">
+                    <m:oMathParaPr>
+                      <m:jc m:val="centerGroup"/>
+                    </m:oMathParaPr>
+                    <m:oMath xmlns:m="http://schemas.openxmlformats.org/officeDocument/2006/math">
+                      <m:r>
+                        <a:rPr lang="en-US" sz="3200" i="1">
+                          <a:latin typeface="Cambria Math" charset="0"/>
+                        </a:rPr>
+                        <m:t>×</m:t>
+                      </m:r>
+                    </m:oMath>
+                  </m:oMathPara>
+                </a14:m>
+                <a:endParaRPr lang="en-US" sz="3200" dirty="0"/>
+              </a:p>
+            </p:txBody>
+          </p:sp>
+        </mc:Choice>
+        <mc:Fallback>
+          <p:sp>
+            <p:nvSpPr>
+              <p:cNvPr id="29" name="Rectangle 28"/>
+              <p:cNvSpPr>
+                <a:spLocks noRot="1" noChangeAspect="1" noMove="1" noResize="1" noEditPoints="1" noAdjustHandles="1" noChangeArrowheads="1" noChangeShapeType="1" noTextEdit="1"/>
+              </p:cNvSpPr>
+              <p:nvPr/>
+            </p:nvSpPr>
+            <p:spPr>
+              <a:xfrm>
+                <a:off x="3944474" y="1429085"/>
+                <a:ext cx="570989" cy="584775"/>
+              </a:xfrm>
+              <a:prstGeom prst="rect">
+                <a:avLst/>
+              </a:prstGeom>
+              <a:blipFill rotWithShape="0">
+                <a:blip r:embed="rId8"/>
+                <a:stretch>
+                  <a:fillRect/>
+                </a:stretch>
+              </a:blipFill>
+            </p:spPr>
+            <p:txBody>
+              <a:bodyPr/>
+              <a:lstStyle/>
+              <a:p>
+                <a:r>
+                  <a:rPr lang="en-US">
+                    <a:noFill/>
+                  </a:rPr>
+                  <a:t> </a:t>
+                </a:r>
+              </a:p>
+            </p:txBody>
+          </p:sp>
+        </mc:Fallback>
+      </mc:AlternateContent>
+      <mc:AlternateContent xmlns:mc="http://schemas.openxmlformats.org/markup-compatibility/2006">
+        <mc:Choice xmlns:a14="http://schemas.microsoft.com/office/drawing/2010/main" Requires="a14">
+          <p:sp>
+            <p:nvSpPr>
+              <p:cNvPr id="30" name="Rectangle 29"/>
+              <p:cNvSpPr/>
+              <p:nvPr/>
+            </p:nvSpPr>
+            <p:spPr>
+              <a:xfrm>
+                <a:off x="9769536" y="1410760"/>
+                <a:ext cx="570989" cy="584775"/>
+              </a:xfrm>
+              <a:prstGeom prst="rect">
+                <a:avLst/>
+              </a:prstGeom>
+            </p:spPr>
+            <p:txBody>
+              <a:bodyPr wrap="none">
+                <a:spAutoFit/>
+              </a:bodyPr>
+              <a:lstStyle/>
+              <a:p>
+                <a14:m>
+                  <m:oMathPara xmlns:m="http://schemas.openxmlformats.org/officeDocument/2006/math">
+                    <m:oMathParaPr>
+                      <m:jc m:val="centerGroup"/>
+                    </m:oMathParaPr>
+                    <m:oMath xmlns:m="http://schemas.openxmlformats.org/officeDocument/2006/math">
+                      <m:r>
+                        <a:rPr lang="en-US" sz="3200" i="1">
+                          <a:latin typeface="Cambria Math" charset="0"/>
+                        </a:rPr>
+                        <m:t>×</m:t>
+                      </m:r>
+                    </m:oMath>
+                  </m:oMathPara>
+                </a14:m>
+                <a:endParaRPr lang="en-US" sz="3200" dirty="0"/>
+              </a:p>
+            </p:txBody>
+          </p:sp>
+        </mc:Choice>
+        <mc:Fallback>
+          <p:sp>
+            <p:nvSpPr>
+              <p:cNvPr id="30" name="Rectangle 29"/>
+              <p:cNvSpPr>
+                <a:spLocks noRot="1" noChangeAspect="1" noMove="1" noResize="1" noEditPoints="1" noAdjustHandles="1" noChangeArrowheads="1" noChangeShapeType="1" noTextEdit="1"/>
+              </p:cNvSpPr>
+              <p:nvPr/>
+            </p:nvSpPr>
+            <p:spPr>
+              <a:xfrm>
+                <a:off x="9769536" y="1410760"/>
+                <a:ext cx="570989" cy="584775"/>
+              </a:xfrm>
+              <a:prstGeom prst="rect">
+                <a:avLst/>
+              </a:prstGeom>
+              <a:blipFill rotWithShape="0">
+                <a:blip r:embed="rId9"/>
+                <a:stretch>
+                  <a:fillRect/>
+                </a:stretch>
+              </a:blipFill>
+            </p:spPr>
+            <p:txBody>
+              <a:bodyPr/>
+              <a:lstStyle/>
+              <a:p>
+                <a:r>
+                  <a:rPr lang="en-US">
+                    <a:noFill/>
+                  </a:rPr>
+                  <a:t> </a:t>
+                </a:r>
+              </a:p>
+            </p:txBody>
+          </p:sp>
+        </mc:Fallback>
+      </mc:AlternateContent>
+      <p:sp>
+        <p:nvSpPr>
+          <p:cNvPr id="31" name="TextBox 30"/>
+          <p:cNvSpPr txBox="1"/>
+          <p:nvPr/>
+        </p:nvSpPr>
+        <p:spPr>
+          <a:xfrm rot="5400000">
+            <a:off x="6866096" y="2007561"/>
+            <a:ext cx="538930" cy="707886"/>
+          </a:xfrm>
+          <a:prstGeom prst="rect">
+            <a:avLst/>
+          </a:prstGeom>
+          <a:noFill/>
+        </p:spPr>
+        <p:txBody>
+          <a:bodyPr wrap="none" rtlCol="0">
+            <a:spAutoFit/>
+          </a:bodyPr>
+          <a:lstStyle/>
+          <a:p>
+            <a:r>
+              <a:rPr lang="is-IS" sz="4000" dirty="0" smtClean="0"/>
+              <a:t>…</a:t>
+            </a:r>
+            <a:endParaRPr lang="en-US" sz="4000" dirty="0"/>
+          </a:p>
+        </p:txBody>
+      </p:sp>
+      <mc:AlternateContent xmlns:mc="http://schemas.openxmlformats.org/markup-compatibility/2006">
+        <mc:Choice xmlns:a14="http://schemas.microsoft.com/office/drawing/2010/main" Requires="a14">
+          <p:sp>
+            <p:nvSpPr>
+              <p:cNvPr id="32" name="Rectangle 31"/>
+              <p:cNvSpPr/>
+              <p:nvPr/>
+            </p:nvSpPr>
+            <p:spPr>
+              <a:xfrm>
+                <a:off x="6687672" y="3121024"/>
+                <a:ext cx="570989" cy="584775"/>
+              </a:xfrm>
+              <a:prstGeom prst="rect">
+                <a:avLst/>
+              </a:prstGeom>
+            </p:spPr>
+            <p:txBody>
+              <a:bodyPr wrap="none">
+                <a:spAutoFit/>
+              </a:bodyPr>
+              <a:lstStyle/>
+              <a:p>
+                <a14:m>
+                  <m:oMathPara xmlns:m="http://schemas.openxmlformats.org/officeDocument/2006/math">
+                    <m:oMathParaPr>
+                      <m:jc m:val="centerGroup"/>
+                    </m:oMathParaPr>
+                    <m:oMath xmlns:m="http://schemas.openxmlformats.org/officeDocument/2006/math">
+                      <m:r>
+                        <a:rPr lang="en-US" sz="3200" i="1">
+                          <a:latin typeface="Cambria Math" charset="0"/>
+                        </a:rPr>
+                        <m:t>×</m:t>
+                      </m:r>
+                    </m:oMath>
+                  </m:oMathPara>
+                </a14:m>
+                <a:endParaRPr lang="en-US" sz="3200" dirty="0"/>
+              </a:p>
+            </p:txBody>
+          </p:sp>
+        </mc:Choice>
+        <mc:Fallback>
+          <p:sp>
+            <p:nvSpPr>
+              <p:cNvPr id="32" name="Rectangle 31"/>
+              <p:cNvSpPr>
+                <a:spLocks noRot="1" noChangeAspect="1" noMove="1" noResize="1" noEditPoints="1" noAdjustHandles="1" noChangeArrowheads="1" noChangeShapeType="1" noTextEdit="1"/>
+              </p:cNvSpPr>
+              <p:nvPr/>
+            </p:nvSpPr>
+            <p:spPr>
+              <a:xfrm>
+                <a:off x="6687672" y="3121024"/>
+                <a:ext cx="570989" cy="584775"/>
+              </a:xfrm>
+              <a:prstGeom prst="rect">
+                <a:avLst/>
+              </a:prstGeom>
+              <a:blipFill rotWithShape="0">
+                <a:blip r:embed="rId10"/>
+                <a:stretch>
+                  <a:fillRect/>
+                </a:stretch>
+              </a:blipFill>
+            </p:spPr>
+            <p:txBody>
+              <a:bodyPr/>
+              <a:lstStyle/>
+              <a:p>
+                <a:r>
+                  <a:rPr lang="en-US">
+                    <a:noFill/>
+                  </a:rPr>
+                  <a:t> </a:t>
+                </a:r>
+              </a:p>
+            </p:txBody>
+          </p:sp>
+        </mc:Fallback>
+      </mc:AlternateContent>
+      <mc:AlternateContent xmlns:mc="http://schemas.openxmlformats.org/markup-compatibility/2006">
+        <mc:Choice xmlns:a14="http://schemas.microsoft.com/office/drawing/2010/main" Requires="a14">
+          <p:sp>
+            <p:nvSpPr>
+              <p:cNvPr id="36" name="TextBox 35"/>
+              <p:cNvSpPr txBox="1"/>
+              <p:nvPr/>
+            </p:nvSpPr>
+            <p:spPr>
+              <a:xfrm>
+                <a:off x="441578" y="1932253"/>
+                <a:ext cx="1316130" cy="492443"/>
+              </a:xfrm>
+              <a:prstGeom prst="rect">
+                <a:avLst/>
+              </a:prstGeom>
+              <a:noFill/>
+            </p:spPr>
+            <p:txBody>
+              <a:bodyPr wrap="none" lIns="0" tIns="0" rIns="0" bIns="0" rtlCol="0">
+                <a:spAutoFit/>
+              </a:bodyPr>
+              <a:lstStyle/>
+              <a:p>
+                <a14:m>
+                  <m:oMathPara xmlns:m="http://schemas.openxmlformats.org/officeDocument/2006/math">
+                    <m:oMathParaPr>
+                      <m:jc m:val="centerGroup"/>
+                    </m:oMathParaPr>
+                    <m:oMath xmlns:m="http://schemas.openxmlformats.org/officeDocument/2006/math">
+                      <m:r>
+                        <a:rPr lang="en-US" sz="3200" b="0" i="1" smtClean="0">
+                          <a:latin typeface="Cambria Math" charset="0"/>
+                        </a:rPr>
+                        <m:t>⌈</m:t>
+                      </m:r>
+                      <m:func>
+                        <m:funcPr>
+                          <m:ctrlPr>
+                            <a:rPr lang="en-US" sz="3200" b="0" i="1" smtClean="0">
+                              <a:latin typeface="Cambria Math" charset="0"/>
+                            </a:rPr>
+                          </m:ctrlPr>
+                        </m:funcPr>
+                        <m:fName>
+                          <m:r>
+                            <m:rPr>
+                              <m:sty m:val="p"/>
+                            </m:rPr>
+                            <a:rPr lang="en-US" sz="3200" b="0" i="0" smtClean="0">
+                              <a:latin typeface="Cambria Math" charset="0"/>
+                            </a:rPr>
+                            <m:t>log</m:t>
+                          </m:r>
+                        </m:fName>
+                        <m:e>
+                          <m:r>
+                            <a:rPr lang="en-US" sz="3200" b="0" i="1" smtClean="0">
+                              <a:latin typeface="Cambria Math" charset="0"/>
+                            </a:rPr>
+                            <m:t>𝑛</m:t>
+                          </m:r>
+                          <m:r>
+                            <a:rPr lang="en-US" sz="3200" b="0" i="1" smtClean="0">
+                              <a:latin typeface="Cambria Math" charset="0"/>
+                            </a:rPr>
+                            <m:t> </m:t>
+                          </m:r>
+                        </m:e>
+                      </m:func>
+                      <m:r>
+                        <a:rPr lang="en-US" sz="3200" b="0" i="1" smtClean="0">
+                          <a:latin typeface="Cambria Math" charset="0"/>
+                        </a:rPr>
+                        <m:t>⌉</m:t>
+                      </m:r>
+                    </m:oMath>
+                  </m:oMathPara>
+                </a14:m>
+                <a:endParaRPr lang="en-US" sz="3200" dirty="0"/>
+              </a:p>
+            </p:txBody>
+          </p:sp>
+        </mc:Choice>
+        <mc:Fallback>
+          <p:sp>
+            <p:nvSpPr>
+              <p:cNvPr id="36" name="TextBox 35"/>
+              <p:cNvSpPr txBox="1">
+                <a:spLocks noRot="1" noChangeAspect="1" noMove="1" noResize="1" noEditPoints="1" noAdjustHandles="1" noChangeArrowheads="1" noChangeShapeType="1" noTextEdit="1"/>
+              </p:cNvSpPr>
+              <p:nvPr/>
+            </p:nvSpPr>
+            <p:spPr>
+              <a:xfrm>
+                <a:off x="441578" y="1932253"/>
+                <a:ext cx="1316130" cy="492443"/>
+              </a:xfrm>
+              <a:prstGeom prst="rect">
+                <a:avLst/>
+              </a:prstGeom>
+              <a:blipFill rotWithShape="0">
+                <a:blip r:embed="rId11"/>
+                <a:stretch>
+                  <a:fillRect/>
+                </a:stretch>
+              </a:blipFill>
+            </p:spPr>
+            <p:txBody>
+              <a:bodyPr/>
+              <a:lstStyle/>
+              <a:p>
+                <a:r>
+                  <a:rPr lang="en-US">
+                    <a:noFill/>
+                  </a:rPr>
+                  <a:t> </a:t>
+                </a:r>
+              </a:p>
+            </p:txBody>
+          </p:sp>
+        </mc:Fallback>
+      </mc:AlternateContent>
+    </p:spTree>
+    <p:extLst>
+      <p:ext uri="{BB962C8B-B14F-4D97-AF65-F5344CB8AC3E}">
+        <p14:creationId xmlns:p14="http://schemas.microsoft.com/office/powerpoint/2010/main" val="790746480"/>
+      </p:ext>
+    </p:extLst>
+  </p:cSld>
+  <p:clrMapOvr>
+    <a:masterClrMapping/>
+  </p:clrMapOvr>
 </p:sld>
 </file>
 
